--- a/How_AH_Using_OSes.pptx
+++ b/How_AH_Using_OSes.pptx
@@ -5,14 +5,15 @@
     <p:sldMasterId id="2147483648" r:id="rId1"/>
   </p:sldMasterIdLst>
   <p:notesMasterIdLst>
-    <p:notesMasterId r:id="rId7"/>
+    <p:notesMasterId r:id="rId8"/>
   </p:notesMasterIdLst>
   <p:sldIdLst>
     <p:sldId id="258" r:id="rId2"/>
     <p:sldId id="259" r:id="rId3"/>
     <p:sldId id="262" r:id="rId4"/>
-    <p:sldId id="260" r:id="rId5"/>
-    <p:sldId id="261" r:id="rId6"/>
+    <p:sldId id="263" r:id="rId5"/>
+    <p:sldId id="260" r:id="rId6"/>
+    <p:sldId id="261" r:id="rId7"/>
   </p:sldIdLst>
   <p:sldSz cx="12192000" cy="6858000"/>
   <p:notesSz cx="6858000" cy="9144000"/>
@@ -795,13 +796,134 @@
           <a:lstStyle/>
           <a:p>
             <a:r>
+              <a:rPr lang="zh-CN" altLang="en-US" dirty="0"/>
+              <a:t>脚手架：官方</a:t>
+            </a:r>
+            <a:r>
               <a:rPr lang="en-US" altLang="zh-CN" dirty="0"/>
-              <a:t>ant-</a:t>
+              <a:t>create-react-app, ant-</a:t>
             </a:r>
             <a:r>
               <a:rPr lang="en-US" altLang="zh-CN" dirty="0" err="1"/>
               <a:t>init</a:t>
             </a:r>
+            <a:r>
+              <a:rPr lang="en-US" altLang="zh-CN" dirty="0"/>
+              <a:t>, </a:t>
+            </a:r>
+            <a:r>
+              <a:rPr lang="en-US" altLang="zh-CN" dirty="0" err="1"/>
+              <a:t>reactJSP</a:t>
+            </a:r>
+            <a:r>
+              <a:rPr lang="en-US" altLang="zh-CN" dirty="0"/>
+              <a:t> …</a:t>
+            </a:r>
+          </a:p>
+          <a:p>
+            <a:r>
+              <a:rPr lang="zh-CN" altLang="en-US" dirty="0"/>
+              <a:t>扩展性</a:t>
+            </a:r>
+            <a:r>
+              <a:rPr lang="en-US" altLang="zh-CN" dirty="0"/>
+              <a:t>+</a:t>
+            </a:r>
+            <a:r>
+              <a:rPr lang="zh-CN" altLang="en-US" dirty="0"/>
+              <a:t>可插拔性</a:t>
+            </a:r>
+            <a:r>
+              <a:rPr lang="en-US" altLang="zh-CN" dirty="0"/>
+              <a:t>+big picture</a:t>
+            </a:r>
+          </a:p>
+          <a:p>
+            <a:r>
+              <a:rPr lang="zh-CN" altLang="en-US" dirty="0"/>
+              <a:t>好的脚手架</a:t>
+            </a:r>
+            <a:r>
+              <a:rPr lang="en-US" altLang="zh-CN" dirty="0"/>
+              <a:t>: contain</a:t>
+            </a:r>
+            <a:r>
+              <a:rPr lang="zh-CN" altLang="en-US" dirty="0"/>
+              <a:t>稳定的必须的功能，定制化</a:t>
+            </a:r>
+            <a:r>
+              <a:rPr lang="en-US" altLang="zh-CN" dirty="0"/>
+              <a:t>plugin</a:t>
+            </a:r>
+            <a:r>
+              <a:rPr lang="zh-CN" altLang="en-US" baseline="0" dirty="0"/>
+              <a:t> </a:t>
+            </a:r>
+            <a:r>
+              <a:rPr lang="en-US" altLang="zh-CN" baseline="0" dirty="0"/>
+              <a:t>exclude</a:t>
+            </a:r>
+            <a:r>
+              <a:rPr lang="zh-CN" altLang="en-US" baseline="0" dirty="0"/>
+              <a:t>在外；</a:t>
+            </a:r>
+            <a:endParaRPr lang="en-US" altLang="zh-CN" baseline="0" dirty="0"/>
+          </a:p>
+          <a:p>
+            <a:r>
+              <a:rPr lang="zh-CN" altLang="en-US" baseline="0" dirty="0"/>
+              <a:t>好的地方：没有配置文件，非常小，可以扩展出很大的</a:t>
+            </a:r>
+            <a:r>
+              <a:rPr lang="en-US" altLang="zh-CN" baseline="0" dirty="0"/>
+              <a:t>app</a:t>
+            </a:r>
+            <a:r>
+              <a:rPr lang="zh-CN" altLang="en-US" baseline="0" dirty="0"/>
+              <a:t>，定制化轻松，极度的简单；</a:t>
+            </a:r>
+            <a:endParaRPr lang="en-US" altLang="zh-CN" baseline="0" dirty="0"/>
+          </a:p>
+          <a:p>
+            <a:r>
+              <a:rPr lang="zh-CN" altLang="en-US" baseline="0" dirty="0"/>
+              <a:t>不好的地方：</a:t>
+            </a:r>
+            <a:r>
+              <a:rPr lang="en-US" altLang="zh-CN" baseline="0" dirty="0"/>
+              <a:t>server-rendering</a:t>
+            </a:r>
+            <a:r>
+              <a:rPr lang="zh-CN" altLang="en-US" baseline="0" dirty="0"/>
+              <a:t>不支持（</a:t>
+            </a:r>
+            <a:r>
+              <a:rPr lang="en-US" altLang="zh-CN" baseline="0" dirty="0"/>
+              <a:t>react-snapshot</a:t>
+            </a:r>
+            <a:r>
+              <a:rPr lang="zh-CN" altLang="en-US" baseline="0" dirty="0"/>
+              <a:t>可以支持，不稳定），</a:t>
+            </a:r>
+            <a:r>
+              <a:rPr lang="en-US" altLang="zh-CN" baseline="0" dirty="0"/>
+              <a:t>less/sass</a:t>
+            </a:r>
+            <a:r>
+              <a:rPr lang="zh-CN" altLang="en-US" baseline="0" dirty="0"/>
+              <a:t>不支持（没有关系），新语法不支持（</a:t>
+            </a:r>
+            <a:r>
+              <a:rPr lang="en-US" altLang="zh-CN" baseline="0" dirty="0"/>
+              <a:t>decorators</a:t>
+            </a:r>
+            <a:r>
+              <a:rPr lang="zh-CN" altLang="en-US" baseline="0" dirty="0"/>
+              <a:t>）；</a:t>
+            </a:r>
+            <a:endParaRPr lang="en-US" altLang="zh-CN" dirty="0"/>
+          </a:p>
+          <a:p>
             <a:endParaRPr lang="zh-CN" altLang="en-US" dirty="0"/>
           </a:p>
         </p:txBody>
@@ -886,6 +1008,22 @@
           <a:bodyPr/>
           <a:lstStyle/>
           <a:p>
+            <a:r>
+              <a:rPr lang="en-US" altLang="zh-CN" dirty="0"/>
+              <a:t>React</a:t>
+            </a:r>
+            <a:r>
+              <a:rPr lang="zh-CN" altLang="en-US" dirty="0"/>
+              <a:t>在</a:t>
+            </a:r>
+            <a:r>
+              <a:rPr lang="en-US" altLang="zh-CN" dirty="0"/>
+              <a:t>State</a:t>
+            </a:r>
+            <a:r>
+              <a:rPr lang="zh-CN" altLang="en-US"/>
+              <a:t>管理方面</a:t>
+            </a:r>
             <a:endParaRPr lang="zh-CN" altLang="en-US" dirty="0"/>
           </a:p>
         </p:txBody>
@@ -916,7 +1054,7 @@
     </p:spTree>
     <p:extLst>
       <p:ext uri="{BB962C8B-B14F-4D97-AF65-F5344CB8AC3E}">
-        <p14:creationId xmlns:p14="http://schemas.microsoft.com/office/powerpoint/2010/main" val="2731009898"/>
+        <p14:creationId xmlns:p14="http://schemas.microsoft.com/office/powerpoint/2010/main" val="2021392553"/>
       </p:ext>
     </p:extLst>
   </p:cSld>
@@ -992,6 +1130,90 @@
             <a:fld id="{E83827D8-F1AC-490A-9F21-AF93489330D8}" type="slidenum">
               <a:rPr lang="zh-CN" altLang="en-US" smtClean="0"/>
               <a:t>5</a:t>
+            </a:fld>
+            <a:endParaRPr lang="zh-CN" altLang="en-US"/>
+          </a:p>
+        </p:txBody>
+      </p:sp>
+    </p:spTree>
+    <p:extLst>
+      <p:ext uri="{BB962C8B-B14F-4D97-AF65-F5344CB8AC3E}">
+        <p14:creationId xmlns:p14="http://schemas.microsoft.com/office/powerpoint/2010/main" val="2731009898"/>
+      </p:ext>
+    </p:extLst>
+  </p:cSld>
+  <p:clrMapOvr>
+    <a:masterClrMapping/>
+  </p:clrMapOvr>
+</p:notes>
+</file>
+
+<file path=ppt/notesSlides/notesSlide6.xml><?xml version="1.0" encoding="utf-8"?>
+<p:notes xmlns:a="http://schemas.openxmlformats.org/drawingml/2006/main" xmlns:r="http://schemas.openxmlformats.org/officeDocument/2006/relationships" xmlns:p="http://schemas.openxmlformats.org/presentationml/2006/main">
+  <p:cSld>
+    <p:spTree>
+      <p:nvGrpSpPr>
+        <p:cNvPr id="1" name=""/>
+        <p:cNvGrpSpPr/>
+        <p:nvPr/>
+      </p:nvGrpSpPr>
+      <p:grpSpPr>
+        <a:xfrm>
+          <a:off x="0" y="0"/>
+          <a:ext cx="0" cy="0"/>
+          <a:chOff x="0" y="0"/>
+          <a:chExt cx="0" cy="0"/>
+        </a:xfrm>
+      </p:grpSpPr>
+      <p:sp>
+        <p:nvSpPr>
+          <p:cNvPr id="2" name="Slide Image Placeholder 1"/>
+          <p:cNvSpPr>
+            <a:spLocks noGrp="1" noRot="1" noChangeAspect="1"/>
+          </p:cNvSpPr>
+          <p:nvPr>
+            <p:ph type="sldImg"/>
+          </p:nvPr>
+        </p:nvSpPr>
+        <p:spPr/>
+      </p:sp>
+      <p:sp>
+        <p:nvSpPr>
+          <p:cNvPr id="3" name="Notes Placeholder 2"/>
+          <p:cNvSpPr>
+            <a:spLocks noGrp="1"/>
+          </p:cNvSpPr>
+          <p:nvPr>
+            <p:ph type="body" idx="1"/>
+          </p:nvPr>
+        </p:nvSpPr>
+        <p:spPr/>
+        <p:txBody>
+          <a:bodyPr/>
+          <a:lstStyle/>
+          <a:p>
+            <a:endParaRPr lang="zh-CN" altLang="en-US" dirty="0"/>
+          </a:p>
+        </p:txBody>
+      </p:sp>
+      <p:sp>
+        <p:nvSpPr>
+          <p:cNvPr id="4" name="Slide Number Placeholder 3"/>
+          <p:cNvSpPr>
+            <a:spLocks noGrp="1"/>
+          </p:cNvSpPr>
+          <p:nvPr>
+            <p:ph type="sldNum" sz="quarter" idx="10"/>
+          </p:nvPr>
+        </p:nvSpPr>
+        <p:spPr/>
+        <p:txBody>
+          <a:bodyPr/>
+          <a:lstStyle/>
+          <a:p>
+            <a:fld id="{E83827D8-F1AC-490A-9F21-AF93489330D8}" type="slidenum">
+              <a:rPr lang="zh-CN" altLang="en-US" smtClean="0"/>
+              <a:t>6</a:t>
             </a:fld>
             <a:endParaRPr lang="zh-CN" altLang="en-US"/>
           </a:p>
@@ -8271,6 +8493,14 @@
 <file path=ppt/slides/slide3.xml><?xml version="1.0" encoding="utf-8"?>
 <p:sld xmlns:a="http://schemas.openxmlformats.org/drawingml/2006/main" xmlns:r="http://schemas.openxmlformats.org/officeDocument/2006/relationships" xmlns:p="http://schemas.openxmlformats.org/presentationml/2006/main">
   <p:cSld>
+    <p:bg>
+      <p:bgPr>
+        <a:solidFill>
+          <a:srgbClr val="262626"/>
+        </a:solidFill>
+        <a:effectLst/>
+      </p:bgPr>
+    </p:bg>
     <p:spTree>
       <p:nvGrpSpPr>
         <p:cNvPr id="1" name=""/>
@@ -8450,7 +8680,7 @@
         </p:blipFill>
         <p:spPr bwMode="auto">
           <a:xfrm>
-            <a:off x="4907362" y="1926134"/>
+            <a:off x="4694004" y="1926134"/>
             <a:ext cx="2558784" cy="1163084"/>
           </a:xfrm>
           <a:prstGeom prst="rect">
@@ -8470,7 +8700,7 @@
       </p:pic>
       <p:pic>
         <p:nvPicPr>
-          <p:cNvPr id="5132" name="Picture 12" descr="Image result for webpack logo png"/>
+          <p:cNvPr id="5132" name="Picture 12"/>
           <p:cNvPicPr>
             <a:picLocks noChangeAspect="1" noChangeArrowheads="1"/>
           </p:cNvPicPr>
@@ -8484,15 +8714,14 @@
               </a:ext>
             </a:extLst>
           </a:blip>
-          <a:srcRect/>
           <a:stretch>
             <a:fillRect/>
           </a:stretch>
         </p:blipFill>
         <p:spPr bwMode="auto">
           <a:xfrm>
-            <a:off x="5422506" y="1560722"/>
-            <a:ext cx="1528496" cy="1528496"/>
+            <a:off x="5382893" y="1647571"/>
+            <a:ext cx="1188527" cy="1363125"/>
           </a:xfrm>
           <a:prstGeom prst="rect">
             <a:avLst/>
@@ -8519,18 +8748,13 @@
         </p:nvSpPr>
         <p:spPr bwMode="auto">
           <a:xfrm>
-            <a:off x="3310788" y="3183324"/>
+            <a:off x="3097430" y="3183324"/>
             <a:ext cx="5751930" cy="1938992"/>
           </a:xfrm>
           <a:prstGeom prst="rect">
             <a:avLst/>
           </a:prstGeom>
-          <a:solidFill>
-            <a:schemeClr val="tx1">
-              <a:lumMod val="85000"/>
-              <a:lumOff val="15000"/>
-            </a:schemeClr>
-          </a:solidFill>
+          <a:noFill/>
           <a:ln>
             <a:noFill/>
           </a:ln>
@@ -8865,18 +9089,13 @@
         </p:nvSpPr>
         <p:spPr bwMode="auto">
           <a:xfrm>
-            <a:off x="4055693" y="3184583"/>
-            <a:ext cx="4262121" cy="2554545"/>
+            <a:off x="4442260" y="3221424"/>
+            <a:ext cx="3062269" cy="2554545"/>
           </a:xfrm>
           <a:prstGeom prst="rect">
             <a:avLst/>
           </a:prstGeom>
-          <a:solidFill>
-            <a:schemeClr val="tx1">
-              <a:lumMod val="85000"/>
-              <a:lumOff val="15000"/>
-            </a:schemeClr>
-          </a:solidFill>
+          <a:noFill/>
           <a:ln>
             <a:noFill/>
           </a:ln>
@@ -9447,7 +9666,7 @@
         </p:blipFill>
         <p:spPr bwMode="auto">
           <a:xfrm>
-            <a:off x="5509354" y="1647571"/>
+            <a:off x="5295996" y="1647571"/>
             <a:ext cx="1354798" cy="1354798"/>
           </a:xfrm>
           <a:prstGeom prst="rect">
@@ -9466,18 +9685,13 @@
         </p:nvSpPr>
         <p:spPr bwMode="auto">
           <a:xfrm>
-            <a:off x="4039864" y="3184583"/>
-            <a:ext cx="4271697" cy="1938992"/>
+            <a:off x="4042310" y="3178948"/>
+            <a:ext cx="3945894" cy="1938992"/>
           </a:xfrm>
           <a:prstGeom prst="rect">
             <a:avLst/>
           </a:prstGeom>
-          <a:solidFill>
-            <a:schemeClr val="tx1">
-              <a:lumMod val="85000"/>
-              <a:lumOff val="15000"/>
-            </a:schemeClr>
-          </a:solidFill>
+          <a:noFill/>
           <a:ln>
             <a:noFill/>
           </a:ln>
@@ -9746,6 +9960,347 @@
               </a:solidFill>
               <a:effectLst/>
               <a:latin typeface="Consolas" panose="020B0609020204030204" pitchFamily="49" charset="0"/>
+            </a:endParaRPr>
+          </a:p>
+        </p:txBody>
+      </p:sp>
+      <p:sp>
+        <p:nvSpPr>
+          <p:cNvPr id="54" name="Title 1"/>
+          <p:cNvSpPr txBox="1">
+            <a:spLocks/>
+          </p:cNvSpPr>
+          <p:nvPr/>
+        </p:nvSpPr>
+        <p:spPr>
+          <a:xfrm>
+            <a:off x="3736339" y="2322935"/>
+            <a:ext cx="4450912" cy="666063"/>
+          </a:xfrm>
+          <a:prstGeom prst="rect">
+            <a:avLst/>
+          </a:prstGeom>
+        </p:spPr>
+        <p:txBody>
+          <a:bodyPr vert="horz" lIns="91440" tIns="45720" rIns="91440" bIns="45720" rtlCol="0" anchor="ctr">
+            <a:normAutofit/>
+          </a:bodyPr>
+          <a:lstStyle>
+            <a:lvl1pPr algn="ctr" defTabSz="914400" rtl="0" eaLnBrk="1" latinLnBrk="0" hangingPunct="1">
+              <a:lnSpc>
+                <a:spcPct val="90000"/>
+              </a:lnSpc>
+              <a:spcBef>
+                <a:spcPct val="0"/>
+              </a:spcBef>
+              <a:buNone/>
+              <a:defRPr sz="6000" kern="1200">
+                <a:solidFill>
+                  <a:schemeClr val="tx1"/>
+                </a:solidFill>
+                <a:latin typeface="+mj-lt"/>
+                <a:ea typeface="+mj-ea"/>
+                <a:cs typeface="+mj-cs"/>
+              </a:defRPr>
+            </a:lvl1pPr>
+          </a:lstStyle>
+          <a:p>
+            <a:r>
+              <a:rPr lang="en-US" altLang="zh-CN" sz="3200" b="1" i="1" dirty="0">
+                <a:solidFill>
+                  <a:srgbClr val="61DAFB"/>
+                </a:solidFill>
+                <a:latin typeface="Century Gothic" panose="020B0502020202020204" pitchFamily="34" charset="0"/>
+              </a:rPr>
+              <a:t>Create-react-app</a:t>
+            </a:r>
+            <a:endParaRPr lang="zh-CN" altLang="en-US" sz="3200" b="1" i="1" dirty="0">
+              <a:solidFill>
+                <a:srgbClr val="61DAFB"/>
+              </a:solidFill>
+              <a:latin typeface="Century Gothic" panose="020B0502020202020204" pitchFamily="34" charset="0"/>
+            </a:endParaRPr>
+          </a:p>
+        </p:txBody>
+      </p:sp>
+      <p:sp>
+        <p:nvSpPr>
+          <p:cNvPr id="58" name="Title 1"/>
+          <p:cNvSpPr txBox="1">
+            <a:spLocks/>
+          </p:cNvSpPr>
+          <p:nvPr/>
+        </p:nvSpPr>
+        <p:spPr>
+          <a:xfrm>
+            <a:off x="3747938" y="3093571"/>
+            <a:ext cx="4450912" cy="666063"/>
+          </a:xfrm>
+          <a:prstGeom prst="rect">
+            <a:avLst/>
+          </a:prstGeom>
+        </p:spPr>
+        <p:txBody>
+          <a:bodyPr vert="horz" lIns="91440" tIns="45720" rIns="91440" bIns="45720" rtlCol="0" anchor="ctr">
+            <a:normAutofit/>
+          </a:bodyPr>
+          <a:lstStyle>
+            <a:lvl1pPr algn="ctr" defTabSz="914400" rtl="0" eaLnBrk="1" latinLnBrk="0" hangingPunct="1">
+              <a:lnSpc>
+                <a:spcPct val="90000"/>
+              </a:lnSpc>
+              <a:spcBef>
+                <a:spcPct val="0"/>
+              </a:spcBef>
+              <a:buNone/>
+              <a:defRPr sz="6000" kern="1200">
+                <a:solidFill>
+                  <a:schemeClr val="tx1"/>
+                </a:solidFill>
+                <a:latin typeface="+mj-lt"/>
+                <a:ea typeface="+mj-ea"/>
+                <a:cs typeface="+mj-cs"/>
+              </a:defRPr>
+            </a:lvl1pPr>
+          </a:lstStyle>
+          <a:p>
+            <a:r>
+              <a:rPr lang="en-US" altLang="zh-CN" sz="2400" i="1" dirty="0">
+                <a:solidFill>
+                  <a:schemeClr val="bg1"/>
+                </a:solidFill>
+                <a:latin typeface="Century Gothic" panose="020B0502020202020204" pitchFamily="34" charset="0"/>
+              </a:rPr>
+              <a:t>Official· No-config· Minimal</a:t>
+            </a:r>
+            <a:endParaRPr lang="zh-CN" altLang="en-US" sz="2400" i="1" dirty="0">
+              <a:solidFill>
+                <a:schemeClr val="bg1"/>
+              </a:solidFill>
+              <a:latin typeface="Century Gothic" panose="020B0502020202020204" pitchFamily="34" charset="0"/>
+            </a:endParaRPr>
+          </a:p>
+        </p:txBody>
+      </p:sp>
+      <p:grpSp>
+        <p:nvGrpSpPr>
+          <p:cNvPr id="2053" name="Group 2052"/>
+          <p:cNvGrpSpPr/>
+          <p:nvPr/>
+        </p:nvGrpSpPr>
+        <p:grpSpPr>
+          <a:xfrm>
+            <a:off x="5295996" y="3924689"/>
+            <a:ext cx="1305428" cy="484321"/>
+            <a:chOff x="5514473" y="5621810"/>
+            <a:chExt cx="1305428" cy="484321"/>
+          </a:xfrm>
+        </p:grpSpPr>
+        <p:pic>
+          <p:nvPicPr>
+            <p:cNvPr id="2051" name="Picture 2050"/>
+            <p:cNvPicPr>
+              <a:picLocks noChangeAspect="1"/>
+            </p:cNvPicPr>
+            <p:nvPr/>
+          </p:nvPicPr>
+          <p:blipFill>
+            <a:blip r:embed="rId7">
+              <a:extLst>
+                <a:ext uri="{28A0092B-C50C-407E-A947-70E740481C1C}">
+                  <a14:useLocalDpi xmlns:a14="http://schemas.microsoft.com/office/drawing/2010/main" val="0"/>
+                </a:ext>
+              </a:extLst>
+            </a:blip>
+            <a:stretch>
+              <a:fillRect/>
+            </a:stretch>
+          </p:blipFill>
+          <p:spPr>
+            <a:xfrm>
+              <a:off x="5514473" y="5621810"/>
+              <a:ext cx="458921" cy="458921"/>
+            </a:xfrm>
+            <a:prstGeom prst="rect">
+              <a:avLst/>
+            </a:prstGeom>
+          </p:spPr>
+        </p:pic>
+        <p:sp>
+          <p:nvSpPr>
+            <p:cNvPr id="61" name="Title 1"/>
+            <p:cNvSpPr txBox="1">
+              <a:spLocks/>
+            </p:cNvSpPr>
+            <p:nvPr/>
+          </p:nvSpPr>
+          <p:spPr>
+            <a:xfrm>
+              <a:off x="5967501" y="5647210"/>
+              <a:ext cx="852400" cy="458921"/>
+            </a:xfrm>
+            <a:prstGeom prst="rect">
+              <a:avLst/>
+            </a:prstGeom>
+          </p:spPr>
+          <p:txBody>
+            <a:bodyPr vert="horz" lIns="91440" tIns="45720" rIns="91440" bIns="45720" rtlCol="0" anchor="ctr">
+              <a:normAutofit/>
+            </a:bodyPr>
+            <a:lstStyle>
+              <a:lvl1pPr algn="ctr" defTabSz="914400" rtl="0" eaLnBrk="1" latinLnBrk="0" hangingPunct="1">
+                <a:lnSpc>
+                  <a:spcPct val="90000"/>
+                </a:lnSpc>
+                <a:spcBef>
+                  <a:spcPct val="0"/>
+                </a:spcBef>
+                <a:buNone/>
+                <a:defRPr sz="6000" kern="1200">
+                  <a:solidFill>
+                    <a:schemeClr val="tx1"/>
+                  </a:solidFill>
+                  <a:latin typeface="+mj-lt"/>
+                  <a:ea typeface="+mj-ea"/>
+                  <a:cs typeface="+mj-cs"/>
+                </a:defRPr>
+              </a:lvl1pPr>
+            </a:lstStyle>
+            <a:p>
+              <a:pPr algn="l"/>
+              <a:r>
+                <a:rPr lang="en-US" altLang="zh-CN" sz="2000" i="1" dirty="0">
+                  <a:solidFill>
+                    <a:schemeClr val="bg1"/>
+                  </a:solidFill>
+                  <a:latin typeface="Century Gothic" panose="020B0502020202020204" pitchFamily="34" charset="0"/>
+                </a:rPr>
+                <a:t>33.9k</a:t>
+              </a:r>
+              <a:endParaRPr lang="zh-CN" altLang="en-US" sz="2000" i="1" dirty="0">
+                <a:solidFill>
+                  <a:schemeClr val="bg1"/>
+                </a:solidFill>
+                <a:latin typeface="Century Gothic" panose="020B0502020202020204" pitchFamily="34" charset="0"/>
+              </a:endParaRPr>
+            </a:p>
+          </p:txBody>
+        </p:sp>
+      </p:grpSp>
+      <p:sp>
+        <p:nvSpPr>
+          <p:cNvPr id="2054" name="Rectangle 2053"/>
+          <p:cNvSpPr/>
+          <p:nvPr/>
+        </p:nvSpPr>
+        <p:spPr>
+          <a:xfrm>
+            <a:off x="6234283" y="2839999"/>
+            <a:ext cx="4432624" cy="1200329"/>
+          </a:xfrm>
+          <a:prstGeom prst="rect">
+            <a:avLst/>
+          </a:prstGeom>
+        </p:spPr>
+        <p:txBody>
+          <a:bodyPr wrap="none">
+            <a:spAutoFit/>
+          </a:bodyPr>
+          <a:lstStyle/>
+          <a:p>
+            <a:r>
+              <a:rPr lang="en-US" altLang="zh-CN" sz="2400" dirty="0">
+                <a:solidFill>
+                  <a:srgbClr val="40AA54"/>
+                </a:solidFill>
+                <a:latin typeface="Consolas" panose="020B0609020204030204" pitchFamily="49" charset="0"/>
+                <a:ea typeface="Fira Code"/>
+              </a:rPr>
+              <a:t>~ </a:t>
+            </a:r>
+            <a:r>
+              <a:rPr lang="zh-CN" altLang="en-US" sz="2400" dirty="0">
+                <a:solidFill>
+                  <a:srgbClr val="40AA54"/>
+                </a:solidFill>
+                <a:latin typeface="Consolas" panose="020B0609020204030204" pitchFamily="49" charset="0"/>
+                <a:ea typeface="Fira Code"/>
+              </a:rPr>
+              <a:t>create-react-app</a:t>
+            </a:r>
+            <a:r>
+              <a:rPr lang="zh-CN" altLang="en-US" sz="2400" dirty="0">
+                <a:latin typeface="Consolas" panose="020B0609020204030204" pitchFamily="49" charset="0"/>
+              </a:rPr>
+              <a:t> </a:t>
+            </a:r>
+            <a:r>
+              <a:rPr lang="zh-CN" altLang="en-US" sz="2400" dirty="0">
+                <a:solidFill>
+                  <a:srgbClr val="A9B7C6"/>
+                </a:solidFill>
+                <a:latin typeface="Consolas" panose="020B0609020204030204" pitchFamily="49" charset="0"/>
+                <a:ea typeface="Fira Code"/>
+              </a:rPr>
+              <a:t>my-app</a:t>
+            </a:r>
+            <a:endParaRPr lang="en-US" altLang="zh-CN" sz="2400" dirty="0">
+              <a:solidFill>
+                <a:srgbClr val="A9B7C6"/>
+              </a:solidFill>
+              <a:latin typeface="Consolas" panose="020B0609020204030204" pitchFamily="49" charset="0"/>
+              <a:ea typeface="Fira Code"/>
+            </a:endParaRPr>
+          </a:p>
+          <a:p>
+            <a:r>
+              <a:rPr lang="en-US" altLang="zh-CN" sz="2400" dirty="0">
+                <a:solidFill>
+                  <a:srgbClr val="40AA54"/>
+                </a:solidFill>
+                <a:latin typeface="Consolas" panose="020B0609020204030204" pitchFamily="49" charset="0"/>
+                <a:ea typeface="Fira Code"/>
+              </a:rPr>
+              <a:t>~ cd </a:t>
+            </a:r>
+            <a:r>
+              <a:rPr lang="en-US" altLang="zh-CN" sz="2400" dirty="0">
+                <a:solidFill>
+                  <a:srgbClr val="A9B7C6"/>
+                </a:solidFill>
+                <a:latin typeface="Consolas" panose="020B0609020204030204" pitchFamily="49" charset="0"/>
+                <a:ea typeface="Fira Code"/>
+              </a:rPr>
+              <a:t>my-app/</a:t>
+            </a:r>
+          </a:p>
+          <a:p>
+            <a:r>
+              <a:rPr lang="en-US" altLang="zh-CN" sz="2400" dirty="0">
+                <a:solidFill>
+                  <a:srgbClr val="40AA54"/>
+                </a:solidFill>
+                <a:latin typeface="Consolas" panose="020B0609020204030204" pitchFamily="49" charset="0"/>
+                <a:ea typeface="Fira Code"/>
+              </a:rPr>
+              <a:t>~ yarn </a:t>
+            </a:r>
+            <a:r>
+              <a:rPr lang="en-US" altLang="zh-CN" sz="2400" dirty="0">
+                <a:solidFill>
+                  <a:srgbClr val="61DAFB"/>
+                </a:solidFill>
+                <a:latin typeface="Consolas" panose="020B0609020204030204" pitchFamily="49" charset="0"/>
+                <a:ea typeface="Fira Code"/>
+              </a:rPr>
+              <a:t>start</a:t>
+            </a:r>
+            <a:endParaRPr lang="zh-CN" altLang="en-US" sz="2000" dirty="0">
+              <a:solidFill>
+                <a:srgbClr val="61DAFB"/>
+              </a:solidFill>
+              <a:latin typeface="Consolas" panose="020B0609020204030204" pitchFamily="49" charset="0"/>
+              <a:ea typeface="Fira Code"/>
             </a:endParaRPr>
           </a:p>
         </p:txBody>
@@ -9923,7 +10478,7 @@
                                     <p:cond delay="0"/>
                                   </p:stCondLst>
                                   <p:childTnLst>
-                                    <p:animMotion origin="layout" path="M -1.875E-6 7.40741E-7 L -0.30429 0.19421 " pathEditMode="relative" rAng="0" ptsTypes="AA">
+                                    <p:animMotion origin="layout" path="M -3.95833E-6 7.40741E-7 L -0.30039 0.16412 " pathEditMode="relative" rAng="0" ptsTypes="AA">
                                       <p:cBhvr>
                                         <p:cTn id="16" dur="1000" fill="hold"/>
                                         <p:tgtEl>
@@ -9934,7 +10489,7 @@
                                           <p:attrName>ppt_y</p:attrName>
                                         </p:attrNameLst>
                                       </p:cBhvr>
-                                      <p:rCtr x="-15221" y="9699"/>
+                                      <p:rCtr x="-15026" y="8194"/>
                                     </p:animMotion>
                                   </p:childTnLst>
                                 </p:cTn>
@@ -9962,6 +10517,406 @@
                                         </p:cTn>
                                         <p:tgtEl>
                                           <p:spTgt spid="15"/>
+                                        </p:tgtEl>
+                                        <p:attrNameLst>
+                                          <p:attrName>style.visibility</p:attrName>
+                                        </p:attrNameLst>
+                                      </p:cBhvr>
+                                      <p:to>
+                                        <p:strVal val="hidden"/>
+                                      </p:to>
+                                    </p:set>
+                                  </p:childTnLst>
+                                </p:cTn>
+                              </p:par>
+                            </p:childTnLst>
+                          </p:cTn>
+                        </p:par>
+                        <p:par>
+                          <p:cTn id="20" fill="hold">
+                            <p:stCondLst>
+                              <p:cond delay="1000"/>
+                            </p:stCondLst>
+                            <p:childTnLst>
+                              <p:par>
+                                <p:cTn id="21" presetID="53" presetClass="entr" presetSubtype="16" fill="hold" nodeType="afterEffect">
+                                  <p:stCondLst>
+                                    <p:cond delay="0"/>
+                                  </p:stCondLst>
+                                  <p:childTnLst>
+                                    <p:set>
+                                      <p:cBhvr>
+                                        <p:cTn id="22" dur="1" fill="hold">
+                                          <p:stCondLst>
+                                            <p:cond delay="0"/>
+                                          </p:stCondLst>
+                                        </p:cTn>
+                                        <p:tgtEl>
+                                          <p:spTgt spid="5132"/>
+                                        </p:tgtEl>
+                                        <p:attrNameLst>
+                                          <p:attrName>style.visibility</p:attrName>
+                                        </p:attrNameLst>
+                                      </p:cBhvr>
+                                      <p:to>
+                                        <p:strVal val="visible"/>
+                                      </p:to>
+                                    </p:set>
+                                    <p:anim calcmode="lin" valueType="num">
+                                      <p:cBhvr>
+                                        <p:cTn id="23" dur="300" fill="hold"/>
+                                        <p:tgtEl>
+                                          <p:spTgt spid="5132"/>
+                                        </p:tgtEl>
+                                        <p:attrNameLst>
+                                          <p:attrName>ppt_w</p:attrName>
+                                        </p:attrNameLst>
+                                      </p:cBhvr>
+                                      <p:tavLst>
+                                        <p:tav tm="0">
+                                          <p:val>
+                                            <p:fltVal val="0"/>
+                                          </p:val>
+                                        </p:tav>
+                                        <p:tav tm="100000">
+                                          <p:val>
+                                            <p:strVal val="#ppt_w"/>
+                                          </p:val>
+                                        </p:tav>
+                                      </p:tavLst>
+                                    </p:anim>
+                                    <p:anim calcmode="lin" valueType="num">
+                                      <p:cBhvr>
+                                        <p:cTn id="24" dur="300" fill="hold"/>
+                                        <p:tgtEl>
+                                          <p:spTgt spid="5132"/>
+                                        </p:tgtEl>
+                                        <p:attrNameLst>
+                                          <p:attrName>ppt_h</p:attrName>
+                                        </p:attrNameLst>
+                                      </p:cBhvr>
+                                      <p:tavLst>
+                                        <p:tav tm="0">
+                                          <p:val>
+                                            <p:fltVal val="0"/>
+                                          </p:val>
+                                        </p:tav>
+                                        <p:tav tm="100000">
+                                          <p:val>
+                                            <p:strVal val="#ppt_h"/>
+                                          </p:val>
+                                        </p:tav>
+                                      </p:tavLst>
+                                    </p:anim>
+                                    <p:animEffect transition="in" filter="fade">
+                                      <p:cBhvr>
+                                        <p:cTn id="25" dur="300"/>
+                                        <p:tgtEl>
+                                          <p:spTgt spid="5132"/>
+                                        </p:tgtEl>
+                                      </p:cBhvr>
+                                    </p:animEffect>
+                                  </p:childTnLst>
+                                </p:cTn>
+                              </p:par>
+                              <p:par>
+                                <p:cTn id="26" presetID="10" presetClass="entr" presetSubtype="0" fill="hold" grpId="0" nodeType="withEffect">
+                                  <p:stCondLst>
+                                    <p:cond delay="100"/>
+                                  </p:stCondLst>
+                                  <p:childTnLst>
+                                    <p:set>
+                                      <p:cBhvr>
+                                        <p:cTn id="27" dur="1" fill="hold">
+                                          <p:stCondLst>
+                                            <p:cond delay="0"/>
+                                          </p:stCondLst>
+                                        </p:cTn>
+                                        <p:tgtEl>
+                                          <p:spTgt spid="21"/>
+                                        </p:tgtEl>
+                                        <p:attrNameLst>
+                                          <p:attrName>style.visibility</p:attrName>
+                                        </p:attrNameLst>
+                                      </p:cBhvr>
+                                      <p:to>
+                                        <p:strVal val="visible"/>
+                                      </p:to>
+                                    </p:set>
+                                    <p:animEffect transition="in" filter="fade">
+                                      <p:cBhvr>
+                                        <p:cTn id="28" dur="500"/>
+                                        <p:tgtEl>
+                                          <p:spTgt spid="21"/>
+                                        </p:tgtEl>
+                                      </p:cBhvr>
+                                    </p:animEffect>
+                                  </p:childTnLst>
+                                </p:cTn>
+                              </p:par>
+                            </p:childTnLst>
+                          </p:cTn>
+                        </p:par>
+                      </p:childTnLst>
+                    </p:cTn>
+                  </p:par>
+                  <p:par>
+                    <p:cTn id="29" fill="hold">
+                      <p:stCondLst>
+                        <p:cond delay="indefinite"/>
+                      </p:stCondLst>
+                      <p:childTnLst>
+                        <p:par>
+                          <p:cTn id="30" fill="hold">
+                            <p:stCondLst>
+                              <p:cond delay="0"/>
+                            </p:stCondLst>
+                            <p:childTnLst>
+                              <p:par>
+                                <p:cTn id="31" presetID="42" presetClass="path" presetSubtype="0" accel="50000" decel="50000" fill="hold" nodeType="clickEffect">
+                                  <p:stCondLst>
+                                    <p:cond delay="0"/>
+                                  </p:stCondLst>
+                                  <p:childTnLst>
+                                    <p:animMotion origin="layout" path="M -4.375E-6 -3.33333E-6 L 0.32331 0.1794 " pathEditMode="relative" rAng="0" ptsTypes="AA">
+                                      <p:cBhvr>
+                                        <p:cTn id="32" dur="1000" fill="hold"/>
+                                        <p:tgtEl>
+                                          <p:spTgt spid="5132"/>
+                                        </p:tgtEl>
+                                        <p:attrNameLst>
+                                          <p:attrName>ppt_x</p:attrName>
+                                          <p:attrName>ppt_y</p:attrName>
+                                        </p:attrNameLst>
+                                      </p:cBhvr>
+                                      <p:rCtr x="16159" y="8958"/>
+                                    </p:animMotion>
+                                  </p:childTnLst>
+                                </p:cTn>
+                              </p:par>
+                              <p:par>
+                                <p:cTn id="33" presetID="10" presetClass="exit" presetSubtype="0" fill="hold" grpId="1" nodeType="withEffect">
+                                  <p:stCondLst>
+                                    <p:cond delay="0"/>
+                                  </p:stCondLst>
+                                  <p:childTnLst>
+                                    <p:animEffect transition="out" filter="fade">
+                                      <p:cBhvr>
+                                        <p:cTn id="34" dur="500"/>
+                                        <p:tgtEl>
+                                          <p:spTgt spid="21"/>
+                                        </p:tgtEl>
+                                      </p:cBhvr>
+                                    </p:animEffect>
+                                    <p:set>
+                                      <p:cBhvr>
+                                        <p:cTn id="35" dur="1" fill="hold">
+                                          <p:stCondLst>
+                                            <p:cond delay="499"/>
+                                          </p:stCondLst>
+                                        </p:cTn>
+                                        <p:tgtEl>
+                                          <p:spTgt spid="21"/>
+                                        </p:tgtEl>
+                                        <p:attrNameLst>
+                                          <p:attrName>style.visibility</p:attrName>
+                                        </p:attrNameLst>
+                                      </p:cBhvr>
+                                      <p:to>
+                                        <p:strVal val="hidden"/>
+                                      </p:to>
+                                    </p:set>
+                                  </p:childTnLst>
+                                </p:cTn>
+                              </p:par>
+                            </p:childTnLst>
+                          </p:cTn>
+                        </p:par>
+                        <p:par>
+                          <p:cTn id="36" fill="hold">
+                            <p:stCondLst>
+                              <p:cond delay="1000"/>
+                            </p:stCondLst>
+                            <p:childTnLst>
+                              <p:par>
+                                <p:cTn id="37" presetID="53" presetClass="entr" presetSubtype="16" fill="hold" nodeType="afterEffect">
+                                  <p:stCondLst>
+                                    <p:cond delay="0"/>
+                                  </p:stCondLst>
+                                  <p:childTnLst>
+                                    <p:set>
+                                      <p:cBhvr>
+                                        <p:cTn id="38" dur="1" fill="hold">
+                                          <p:stCondLst>
+                                            <p:cond delay="0"/>
+                                          </p:stCondLst>
+                                        </p:cTn>
+                                        <p:tgtEl>
+                                          <p:spTgt spid="5122"/>
+                                        </p:tgtEl>
+                                        <p:attrNameLst>
+                                          <p:attrName>style.visibility</p:attrName>
+                                        </p:attrNameLst>
+                                      </p:cBhvr>
+                                      <p:to>
+                                        <p:strVal val="visible"/>
+                                      </p:to>
+                                    </p:set>
+                                    <p:anim calcmode="lin" valueType="num">
+                                      <p:cBhvr>
+                                        <p:cTn id="39" dur="300" fill="hold"/>
+                                        <p:tgtEl>
+                                          <p:spTgt spid="5122"/>
+                                        </p:tgtEl>
+                                        <p:attrNameLst>
+                                          <p:attrName>ppt_w</p:attrName>
+                                        </p:attrNameLst>
+                                      </p:cBhvr>
+                                      <p:tavLst>
+                                        <p:tav tm="0">
+                                          <p:val>
+                                            <p:fltVal val="0"/>
+                                          </p:val>
+                                        </p:tav>
+                                        <p:tav tm="100000">
+                                          <p:val>
+                                            <p:strVal val="#ppt_w"/>
+                                          </p:val>
+                                        </p:tav>
+                                      </p:tavLst>
+                                    </p:anim>
+                                    <p:anim calcmode="lin" valueType="num">
+                                      <p:cBhvr>
+                                        <p:cTn id="40" dur="300" fill="hold"/>
+                                        <p:tgtEl>
+                                          <p:spTgt spid="5122"/>
+                                        </p:tgtEl>
+                                        <p:attrNameLst>
+                                          <p:attrName>ppt_h</p:attrName>
+                                        </p:attrNameLst>
+                                      </p:cBhvr>
+                                      <p:tavLst>
+                                        <p:tav tm="0">
+                                          <p:val>
+                                            <p:fltVal val="0"/>
+                                          </p:val>
+                                        </p:tav>
+                                        <p:tav tm="100000">
+                                          <p:val>
+                                            <p:strVal val="#ppt_h"/>
+                                          </p:val>
+                                        </p:tav>
+                                      </p:tavLst>
+                                    </p:anim>
+                                    <p:animEffect transition="in" filter="fade">
+                                      <p:cBhvr>
+                                        <p:cTn id="41" dur="300"/>
+                                        <p:tgtEl>
+                                          <p:spTgt spid="5122"/>
+                                        </p:tgtEl>
+                                      </p:cBhvr>
+                                    </p:animEffect>
+                                  </p:childTnLst>
+                                </p:cTn>
+                              </p:par>
+                              <p:par>
+                                <p:cTn id="42" presetID="10" presetClass="entr" presetSubtype="0" fill="hold" grpId="0" nodeType="withEffect">
+                                  <p:stCondLst>
+                                    <p:cond delay="100"/>
+                                  </p:stCondLst>
+                                  <p:childTnLst>
+                                    <p:set>
+                                      <p:cBhvr>
+                                        <p:cTn id="43" dur="1" fill="hold">
+                                          <p:stCondLst>
+                                            <p:cond delay="0"/>
+                                          </p:stCondLst>
+                                        </p:cTn>
+                                        <p:tgtEl>
+                                          <p:spTgt spid="24"/>
+                                        </p:tgtEl>
+                                        <p:attrNameLst>
+                                          <p:attrName>style.visibility</p:attrName>
+                                        </p:attrNameLst>
+                                      </p:cBhvr>
+                                      <p:to>
+                                        <p:strVal val="visible"/>
+                                      </p:to>
+                                    </p:set>
+                                    <p:animEffect transition="in" filter="fade">
+                                      <p:cBhvr>
+                                        <p:cTn id="44" dur="500"/>
+                                        <p:tgtEl>
+                                          <p:spTgt spid="24"/>
+                                        </p:tgtEl>
+                                      </p:cBhvr>
+                                    </p:animEffect>
+                                  </p:childTnLst>
+                                </p:cTn>
+                              </p:par>
+                            </p:childTnLst>
+                          </p:cTn>
+                        </p:par>
+                      </p:childTnLst>
+                    </p:cTn>
+                  </p:par>
+                  <p:par>
+                    <p:cTn id="45" fill="hold">
+                      <p:stCondLst>
+                        <p:cond delay="indefinite"/>
+                      </p:stCondLst>
+                      <p:childTnLst>
+                        <p:par>
+                          <p:cTn id="46" fill="hold">
+                            <p:stCondLst>
+                              <p:cond delay="0"/>
+                            </p:stCondLst>
+                            <p:childTnLst>
+                              <p:par>
+                                <p:cTn id="47" presetID="42" presetClass="path" presetSubtype="0" accel="50000" decel="50000" fill="hold" nodeType="clickEffect">
+                                  <p:stCondLst>
+                                    <p:cond delay="0"/>
+                                  </p:stCondLst>
+                                  <p:childTnLst>
+                                    <p:animMotion origin="layout" path="M -3.75E-6 1.11111E-6 L 0.00079 0.17963 " pathEditMode="relative" rAng="0" ptsTypes="AA">
+                                      <p:cBhvr>
+                                        <p:cTn id="48" dur="1000" fill="hold"/>
+                                        <p:tgtEl>
+                                          <p:spTgt spid="5122"/>
+                                        </p:tgtEl>
+                                        <p:attrNameLst>
+                                          <p:attrName>ppt_x</p:attrName>
+                                          <p:attrName>ppt_y</p:attrName>
+                                        </p:attrNameLst>
+                                      </p:cBhvr>
+                                      <p:rCtr x="39" y="8981"/>
+                                    </p:animMotion>
+                                  </p:childTnLst>
+                                </p:cTn>
+                              </p:par>
+                              <p:par>
+                                <p:cTn id="49" presetID="10" presetClass="exit" presetSubtype="0" fill="hold" grpId="1" nodeType="withEffect">
+                                  <p:stCondLst>
+                                    <p:cond delay="0"/>
+                                  </p:stCondLst>
+                                  <p:childTnLst>
+                                    <p:animEffect transition="out" filter="fade">
+                                      <p:cBhvr>
+                                        <p:cTn id="50" dur="500"/>
+                                        <p:tgtEl>
+                                          <p:spTgt spid="24"/>
+                                        </p:tgtEl>
+                                      </p:cBhvr>
+                                    </p:animEffect>
+                                    <p:set>
+                                      <p:cBhvr>
+                                        <p:cTn id="51" dur="1" fill="hold">
+                                          <p:stCondLst>
+                                            <p:cond delay="499"/>
+                                          </p:stCondLst>
+                                        </p:cTn>
+                                        <p:tgtEl>
+                                          <p:spTgt spid="24"/>
                                         </p:tgtEl>
                                         <p:attrNameLst>
                                           <p:attrName>style.visibility</p:attrName>
@@ -9981,32 +10936,560 @@
                     </p:cTn>
                   </p:par>
                   <p:par>
-                    <p:cTn id="20" fill="hold">
+                    <p:cTn id="52" fill="hold">
                       <p:stCondLst>
                         <p:cond delay="indefinite"/>
                       </p:stCondLst>
                       <p:childTnLst>
                         <p:par>
-                          <p:cTn id="21" fill="hold">
+                          <p:cTn id="53" fill="hold">
                             <p:stCondLst>
                               <p:cond delay="0"/>
                             </p:stCondLst>
                             <p:childTnLst>
                               <p:par>
-                                <p:cTn id="22" presetID="53" presetClass="entr" presetSubtype="16" fill="hold" nodeType="clickEffect">
+                                <p:cTn id="54" presetID="45" presetClass="exit" presetSubtype="0" fill="hold" nodeType="clickEffect">
                                   <p:stCondLst>
                                     <p:cond delay="0"/>
                                   </p:stCondLst>
                                   <p:childTnLst>
+                                    <p:animEffect transition="out" filter="fade">
+                                      <p:cBhvr>
+                                        <p:cTn id="55" dur="500"/>
+                                        <p:tgtEl>
+                                          <p:spTgt spid="5126"/>
+                                        </p:tgtEl>
+                                      </p:cBhvr>
+                                    </p:animEffect>
+                                    <p:anim calcmode="lin" valueType="num">
+                                      <p:cBhvr>
+                                        <p:cTn id="56" dur="500"/>
+                                        <p:tgtEl>
+                                          <p:spTgt spid="5126"/>
+                                        </p:tgtEl>
+                                        <p:attrNameLst>
+                                          <p:attrName>ppt_w</p:attrName>
+                                        </p:attrNameLst>
+                                      </p:cBhvr>
+                                      <p:tavLst>
+                                        <p:tav tm="0">
+                                          <p:val>
+                                            <p:strVal val="ppt_w"/>
+                                          </p:val>
+                                        </p:tav>
+                                        <p:tav tm="5000">
+                                          <p:val>
+                                            <p:strVal val="0.92*ppt_w"/>
+                                          </p:val>
+                                        </p:tav>
+                                        <p:tav tm="10000">
+                                          <p:val>
+                                            <p:strVal val="0.71*ppt_w"/>
+                                          </p:val>
+                                        </p:tav>
+                                        <p:tav tm="15000">
+                                          <p:val>
+                                            <p:strVal val="0.38*ppt_w"/>
+                                          </p:val>
+                                        </p:tav>
+                                        <p:tav tm="20000">
+                                          <p:val>
+                                            <p:fltVal val="0"/>
+                                          </p:val>
+                                        </p:tav>
+                                        <p:tav tm="25000">
+                                          <p:val>
+                                            <p:strVal val="-0.38*ppt_w"/>
+                                          </p:val>
+                                        </p:tav>
+                                        <p:tav tm="30000">
+                                          <p:val>
+                                            <p:strVal val="-0.71*ppt_w"/>
+                                          </p:val>
+                                        </p:tav>
+                                        <p:tav tm="35000">
+                                          <p:val>
+                                            <p:strVal val="-0.92*ppt_w"/>
+                                          </p:val>
+                                        </p:tav>
+                                        <p:tav tm="40000">
+                                          <p:val>
+                                            <p:strVal val="-ppt_w"/>
+                                          </p:val>
+                                        </p:tav>
+                                        <p:tav tm="45000">
+                                          <p:val>
+                                            <p:strVal val="-0.92*ppt_w"/>
+                                          </p:val>
+                                        </p:tav>
+                                        <p:tav tm="50000">
+                                          <p:val>
+                                            <p:strVal val="-0.71*ppt_w"/>
+                                          </p:val>
+                                        </p:tav>
+                                        <p:tav tm="55000">
+                                          <p:val>
+                                            <p:strVal val="-0.38*ppt_w"/>
+                                          </p:val>
+                                        </p:tav>
+                                        <p:tav tm="60000">
+                                          <p:val>
+                                            <p:fltVal val="0"/>
+                                          </p:val>
+                                        </p:tav>
+                                        <p:tav tm="65000">
+                                          <p:val>
+                                            <p:strVal val="0.38*ppt_w"/>
+                                          </p:val>
+                                        </p:tav>
+                                        <p:tav tm="70000">
+                                          <p:val>
+                                            <p:strVal val="0.71*ppt_w"/>
+                                          </p:val>
+                                        </p:tav>
+                                        <p:tav tm="75000">
+                                          <p:val>
+                                            <p:strVal val="0.92*ppt_w"/>
+                                          </p:val>
+                                        </p:tav>
+                                        <p:tav tm="80000">
+                                          <p:val>
+                                            <p:strVal val="ppt_w"/>
+                                          </p:val>
+                                        </p:tav>
+                                        <p:tav tm="85000">
+                                          <p:val>
+                                            <p:strVal val="0.92*ppt_w"/>
+                                          </p:val>
+                                        </p:tav>
+                                        <p:tav tm="90000">
+                                          <p:val>
+                                            <p:strVal val="0.71*ppt_w"/>
+                                          </p:val>
+                                        </p:tav>
+                                        <p:tav tm="95000">
+                                          <p:val>
+                                            <p:strVal val="0.38*ppt_w"/>
+                                          </p:val>
+                                        </p:tav>
+                                        <p:tav tm="100000">
+                                          <p:val>
+                                            <p:fltVal val="0"/>
+                                          </p:val>
+                                        </p:tav>
+                                      </p:tavLst>
+                                    </p:anim>
+                                    <p:anim calcmode="lin" valueType="num">
+                                      <p:cBhvr>
+                                        <p:cTn id="57" dur="500"/>
+                                        <p:tgtEl>
+                                          <p:spTgt spid="5126"/>
+                                        </p:tgtEl>
+                                        <p:attrNameLst>
+                                          <p:attrName>ppt_h</p:attrName>
+                                        </p:attrNameLst>
+                                      </p:cBhvr>
+                                      <p:tavLst>
+                                        <p:tav tm="0">
+                                          <p:val>
+                                            <p:strVal val="ppt_h"/>
+                                          </p:val>
+                                        </p:tav>
+                                        <p:tav tm="100000">
+                                          <p:val>
+                                            <p:strVal val="ppt_h"/>
+                                          </p:val>
+                                        </p:tav>
+                                      </p:tavLst>
+                                    </p:anim>
                                     <p:set>
                                       <p:cBhvr>
-                                        <p:cTn id="23" dur="1" fill="hold">
+                                        <p:cTn id="58" dur="1" fill="hold">
+                                          <p:stCondLst>
+                                            <p:cond delay="499"/>
+                                          </p:stCondLst>
+                                        </p:cTn>
+                                        <p:tgtEl>
+                                          <p:spTgt spid="5126"/>
+                                        </p:tgtEl>
+                                        <p:attrNameLst>
+                                          <p:attrName>style.visibility</p:attrName>
+                                        </p:attrNameLst>
+                                      </p:cBhvr>
+                                      <p:to>
+                                        <p:strVal val="hidden"/>
+                                      </p:to>
+                                    </p:set>
+                                  </p:childTnLst>
+                                </p:cTn>
+                              </p:par>
+                              <p:par>
+                                <p:cTn id="59" presetID="45" presetClass="exit" presetSubtype="0" fill="hold" nodeType="withEffect">
+                                  <p:stCondLst>
+                                    <p:cond delay="0"/>
+                                  </p:stCondLst>
+                                  <p:childTnLst>
+                                    <p:animEffect transition="out" filter="fade">
+                                      <p:cBhvr>
+                                        <p:cTn id="60" dur="500"/>
+                                        <p:tgtEl>
+                                          <p:spTgt spid="5132"/>
+                                        </p:tgtEl>
+                                      </p:cBhvr>
+                                    </p:animEffect>
+                                    <p:anim calcmode="lin" valueType="num">
+                                      <p:cBhvr>
+                                        <p:cTn id="61" dur="500"/>
+                                        <p:tgtEl>
+                                          <p:spTgt spid="5132"/>
+                                        </p:tgtEl>
+                                        <p:attrNameLst>
+                                          <p:attrName>ppt_w</p:attrName>
+                                        </p:attrNameLst>
+                                      </p:cBhvr>
+                                      <p:tavLst>
+                                        <p:tav tm="0">
+                                          <p:val>
+                                            <p:strVal val="ppt_w"/>
+                                          </p:val>
+                                        </p:tav>
+                                        <p:tav tm="5000">
+                                          <p:val>
+                                            <p:strVal val="0.92*ppt_w"/>
+                                          </p:val>
+                                        </p:tav>
+                                        <p:tav tm="10000">
+                                          <p:val>
+                                            <p:strVal val="0.71*ppt_w"/>
+                                          </p:val>
+                                        </p:tav>
+                                        <p:tav tm="15000">
+                                          <p:val>
+                                            <p:strVal val="0.38*ppt_w"/>
+                                          </p:val>
+                                        </p:tav>
+                                        <p:tav tm="20000">
+                                          <p:val>
+                                            <p:fltVal val="0"/>
+                                          </p:val>
+                                        </p:tav>
+                                        <p:tav tm="25000">
+                                          <p:val>
+                                            <p:strVal val="-0.38*ppt_w"/>
+                                          </p:val>
+                                        </p:tav>
+                                        <p:tav tm="30000">
+                                          <p:val>
+                                            <p:strVal val="-0.71*ppt_w"/>
+                                          </p:val>
+                                        </p:tav>
+                                        <p:tav tm="35000">
+                                          <p:val>
+                                            <p:strVal val="-0.92*ppt_w"/>
+                                          </p:val>
+                                        </p:tav>
+                                        <p:tav tm="40000">
+                                          <p:val>
+                                            <p:strVal val="-ppt_w"/>
+                                          </p:val>
+                                        </p:tav>
+                                        <p:tav tm="45000">
+                                          <p:val>
+                                            <p:strVal val="-0.92*ppt_w"/>
+                                          </p:val>
+                                        </p:tav>
+                                        <p:tav tm="50000">
+                                          <p:val>
+                                            <p:strVal val="-0.71*ppt_w"/>
+                                          </p:val>
+                                        </p:tav>
+                                        <p:tav tm="55000">
+                                          <p:val>
+                                            <p:strVal val="-0.38*ppt_w"/>
+                                          </p:val>
+                                        </p:tav>
+                                        <p:tav tm="60000">
+                                          <p:val>
+                                            <p:fltVal val="0"/>
+                                          </p:val>
+                                        </p:tav>
+                                        <p:tav tm="65000">
+                                          <p:val>
+                                            <p:strVal val="0.38*ppt_w"/>
+                                          </p:val>
+                                        </p:tav>
+                                        <p:tav tm="70000">
+                                          <p:val>
+                                            <p:strVal val="0.71*ppt_w"/>
+                                          </p:val>
+                                        </p:tav>
+                                        <p:tav tm="75000">
+                                          <p:val>
+                                            <p:strVal val="0.92*ppt_w"/>
+                                          </p:val>
+                                        </p:tav>
+                                        <p:tav tm="80000">
+                                          <p:val>
+                                            <p:strVal val="ppt_w"/>
+                                          </p:val>
+                                        </p:tav>
+                                        <p:tav tm="85000">
+                                          <p:val>
+                                            <p:strVal val="0.92*ppt_w"/>
+                                          </p:val>
+                                        </p:tav>
+                                        <p:tav tm="90000">
+                                          <p:val>
+                                            <p:strVal val="0.71*ppt_w"/>
+                                          </p:val>
+                                        </p:tav>
+                                        <p:tav tm="95000">
+                                          <p:val>
+                                            <p:strVal val="0.38*ppt_w"/>
+                                          </p:val>
+                                        </p:tav>
+                                        <p:tav tm="100000">
+                                          <p:val>
+                                            <p:fltVal val="0"/>
+                                          </p:val>
+                                        </p:tav>
+                                      </p:tavLst>
+                                    </p:anim>
+                                    <p:anim calcmode="lin" valueType="num">
+                                      <p:cBhvr>
+                                        <p:cTn id="62" dur="500"/>
+                                        <p:tgtEl>
+                                          <p:spTgt spid="5132"/>
+                                        </p:tgtEl>
+                                        <p:attrNameLst>
+                                          <p:attrName>ppt_h</p:attrName>
+                                        </p:attrNameLst>
+                                      </p:cBhvr>
+                                      <p:tavLst>
+                                        <p:tav tm="0">
+                                          <p:val>
+                                            <p:strVal val="ppt_h"/>
+                                          </p:val>
+                                        </p:tav>
+                                        <p:tav tm="100000">
+                                          <p:val>
+                                            <p:strVal val="ppt_h"/>
+                                          </p:val>
+                                        </p:tav>
+                                      </p:tavLst>
+                                    </p:anim>
+                                    <p:set>
+                                      <p:cBhvr>
+                                        <p:cTn id="63" dur="1" fill="hold">
+                                          <p:stCondLst>
+                                            <p:cond delay="499"/>
+                                          </p:stCondLst>
+                                        </p:cTn>
+                                        <p:tgtEl>
+                                          <p:spTgt spid="5132"/>
+                                        </p:tgtEl>
+                                        <p:attrNameLst>
+                                          <p:attrName>style.visibility</p:attrName>
+                                        </p:attrNameLst>
+                                      </p:cBhvr>
+                                      <p:to>
+                                        <p:strVal val="hidden"/>
+                                      </p:to>
+                                    </p:set>
+                                  </p:childTnLst>
+                                </p:cTn>
+                              </p:par>
+                              <p:par>
+                                <p:cTn id="64" presetID="45" presetClass="exit" presetSubtype="0" fill="hold" nodeType="withEffect">
+                                  <p:stCondLst>
+                                    <p:cond delay="0"/>
+                                  </p:stCondLst>
+                                  <p:childTnLst>
+                                    <p:animEffect transition="out" filter="fade">
+                                      <p:cBhvr>
+                                        <p:cTn id="65" dur="500"/>
+                                        <p:tgtEl>
+                                          <p:spTgt spid="5122"/>
+                                        </p:tgtEl>
+                                      </p:cBhvr>
+                                    </p:animEffect>
+                                    <p:anim calcmode="lin" valueType="num">
+                                      <p:cBhvr>
+                                        <p:cTn id="66" dur="500"/>
+                                        <p:tgtEl>
+                                          <p:spTgt spid="5122"/>
+                                        </p:tgtEl>
+                                        <p:attrNameLst>
+                                          <p:attrName>ppt_w</p:attrName>
+                                        </p:attrNameLst>
+                                      </p:cBhvr>
+                                      <p:tavLst>
+                                        <p:tav tm="0">
+                                          <p:val>
+                                            <p:strVal val="ppt_w"/>
+                                          </p:val>
+                                        </p:tav>
+                                        <p:tav tm="5000">
+                                          <p:val>
+                                            <p:strVal val="0.92*ppt_w"/>
+                                          </p:val>
+                                        </p:tav>
+                                        <p:tav tm="10000">
+                                          <p:val>
+                                            <p:strVal val="0.71*ppt_w"/>
+                                          </p:val>
+                                        </p:tav>
+                                        <p:tav tm="15000">
+                                          <p:val>
+                                            <p:strVal val="0.38*ppt_w"/>
+                                          </p:val>
+                                        </p:tav>
+                                        <p:tav tm="20000">
+                                          <p:val>
+                                            <p:fltVal val="0"/>
+                                          </p:val>
+                                        </p:tav>
+                                        <p:tav tm="25000">
+                                          <p:val>
+                                            <p:strVal val="-0.38*ppt_w"/>
+                                          </p:val>
+                                        </p:tav>
+                                        <p:tav tm="30000">
+                                          <p:val>
+                                            <p:strVal val="-0.71*ppt_w"/>
+                                          </p:val>
+                                        </p:tav>
+                                        <p:tav tm="35000">
+                                          <p:val>
+                                            <p:strVal val="-0.92*ppt_w"/>
+                                          </p:val>
+                                        </p:tav>
+                                        <p:tav tm="40000">
+                                          <p:val>
+                                            <p:strVal val="-ppt_w"/>
+                                          </p:val>
+                                        </p:tav>
+                                        <p:tav tm="45000">
+                                          <p:val>
+                                            <p:strVal val="-0.92*ppt_w"/>
+                                          </p:val>
+                                        </p:tav>
+                                        <p:tav tm="50000">
+                                          <p:val>
+                                            <p:strVal val="-0.71*ppt_w"/>
+                                          </p:val>
+                                        </p:tav>
+                                        <p:tav tm="55000">
+                                          <p:val>
+                                            <p:strVal val="-0.38*ppt_w"/>
+                                          </p:val>
+                                        </p:tav>
+                                        <p:tav tm="60000">
+                                          <p:val>
+                                            <p:fltVal val="0"/>
+                                          </p:val>
+                                        </p:tav>
+                                        <p:tav tm="65000">
+                                          <p:val>
+                                            <p:strVal val="0.38*ppt_w"/>
+                                          </p:val>
+                                        </p:tav>
+                                        <p:tav tm="70000">
+                                          <p:val>
+                                            <p:strVal val="0.71*ppt_w"/>
+                                          </p:val>
+                                        </p:tav>
+                                        <p:tav tm="75000">
+                                          <p:val>
+                                            <p:strVal val="0.92*ppt_w"/>
+                                          </p:val>
+                                        </p:tav>
+                                        <p:tav tm="80000">
+                                          <p:val>
+                                            <p:strVal val="ppt_w"/>
+                                          </p:val>
+                                        </p:tav>
+                                        <p:tav tm="85000">
+                                          <p:val>
+                                            <p:strVal val="0.92*ppt_w"/>
+                                          </p:val>
+                                        </p:tav>
+                                        <p:tav tm="90000">
+                                          <p:val>
+                                            <p:strVal val="0.71*ppt_w"/>
+                                          </p:val>
+                                        </p:tav>
+                                        <p:tav tm="95000">
+                                          <p:val>
+                                            <p:strVal val="0.38*ppt_w"/>
+                                          </p:val>
+                                        </p:tav>
+                                        <p:tav tm="100000">
+                                          <p:val>
+                                            <p:fltVal val="0"/>
+                                          </p:val>
+                                        </p:tav>
+                                      </p:tavLst>
+                                    </p:anim>
+                                    <p:anim calcmode="lin" valueType="num">
+                                      <p:cBhvr>
+                                        <p:cTn id="67" dur="500"/>
+                                        <p:tgtEl>
+                                          <p:spTgt spid="5122"/>
+                                        </p:tgtEl>
+                                        <p:attrNameLst>
+                                          <p:attrName>ppt_h</p:attrName>
+                                        </p:attrNameLst>
+                                      </p:cBhvr>
+                                      <p:tavLst>
+                                        <p:tav tm="0">
+                                          <p:val>
+                                            <p:strVal val="ppt_h"/>
+                                          </p:val>
+                                        </p:tav>
+                                        <p:tav tm="100000">
+                                          <p:val>
+                                            <p:strVal val="ppt_h"/>
+                                          </p:val>
+                                        </p:tav>
+                                      </p:tavLst>
+                                    </p:anim>
+                                    <p:set>
+                                      <p:cBhvr>
+                                        <p:cTn id="68" dur="1" fill="hold">
+                                          <p:stCondLst>
+                                            <p:cond delay="499"/>
+                                          </p:stCondLst>
+                                        </p:cTn>
+                                        <p:tgtEl>
+                                          <p:spTgt spid="5122"/>
+                                        </p:tgtEl>
+                                        <p:attrNameLst>
+                                          <p:attrName>style.visibility</p:attrName>
+                                        </p:attrNameLst>
+                                      </p:cBhvr>
+                                      <p:to>
+                                        <p:strVal val="hidden"/>
+                                      </p:to>
+                                    </p:set>
+                                  </p:childTnLst>
+                                </p:cTn>
+                              </p:par>
+                              <p:par>
+                                <p:cTn id="69" presetID="53" presetClass="entr" presetSubtype="16" fill="hold" grpId="0" nodeType="withEffect">
+                                  <p:stCondLst>
+                                    <p:cond delay="100"/>
+                                  </p:stCondLst>
+                                  <p:childTnLst>
+                                    <p:set>
+                                      <p:cBhvr>
+                                        <p:cTn id="70" dur="1" fill="hold">
                                           <p:stCondLst>
                                             <p:cond delay="0"/>
                                           </p:stCondLst>
                                         </p:cTn>
                                         <p:tgtEl>
-                                          <p:spTgt spid="5132"/>
+                                          <p:spTgt spid="54"/>
                                         </p:tgtEl>
                                         <p:attrNameLst>
                                           <p:attrName>style.visibility</p:attrName>
@@ -10018,9 +11501,9 @@
                                     </p:set>
                                     <p:anim calcmode="lin" valueType="num">
                                       <p:cBhvr>
-                                        <p:cTn id="24" dur="300" fill="hold"/>
-                                        <p:tgtEl>
-                                          <p:spTgt spid="5132"/>
+                                        <p:cTn id="71" dur="300" fill="hold"/>
+                                        <p:tgtEl>
+                                          <p:spTgt spid="54"/>
                                         </p:tgtEl>
                                         <p:attrNameLst>
                                           <p:attrName>ppt_w</p:attrName>
@@ -10041,9 +11524,9 @@
                                     </p:anim>
                                     <p:anim calcmode="lin" valueType="num">
                                       <p:cBhvr>
-                                        <p:cTn id="25" dur="300" fill="hold"/>
-                                        <p:tgtEl>
-                                          <p:spTgt spid="5132"/>
+                                        <p:cTn id="72" dur="300" fill="hold"/>
+                                        <p:tgtEl>
+                                          <p:spTgt spid="54"/>
                                         </p:tgtEl>
                                         <p:attrNameLst>
                                           <p:attrName>ppt_h</p:attrName>
@@ -10064,9 +11547,9 @@
                                     </p:anim>
                                     <p:animEffect transition="in" filter="fade">
                                       <p:cBhvr>
-                                        <p:cTn id="26" dur="300"/>
-                                        <p:tgtEl>
-                                          <p:spTgt spid="5132"/>
+                                        <p:cTn id="73" dur="300"/>
+                                        <p:tgtEl>
+                                          <p:spTgt spid="54"/>
                                         </p:tgtEl>
                                       </p:cBhvr>
                                     </p:animEffect>
@@ -10074,20 +11557,20 @@
                                 </p:cTn>
                               </p:par>
                               <p:par>
-                                <p:cTn id="27" presetID="10" presetClass="entr" presetSubtype="0" fill="hold" grpId="0" nodeType="withEffect">
+                                <p:cTn id="74" presetID="1" presetClass="entr" presetSubtype="0" fill="hold" grpId="0" nodeType="withEffect">
                                   <p:stCondLst>
-                                    <p:cond delay="100"/>
+                                    <p:cond delay="800"/>
                                   </p:stCondLst>
                                   <p:childTnLst>
                                     <p:set>
                                       <p:cBhvr>
-                                        <p:cTn id="28" dur="1" fill="hold">
+                                        <p:cTn id="75" dur="1" fill="hold">
                                           <p:stCondLst>
                                             <p:cond delay="0"/>
                                           </p:stCondLst>
                                         </p:cTn>
                                         <p:tgtEl>
-                                          <p:spTgt spid="21"/>
+                                          <p:spTgt spid="58"/>
                                         </p:tgtEl>
                                         <p:attrNameLst>
                                           <p:attrName>style.visibility</p:attrName>
@@ -10097,87 +11580,31 @@
                                         <p:strVal val="visible"/>
                                       </p:to>
                                     </p:set>
-                                    <p:animEffect transition="in" filter="fade">
-                                      <p:cBhvr>
-                                        <p:cTn id="29" dur="500"/>
-                                        <p:tgtEl>
-                                          <p:spTgt spid="21"/>
-                                        </p:tgtEl>
-                                      </p:cBhvr>
-                                    </p:animEffect>
-                                  </p:childTnLst>
-                                </p:cTn>
-                              </p:par>
-                            </p:childTnLst>
-                          </p:cTn>
-                        </p:par>
-                      </p:childTnLst>
-                    </p:cTn>
-                  </p:par>
-                  <p:par>
-                    <p:cTn id="30" fill="hold">
-                      <p:stCondLst>
-                        <p:cond delay="indefinite"/>
-                      </p:stCondLst>
-                      <p:childTnLst>
-                        <p:par>
-                          <p:cTn id="31" fill="hold">
-                            <p:stCondLst>
-                              <p:cond delay="0"/>
-                            </p:stCondLst>
-                            <p:childTnLst>
-                              <p:par>
-                                <p:cTn id="32" presetID="42" presetClass="path" presetSubtype="0" accel="50000" decel="50000" fill="hold" nodeType="clickEffect">
-                                  <p:stCondLst>
-                                    <p:cond delay="0"/>
-                                  </p:stCondLst>
-                                  <p:childTnLst>
-                                    <p:animMotion origin="layout" path="M -1.875E-6 1.11111E-6 L -0.00013 0.20926 " pathEditMode="relative" rAng="0" ptsTypes="AA">
-                                      <p:cBhvr>
-                                        <p:cTn id="33" dur="1000" fill="hold"/>
-                                        <p:tgtEl>
-                                          <p:spTgt spid="5132"/>
-                                        </p:tgtEl>
-                                        <p:attrNameLst>
-                                          <p:attrName>ppt_x</p:attrName>
-                                          <p:attrName>ppt_y</p:attrName>
-                                        </p:attrNameLst>
-                                      </p:cBhvr>
-                                      <p:rCtr x="-13" y="10463"/>
-                                    </p:animMotion>
                                   </p:childTnLst>
                                 </p:cTn>
                               </p:par>
                               <p:par>
-                                <p:cTn id="34" presetID="10" presetClass="exit" presetSubtype="0" fill="hold" grpId="1" nodeType="withEffect">
+                                <p:cTn id="76" presetID="1" presetClass="entr" presetSubtype="0" fill="hold" nodeType="withEffect">
                                   <p:stCondLst>
-                                    <p:cond delay="0"/>
+                                    <p:cond delay="1200"/>
                                   </p:stCondLst>
                                   <p:childTnLst>
-                                    <p:animEffect transition="out" filter="fade">
-                                      <p:cBhvr>
-                                        <p:cTn id="35" dur="500"/>
-                                        <p:tgtEl>
-                                          <p:spTgt spid="21"/>
-                                        </p:tgtEl>
-                                      </p:cBhvr>
-                                    </p:animEffect>
                                     <p:set>
                                       <p:cBhvr>
-                                        <p:cTn id="36" dur="1" fill="hold">
+                                        <p:cTn id="77" dur="1" fill="hold">
                                           <p:stCondLst>
-                                            <p:cond delay="499"/>
+                                            <p:cond delay="0"/>
                                           </p:stCondLst>
                                         </p:cTn>
                                         <p:tgtEl>
-                                          <p:spTgt spid="21"/>
+                                          <p:spTgt spid="2053"/>
                                         </p:tgtEl>
                                         <p:attrNameLst>
                                           <p:attrName>style.visibility</p:attrName>
                                         </p:attrNameLst>
                                       </p:cBhvr>
                                       <p:to>
-                                        <p:strVal val="hidden"/>
+                                        <p:strVal val="visible"/>
                                       </p:to>
                                     </p:set>
                                   </p:childTnLst>
@@ -10190,203 +11617,114 @@
                     </p:cTn>
                   </p:par>
                   <p:par>
-                    <p:cTn id="37" fill="hold">
+                    <p:cTn id="78" fill="hold">
                       <p:stCondLst>
                         <p:cond delay="indefinite"/>
                       </p:stCondLst>
                       <p:childTnLst>
                         <p:par>
-                          <p:cTn id="38" fill="hold">
+                          <p:cTn id="79" fill="hold">
                             <p:stCondLst>
                               <p:cond delay="0"/>
                             </p:stCondLst>
                             <p:childTnLst>
                               <p:par>
-                                <p:cTn id="39" presetID="53" presetClass="entr" presetSubtype="16" fill="hold" nodeType="clickEffect">
+                                <p:cTn id="80" presetID="42" presetClass="path" presetSubtype="0" accel="50000" decel="50000" fill="hold" grpId="1" nodeType="clickEffect">
                                   <p:stCondLst>
                                     <p:cond delay="0"/>
                                   </p:stCondLst>
                                   <p:childTnLst>
-                                    <p:set>
-                                      <p:cBhvr>
-                                        <p:cTn id="40" dur="1" fill="hold">
-                                          <p:stCondLst>
-                                            <p:cond delay="0"/>
-                                          </p:stCondLst>
-                                        </p:cTn>
-                                        <p:tgtEl>
-                                          <p:spTgt spid="5122"/>
+                                    <p:animMotion origin="layout" path="M -2.29167E-6 1.48148E-6 L -0.23489 1.48148E-6 " pathEditMode="relative" rAng="0" ptsTypes="AA">
+                                      <p:cBhvr>
+                                        <p:cTn id="81" dur="1000" fill="hold"/>
+                                        <p:tgtEl>
+                                          <p:spTgt spid="54"/>
                                         </p:tgtEl>
                                         <p:attrNameLst>
-                                          <p:attrName>style.visibility</p:attrName>
+                                          <p:attrName>ppt_x</p:attrName>
+                                          <p:attrName>ppt_y</p:attrName>
                                         </p:attrNameLst>
                                       </p:cBhvr>
-                                      <p:to>
-                                        <p:strVal val="visible"/>
-                                      </p:to>
-                                    </p:set>
-                                    <p:anim calcmode="lin" valueType="num">
-                                      <p:cBhvr>
-                                        <p:cTn id="41" dur="300" fill="hold"/>
-                                        <p:tgtEl>
-                                          <p:spTgt spid="5122"/>
-                                        </p:tgtEl>
-                                        <p:attrNameLst>
-                                          <p:attrName>ppt_w</p:attrName>
-                                        </p:attrNameLst>
-                                      </p:cBhvr>
-                                      <p:tavLst>
-                                        <p:tav tm="0">
-                                          <p:val>
-                                            <p:fltVal val="0"/>
-                                          </p:val>
-                                        </p:tav>
-                                        <p:tav tm="100000">
-                                          <p:val>
-                                            <p:strVal val="#ppt_w"/>
-                                          </p:val>
-                                        </p:tav>
-                                      </p:tavLst>
-                                    </p:anim>
-                                    <p:anim calcmode="lin" valueType="num">
-                                      <p:cBhvr>
-                                        <p:cTn id="42" dur="300" fill="hold"/>
-                                        <p:tgtEl>
-                                          <p:spTgt spid="5122"/>
-                                        </p:tgtEl>
-                                        <p:attrNameLst>
-                                          <p:attrName>ppt_h</p:attrName>
-                                        </p:attrNameLst>
-                                      </p:cBhvr>
-                                      <p:tavLst>
-                                        <p:tav tm="0">
-                                          <p:val>
-                                            <p:fltVal val="0"/>
-                                          </p:val>
-                                        </p:tav>
-                                        <p:tav tm="100000">
-                                          <p:val>
-                                            <p:strVal val="#ppt_h"/>
-                                          </p:val>
-                                        </p:tav>
-                                      </p:tavLst>
-                                    </p:anim>
-                                    <p:animEffect transition="in" filter="fade">
-                                      <p:cBhvr>
-                                        <p:cTn id="43" dur="300"/>
-                                        <p:tgtEl>
-                                          <p:spTgt spid="5122"/>
-                                        </p:tgtEl>
-                                      </p:cBhvr>
-                                    </p:animEffect>
+                                      <p:rCtr x="-11745" y="0"/>
+                                    </p:animMotion>
                                   </p:childTnLst>
                                 </p:cTn>
                               </p:par>
                               <p:par>
-                                <p:cTn id="44" presetID="10" presetClass="entr" presetSubtype="0" fill="hold" grpId="0" nodeType="withEffect">
+                                <p:cTn id="82" presetID="42" presetClass="path" presetSubtype="0" accel="50000" decel="50000" fill="hold" grpId="1" nodeType="withEffect">
                                   <p:stCondLst>
-                                    <p:cond delay="100"/>
+                                    <p:cond delay="0"/>
                                   </p:stCondLst>
                                   <p:childTnLst>
-                                    <p:set>
-                                      <p:cBhvr>
-                                        <p:cTn id="45" dur="1" fill="hold">
-                                          <p:stCondLst>
-                                            <p:cond delay="0"/>
-                                          </p:stCondLst>
-                                        </p:cTn>
-                                        <p:tgtEl>
-                                          <p:spTgt spid="24"/>
+                                    <p:animMotion origin="layout" path="M -3.95833E-6 2.96296E-6 L -0.21171 0.00092 " pathEditMode="relative" rAng="0" ptsTypes="AA">
+                                      <p:cBhvr>
+                                        <p:cTn id="83" dur="1000" fill="hold"/>
+                                        <p:tgtEl>
+                                          <p:spTgt spid="58"/>
                                         </p:tgtEl>
                                         <p:attrNameLst>
-                                          <p:attrName>style.visibility</p:attrName>
+                                          <p:attrName>ppt_x</p:attrName>
+                                          <p:attrName>ppt_y</p:attrName>
                                         </p:attrNameLst>
                                       </p:cBhvr>
-                                      <p:to>
-                                        <p:strVal val="visible"/>
-                                      </p:to>
-                                    </p:set>
-                                    <p:animEffect transition="in" filter="fade">
-                                      <p:cBhvr>
-                                        <p:cTn id="46" dur="500"/>
-                                        <p:tgtEl>
-                                          <p:spTgt spid="24"/>
-                                        </p:tgtEl>
-                                      </p:cBhvr>
-                                    </p:animEffect>
+                                      <p:rCtr x="-10586" y="46"/>
+                                    </p:animMotion>
+                                  </p:childTnLst>
+                                </p:cTn>
+                              </p:par>
+                              <p:par>
+                                <p:cTn id="84" presetID="42" presetClass="path" presetSubtype="0" accel="50000" decel="50000" fill="hold" nodeType="withEffect">
+                                  <p:stCondLst>
+                                    <p:cond delay="0"/>
+                                  </p:stCondLst>
+                                  <p:childTnLst>
+                                    <p:animMotion origin="layout" path="M -6.25E-7 2.59259E-6 L -0.32122 -0.00834 " pathEditMode="relative" rAng="0" ptsTypes="AA">
+                                      <p:cBhvr>
+                                        <p:cTn id="85" dur="1000" fill="hold"/>
+                                        <p:tgtEl>
+                                          <p:spTgt spid="2053"/>
+                                        </p:tgtEl>
+                                        <p:attrNameLst>
+                                          <p:attrName>ppt_x</p:attrName>
+                                          <p:attrName>ppt_y</p:attrName>
+                                        </p:attrNameLst>
+                                      </p:cBhvr>
+                                      <p:rCtr x="-16068" y="-417"/>
+                                    </p:animMotion>
                                   </p:childTnLst>
                                 </p:cTn>
                               </p:par>
                             </p:childTnLst>
                           </p:cTn>
                         </p:par>
-                      </p:childTnLst>
-                    </p:cTn>
-                  </p:par>
-                  <p:par>
-                    <p:cTn id="47" fill="hold">
-                      <p:stCondLst>
-                        <p:cond delay="indefinite"/>
-                      </p:stCondLst>
-                      <p:childTnLst>
                         <p:par>
-                          <p:cTn id="48" fill="hold">
+                          <p:cTn id="86" fill="hold">
                             <p:stCondLst>
-                              <p:cond delay="0"/>
+                              <p:cond delay="1000"/>
                             </p:stCondLst>
                             <p:childTnLst>
                               <p:par>
-                                <p:cTn id="49" presetID="42" presetClass="path" presetSubtype="0" accel="50000" decel="50000" fill="hold" nodeType="clickEffect">
+                                <p:cTn id="87" presetID="1" presetClass="entr" presetSubtype="0" fill="hold" grpId="0" nodeType="afterEffect">
                                   <p:stCondLst>
                                     <p:cond delay="0"/>
                                   </p:stCondLst>
                                   <p:childTnLst>
-                                    <p:animMotion origin="layout" path="M -1.875E-6 1.11111E-6 L 0.31446 0.22083 " pathEditMode="relative" rAng="0" ptsTypes="AA">
-                                      <p:cBhvr>
-                                        <p:cTn id="50" dur="1000" fill="hold"/>
-                                        <p:tgtEl>
-                                          <p:spTgt spid="5122"/>
-                                        </p:tgtEl>
-                                        <p:attrNameLst>
-                                          <p:attrName>ppt_x</p:attrName>
-                                          <p:attrName>ppt_y</p:attrName>
-                                        </p:attrNameLst>
-                                      </p:cBhvr>
-                                      <p:rCtr x="15716" y="11042"/>
-                                    </p:animMotion>
-                                  </p:childTnLst>
-                                </p:cTn>
-                              </p:par>
-                              <p:par>
-                                <p:cTn id="51" presetID="10" presetClass="exit" presetSubtype="0" fill="hold" grpId="1" nodeType="withEffect">
-                                  <p:stCondLst>
-                                    <p:cond delay="0"/>
-                                  </p:stCondLst>
-                                  <p:childTnLst>
-                                    <p:animEffect transition="out" filter="fade">
-                                      <p:cBhvr>
-                                        <p:cTn id="52" dur="500"/>
-                                        <p:tgtEl>
-                                          <p:spTgt spid="24"/>
-                                        </p:tgtEl>
-                                      </p:cBhvr>
-                                    </p:animEffect>
                                     <p:set>
                                       <p:cBhvr>
-                                        <p:cTn id="53" dur="1" fill="hold">
+                                        <p:cTn id="88" dur="1" fill="hold">
                                           <p:stCondLst>
-                                            <p:cond delay="499"/>
+                                            <p:cond delay="0"/>
                                           </p:stCondLst>
                                         </p:cTn>
                                         <p:tgtEl>
-                                          <p:spTgt spid="24"/>
+                                          <p:spTgt spid="2054"/>
                                         </p:tgtEl>
                                         <p:attrNameLst>
                                           <p:attrName>style.visibility</p:attrName>
                                         </p:attrNameLst>
                                       </p:cBhvr>
                                       <p:to>
-                                        <p:strVal val="hidden"/>
+                                        <p:strVal val="visible"/>
                                       </p:to>
                                     </p:set>
                                   </p:childTnLst>
@@ -10420,18 +11758,198 @@
       </p:par>
     </p:tnLst>
     <p:bldLst>
-      <p:bldP spid="15" grpId="0" animBg="1"/>
-      <p:bldP spid="15" grpId="1" animBg="1"/>
-      <p:bldP spid="21" grpId="0" animBg="1"/>
-      <p:bldP spid="21" grpId="1" animBg="1"/>
-      <p:bldP spid="24" grpId="0" animBg="1"/>
-      <p:bldP spid="24" grpId="1" animBg="1"/>
+      <p:bldP spid="15" grpId="0"/>
+      <p:bldP spid="15" grpId="1"/>
+      <p:bldP spid="21" grpId="0"/>
+      <p:bldP spid="21" grpId="1"/>
+      <p:bldP spid="24" grpId="0"/>
+      <p:bldP spid="24" grpId="1"/>
+      <p:bldP spid="54" grpId="0"/>
+      <p:bldP spid="54" grpId="1"/>
+      <p:bldP spid="58" grpId="0"/>
+      <p:bldP spid="58" grpId="1"/>
+      <p:bldP spid="2054" grpId="0"/>
     </p:bldLst>
   </p:timing>
 </p:sld>
 </file>
 
 <file path=ppt/slides/slide4.xml><?xml version="1.0" encoding="utf-8"?>
+<p:sld xmlns:a="http://schemas.openxmlformats.org/drawingml/2006/main" xmlns:r="http://schemas.openxmlformats.org/officeDocument/2006/relationships" xmlns:p="http://schemas.openxmlformats.org/presentationml/2006/main">
+  <p:cSld>
+    <p:spTree>
+      <p:nvGrpSpPr>
+        <p:cNvPr id="1" name=""/>
+        <p:cNvGrpSpPr/>
+        <p:nvPr/>
+      </p:nvGrpSpPr>
+      <p:grpSpPr>
+        <a:xfrm>
+          <a:off x="0" y="0"/>
+          <a:ext cx="0" cy="0"/>
+          <a:chOff x="0" y="0"/>
+          <a:chExt cx="0" cy="0"/>
+        </a:xfrm>
+      </p:grpSpPr>
+      <p:grpSp>
+        <p:nvGrpSpPr>
+          <p:cNvPr id="4" name="Group 3"/>
+          <p:cNvGrpSpPr/>
+          <p:nvPr/>
+        </p:nvGrpSpPr>
+        <p:grpSpPr>
+          <a:xfrm>
+            <a:off x="3097430" y="424600"/>
+            <a:ext cx="6249770" cy="667322"/>
+            <a:chOff x="3097430" y="424600"/>
+            <a:chExt cx="6249770" cy="667322"/>
+          </a:xfrm>
+        </p:grpSpPr>
+        <p:pic>
+          <p:nvPicPr>
+            <p:cNvPr id="3076" name="Picture 4" descr="Image result for react logo"/>
+            <p:cNvPicPr>
+              <a:picLocks noChangeAspect="1" noChangeArrowheads="1"/>
+            </p:cNvPicPr>
+            <p:nvPr/>
+          </p:nvPicPr>
+          <p:blipFill>
+            <a:blip r:embed="rId3">
+              <a:extLst>
+                <a:ext uri="{28A0092B-C50C-407E-A947-70E740481C1C}">
+                  <a14:useLocalDpi xmlns:a14="http://schemas.microsoft.com/office/drawing/2010/main" val="0"/>
+                </a:ext>
+              </a:extLst>
+            </a:blip>
+            <a:srcRect/>
+            <a:stretch>
+              <a:fillRect/>
+            </a:stretch>
+          </p:blipFill>
+          <p:spPr bwMode="auto">
+            <a:xfrm>
+              <a:off x="3097430" y="424600"/>
+              <a:ext cx="944880" cy="667322"/>
+            </a:xfrm>
+            <a:prstGeom prst="rect">
+              <a:avLst/>
+            </a:prstGeom>
+            <a:noFill/>
+            <a:extLst>
+              <a:ext uri="{909E8E84-426E-40DD-AFC4-6F175D3DCCD1}">
+                <a14:hiddenFill xmlns:a14="http://schemas.microsoft.com/office/drawing/2010/main">
+                  <a:solidFill>
+                    <a:srgbClr val="FFFFFF"/>
+                  </a:solidFill>
+                </a14:hiddenFill>
+              </a:ext>
+            </a:extLst>
+          </p:spPr>
+        </p:pic>
+        <p:sp>
+          <p:nvSpPr>
+            <p:cNvPr id="18" name="Title 1"/>
+            <p:cNvSpPr txBox="1">
+              <a:spLocks/>
+            </p:cNvSpPr>
+            <p:nvPr/>
+          </p:nvSpPr>
+          <p:spPr>
+            <a:xfrm>
+              <a:off x="3851810" y="424600"/>
+              <a:ext cx="5495390" cy="666063"/>
+            </a:xfrm>
+            <a:prstGeom prst="rect">
+              <a:avLst/>
+            </a:prstGeom>
+          </p:spPr>
+          <p:txBody>
+            <a:bodyPr vert="horz" lIns="91440" tIns="45720" rIns="91440" bIns="45720" rtlCol="0" anchor="ctr">
+              <a:normAutofit/>
+            </a:bodyPr>
+            <a:lstStyle>
+              <a:lvl1pPr algn="ctr" defTabSz="914400" rtl="0" eaLnBrk="1" latinLnBrk="0" hangingPunct="1">
+                <a:lnSpc>
+                  <a:spcPct val="90000"/>
+                </a:lnSpc>
+                <a:spcBef>
+                  <a:spcPct val="0"/>
+                </a:spcBef>
+                <a:buNone/>
+                <a:defRPr sz="6000" kern="1200">
+                  <a:solidFill>
+                    <a:schemeClr val="tx1"/>
+                  </a:solidFill>
+                  <a:latin typeface="+mj-lt"/>
+                  <a:ea typeface="+mj-ea"/>
+                  <a:cs typeface="+mj-cs"/>
+                </a:defRPr>
+              </a:lvl1pPr>
+            </a:lstStyle>
+            <a:p>
+              <a:r>
+                <a:rPr lang="en-US" altLang="zh-CN" sz="2400" i="1" dirty="0">
+                  <a:solidFill>
+                    <a:schemeClr val="bg1"/>
+                  </a:solidFill>
+                  <a:latin typeface="Century Gothic" panose="020B0502020202020204" pitchFamily="34" charset="0"/>
+                </a:rPr>
+                <a:t>Frontend Stack</a:t>
+              </a:r>
+              <a:r>
+                <a:rPr lang="en-US" altLang="zh-CN" sz="2400" b="1" dirty="0">
+                  <a:solidFill>
+                    <a:schemeClr val="bg1"/>
+                  </a:solidFill>
+                  <a:latin typeface="Century Gothic" panose="020B0502020202020204" pitchFamily="34" charset="0"/>
+                </a:rPr>
+                <a:t>·</a:t>
+              </a:r>
+              <a:r>
+                <a:rPr lang="en-US" altLang="zh-CN" sz="2400" dirty="0">
+                  <a:solidFill>
+                    <a:schemeClr val="bg1"/>
+                  </a:solidFill>
+                  <a:latin typeface="Century Gothic" panose="020B0502020202020204" pitchFamily="34" charset="0"/>
+                </a:rPr>
+                <a:t> </a:t>
+              </a:r>
+              <a:r>
+                <a:rPr lang="en-US" altLang="zh-CN" sz="2400" i="1" dirty="0">
+                  <a:solidFill>
+                    <a:srgbClr val="61DAFB"/>
+                  </a:solidFill>
+                  <a:latin typeface="Century Gothic" panose="020B0502020202020204" pitchFamily="34" charset="0"/>
+                </a:rPr>
+                <a:t>state management</a:t>
+              </a:r>
+              <a:endParaRPr lang="zh-CN" altLang="en-US" sz="2400" i="1" dirty="0">
+                <a:solidFill>
+                  <a:srgbClr val="61DAFB"/>
+                </a:solidFill>
+                <a:latin typeface="Century Gothic" panose="020B0502020202020204" pitchFamily="34" charset="0"/>
+              </a:endParaRPr>
+            </a:p>
+          </p:txBody>
+        </p:sp>
+      </p:grpSp>
+    </p:spTree>
+    <p:extLst>
+      <p:ext uri="{BB962C8B-B14F-4D97-AF65-F5344CB8AC3E}">
+        <p14:creationId xmlns:p14="http://schemas.microsoft.com/office/powerpoint/2010/main" val="2070348617"/>
+      </p:ext>
+    </p:extLst>
+  </p:cSld>
+  <p:clrMapOvr>
+    <a:masterClrMapping/>
+  </p:clrMapOvr>
+  <p:transition spd="slow">
+    <p:push/>
+  </p:transition>
+</p:sld>
+</file>
+
+<file path=ppt/slides/slide5.xml><?xml version="1.0" encoding="utf-8"?>
 <p:sld xmlns:a="http://schemas.openxmlformats.org/drawingml/2006/main" xmlns:r="http://schemas.openxmlformats.org/officeDocument/2006/relationships" xmlns:p="http://schemas.openxmlformats.org/presentationml/2006/main">
   <p:cSld>
     <p:spTree>
@@ -11312,7 +12830,7 @@
 </p:sld>
 </file>
 
-<file path=ppt/slides/slide5.xml><?xml version="1.0" encoding="utf-8"?>
+<file path=ppt/slides/slide6.xml><?xml version="1.0" encoding="utf-8"?>
 <p:sld xmlns:a="http://schemas.openxmlformats.org/drawingml/2006/main" xmlns:r="http://schemas.openxmlformats.org/officeDocument/2006/relationships" xmlns:p="http://schemas.openxmlformats.org/presentationml/2006/main">
   <p:cSld>
     <p:spTree>

--- a/How_AH_Using_OSes.pptx
+++ b/How_AH_Using_OSes.pptx
@@ -205,7 +205,7 @@
           <a:p>
             <a:fld id="{3E27FC08-B7C6-4CB4-B334-099FED660AC6}" type="datetimeFigureOut">
               <a:rPr lang="zh-CN" altLang="en-US" smtClean="0"/>
-              <a:t>2017/9/7</a:t>
+              <a:t>2017/9/11</a:t>
             </a:fld>
             <a:endParaRPr lang="zh-CN" altLang="en-US"/>
           </a:p>
@@ -2193,7 +2193,7 @@
           <a:p>
             <a:fld id="{7635838E-6973-43F9-B8AD-253119E4B01F}" type="datetimeFigureOut">
               <a:rPr lang="zh-CN" altLang="en-US" smtClean="0"/>
-              <a:t>2017/9/7</a:t>
+              <a:t>2017/9/11</a:t>
             </a:fld>
             <a:endParaRPr lang="zh-CN" altLang="en-US"/>
           </a:p>
@@ -2363,7 +2363,7 @@
           <a:p>
             <a:fld id="{7635838E-6973-43F9-B8AD-253119E4B01F}" type="datetimeFigureOut">
               <a:rPr lang="zh-CN" altLang="en-US" smtClean="0"/>
-              <a:t>2017/9/7</a:t>
+              <a:t>2017/9/11</a:t>
             </a:fld>
             <a:endParaRPr lang="zh-CN" altLang="en-US"/>
           </a:p>
@@ -2543,7 +2543,7 @@
           <a:p>
             <a:fld id="{7635838E-6973-43F9-B8AD-253119E4B01F}" type="datetimeFigureOut">
               <a:rPr lang="zh-CN" altLang="en-US" smtClean="0"/>
-              <a:t>2017/9/7</a:t>
+              <a:t>2017/9/11</a:t>
             </a:fld>
             <a:endParaRPr lang="zh-CN" altLang="en-US"/>
           </a:p>
@@ -2713,7 +2713,7 @@
           <a:p>
             <a:fld id="{7635838E-6973-43F9-B8AD-253119E4B01F}" type="datetimeFigureOut">
               <a:rPr lang="zh-CN" altLang="en-US" smtClean="0"/>
-              <a:t>2017/9/7</a:t>
+              <a:t>2017/9/11</a:t>
             </a:fld>
             <a:endParaRPr lang="zh-CN" altLang="en-US"/>
           </a:p>
@@ -2959,7 +2959,7 @@
           <a:p>
             <a:fld id="{7635838E-6973-43F9-B8AD-253119E4B01F}" type="datetimeFigureOut">
               <a:rPr lang="zh-CN" altLang="en-US" smtClean="0"/>
-              <a:t>2017/9/7</a:t>
+              <a:t>2017/9/11</a:t>
             </a:fld>
             <a:endParaRPr lang="zh-CN" altLang="en-US"/>
           </a:p>
@@ -3191,7 +3191,7 @@
           <a:p>
             <a:fld id="{7635838E-6973-43F9-B8AD-253119E4B01F}" type="datetimeFigureOut">
               <a:rPr lang="zh-CN" altLang="en-US" smtClean="0"/>
-              <a:t>2017/9/7</a:t>
+              <a:t>2017/9/11</a:t>
             </a:fld>
             <a:endParaRPr lang="zh-CN" altLang="en-US"/>
           </a:p>
@@ -3558,7 +3558,7 @@
           <a:p>
             <a:fld id="{7635838E-6973-43F9-B8AD-253119E4B01F}" type="datetimeFigureOut">
               <a:rPr lang="zh-CN" altLang="en-US" smtClean="0"/>
-              <a:t>2017/9/7</a:t>
+              <a:t>2017/9/11</a:t>
             </a:fld>
             <a:endParaRPr lang="zh-CN" altLang="en-US"/>
           </a:p>
@@ -3676,7 +3676,7 @@
           <a:p>
             <a:fld id="{7635838E-6973-43F9-B8AD-253119E4B01F}" type="datetimeFigureOut">
               <a:rPr lang="zh-CN" altLang="en-US" smtClean="0"/>
-              <a:t>2017/9/7</a:t>
+              <a:t>2017/9/11</a:t>
             </a:fld>
             <a:endParaRPr lang="zh-CN" altLang="en-US"/>
           </a:p>
@@ -3771,7 +3771,7 @@
           <a:p>
             <a:fld id="{7635838E-6973-43F9-B8AD-253119E4B01F}" type="datetimeFigureOut">
               <a:rPr lang="zh-CN" altLang="en-US" smtClean="0"/>
-              <a:t>2017/9/7</a:t>
+              <a:t>2017/9/11</a:t>
             </a:fld>
             <a:endParaRPr lang="zh-CN" altLang="en-US"/>
           </a:p>
@@ -4048,7 +4048,7 @@
           <a:p>
             <a:fld id="{7635838E-6973-43F9-B8AD-253119E4B01F}" type="datetimeFigureOut">
               <a:rPr lang="zh-CN" altLang="en-US" smtClean="0"/>
-              <a:t>2017/9/7</a:t>
+              <a:t>2017/9/11</a:t>
             </a:fld>
             <a:endParaRPr lang="zh-CN" altLang="en-US"/>
           </a:p>
@@ -4301,7 +4301,7 @@
           <a:p>
             <a:fld id="{7635838E-6973-43F9-B8AD-253119E4B01F}" type="datetimeFigureOut">
               <a:rPr lang="zh-CN" altLang="en-US" smtClean="0"/>
-              <a:t>2017/9/7</a:t>
+              <a:t>2017/9/11</a:t>
             </a:fld>
             <a:endParaRPr lang="zh-CN" altLang="en-US"/>
           </a:p>
@@ -4520,7 +4520,7 @@
           <a:p>
             <a:fld id="{7635838E-6973-43F9-B8AD-253119E4B01F}" type="datetimeFigureOut">
               <a:rPr lang="zh-CN" altLang="en-US" smtClean="0"/>
-              <a:t>2017/9/7</a:t>
+              <a:t>2017/9/11</a:t>
             </a:fld>
             <a:endParaRPr lang="zh-CN" altLang="en-US"/>
           </a:p>
@@ -9353,7 +9353,7 @@
         </p:nvGrpSpPr>
         <p:grpSpPr>
           <a:xfrm>
-            <a:off x="3097430" y="424600"/>
+            <a:off x="3179318" y="424600"/>
             <a:ext cx="5614770" cy="667322"/>
             <a:chOff x="3097430" y="424600"/>
             <a:chExt cx="5614770" cy="667322"/>
@@ -9869,6 +9869,20 @@
               </a:rPr>
               <a:t>  ...</a:t>
             </a:r>
+            <a:r>
+              <a:rPr kumimoji="0" lang="zh-CN" altLang="zh-CN" sz="2400" b="0" i="0" u="none" strike="noStrike" cap="none" normalizeH="0" baseline="0" dirty="0">
+                <a:ln>
+                  <a:noFill/>
+                </a:ln>
+                <a:solidFill>
+                  <a:srgbClr val="A9B7C6"/>
+                </a:solidFill>
+                <a:effectLst/>
+                <a:latin typeface="Consolas" panose="020B0609020204030204" pitchFamily="49" charset="0"/>
+                <a:ea typeface="Fira Code"/>
+              </a:rPr>
+              <a:t/>
+            </a:r>
             <a:br>
               <a:rPr kumimoji="0" lang="zh-CN" altLang="zh-CN" sz="2400" b="0" i="0" u="none" strike="noStrike" cap="none" normalizeH="0" baseline="0" dirty="0">
                 <a:ln>
@@ -10418,6 +10432,20 @@
                 <a:ea typeface="Fira Code"/>
               </a:rPr>
               <a:t>  ...</a:t>
+            </a:r>
+            <a:r>
+              <a:rPr kumimoji="0" lang="zh-CN" altLang="zh-CN" sz="2000" b="0" i="0" u="none" strike="noStrike" cap="none" normalizeH="0" baseline="0" dirty="0">
+                <a:ln>
+                  <a:noFill/>
+                </a:ln>
+                <a:solidFill>
+                  <a:srgbClr val="A9B7C6"/>
+                </a:solidFill>
+                <a:effectLst/>
+                <a:latin typeface="Consolas" panose="020B0609020204030204" pitchFamily="49" charset="0"/>
+                <a:ea typeface="Fira Code"/>
+              </a:rPr>
+              <a:t/>
             </a:r>
             <a:br>
               <a:rPr kumimoji="0" lang="zh-CN" altLang="zh-CN" sz="2000" b="0" i="0" u="none" strike="noStrike" cap="none" normalizeH="0" baseline="0" dirty="0">
@@ -10753,6 +10781,20 @@
                 <a:ea typeface="Fira Code"/>
               </a:rPr>
               <a:t>...</a:t>
+            </a:r>
+            <a:r>
+              <a:rPr kumimoji="0" lang="zh-CN" altLang="zh-CN" sz="2400" b="0" i="0" u="none" strike="noStrike" cap="none" normalizeH="0" baseline="0" dirty="0">
+                <a:ln>
+                  <a:noFill/>
+                </a:ln>
+                <a:solidFill>
+                  <a:srgbClr val="6A8759"/>
+                </a:solidFill>
+                <a:effectLst/>
+                <a:latin typeface="Consolas" panose="020B0609020204030204" pitchFamily="49" charset="0"/>
+                <a:ea typeface="Fira Code"/>
+              </a:rPr>
+              <a:t/>
             </a:r>
             <a:br>
               <a:rPr kumimoji="0" lang="zh-CN" altLang="zh-CN" sz="2400" b="0" i="0" u="none" strike="noStrike" cap="none" normalizeH="0" baseline="0" dirty="0">
@@ -16778,11 +16820,11 @@
   <p:clrMapOvr>
     <a:masterClrMapping/>
   </p:clrMapOvr>
-  <mc:AlternateContent xmlns:mc="http://schemas.openxmlformats.org/markup-compatibility/2006">
-    <mc:Choice xmlns:p14="http://schemas.microsoft.com/office/powerpoint/2010/main" Requires="p14">
+  <mc:AlternateContent xmlns:mc="http://schemas.openxmlformats.org/markup-compatibility/2006" xmlns:p14="http://schemas.microsoft.com/office/powerpoint/2010/main">
+    <mc:Choice Requires="p14">
       <p:transition p14:dur="10"/>
     </mc:Choice>
-    <mc:Fallback>
+    <mc:Fallback xmlns="">
       <p:transition/>
     </mc:Fallback>
   </mc:AlternateContent>
@@ -19860,11 +19902,11 @@
   <p:clrMapOvr>
     <a:masterClrMapping/>
   </p:clrMapOvr>
-  <mc:AlternateContent xmlns:mc="http://schemas.openxmlformats.org/markup-compatibility/2006">
-    <mc:Choice xmlns:p14="http://schemas.microsoft.com/office/powerpoint/2010/main" Requires="p14">
+  <mc:AlternateContent xmlns:mc="http://schemas.openxmlformats.org/markup-compatibility/2006" xmlns:p14="http://schemas.microsoft.com/office/powerpoint/2010/main">
+    <mc:Choice Requires="p14">
       <p:transition p14:dur="10"/>
     </mc:Choice>
-    <mc:Fallback>
+    <mc:Fallback xmlns="">
       <p:transition/>
     </mc:Fallback>
   </mc:AlternateContent>
@@ -20289,21 +20331,30 @@
                             </p:childTnLst>
                           </p:cTn>
                         </p:par>
+                      </p:childTnLst>
+                    </p:cTn>
+                  </p:par>
+                  <p:par>
+                    <p:cTn id="39" fill="hold">
+                      <p:stCondLst>
+                        <p:cond delay="indefinite"/>
+                      </p:stCondLst>
+                      <p:childTnLst>
                         <p:par>
-                          <p:cTn id="39" fill="hold">
+                          <p:cTn id="40" fill="hold">
                             <p:stCondLst>
-                              <p:cond delay="1300"/>
+                              <p:cond delay="0"/>
                             </p:stCondLst>
                             <p:childTnLst>
                               <p:par>
-                                <p:cTn id="40" presetID="22" presetClass="entr" presetSubtype="4" fill="hold" nodeType="afterEffect">
+                                <p:cTn id="41" presetID="22" presetClass="entr" presetSubtype="4" fill="hold" nodeType="clickEffect">
                                   <p:stCondLst>
                                     <p:cond delay="0"/>
                                   </p:stCondLst>
                                   <p:childTnLst>
                                     <p:set>
                                       <p:cBhvr>
-                                        <p:cTn id="41" dur="1" fill="hold">
+                                        <p:cTn id="42" dur="1" fill="hold">
                                           <p:stCondLst>
                                             <p:cond delay="0"/>
                                           </p:stCondLst>
@@ -20321,7 +20372,7 @@
                                     </p:set>
                                     <p:animEffect transition="in" filter="wipe(down)">
                                       <p:cBhvr>
-                                        <p:cTn id="42" dur="500"/>
+                                        <p:cTn id="43" dur="500"/>
                                         <p:tgtEl>
                                           <p:spTgt spid="3085"/>
                                         </p:tgtEl>
@@ -20337,26 +20388,26 @@
                     </p:cTn>
                   </p:par>
                   <p:par>
-                    <p:cTn id="43" fill="hold">
+                    <p:cTn id="44" fill="hold">
                       <p:stCondLst>
                         <p:cond delay="indefinite"/>
                       </p:stCondLst>
                       <p:childTnLst>
                         <p:par>
-                          <p:cTn id="44" fill="hold">
+                          <p:cTn id="45" fill="hold">
                             <p:stCondLst>
                               <p:cond delay="0"/>
                             </p:stCondLst>
                             <p:childTnLst>
                               <p:par>
-                                <p:cTn id="45" presetID="10" presetClass="exit" presetSubtype="0" fill="hold" nodeType="clickEffect">
+                                <p:cTn id="46" presetID="10" presetClass="exit" presetSubtype="0" fill="hold" nodeType="clickEffect">
                                   <p:stCondLst>
                                     <p:cond delay="0"/>
                                   </p:stCondLst>
                                   <p:childTnLst>
                                     <p:animEffect transition="out" filter="fade">
                                       <p:cBhvr>
-                                        <p:cTn id="46" dur="500"/>
+                                        <p:cTn id="47" dur="500"/>
                                         <p:tgtEl>
                                           <p:spTgt spid="6"/>
                                         </p:tgtEl>
@@ -20364,7 +20415,7 @@
                                     </p:animEffect>
                                     <p:set>
                                       <p:cBhvr>
-                                        <p:cTn id="47" dur="1" fill="hold">
+                                        <p:cTn id="48" dur="1" fill="hold">
                                           <p:stCondLst>
                                             <p:cond delay="499"/>
                                           </p:stCondLst>
@@ -20384,14 +20435,14 @@
                                 </p:cTn>
                               </p:par>
                               <p:par>
-                                <p:cTn id="48" presetID="10" presetClass="exit" presetSubtype="0" fill="hold" nodeType="withEffect">
+                                <p:cTn id="49" presetID="10" presetClass="exit" presetSubtype="0" fill="hold" nodeType="withEffect">
                                   <p:stCondLst>
                                     <p:cond delay="0"/>
                                   </p:stCondLst>
                                   <p:childTnLst>
                                     <p:animEffect transition="out" filter="fade">
                                       <p:cBhvr>
-                                        <p:cTn id="49" dur="500"/>
+                                        <p:cTn id="50" dur="500"/>
                                         <p:tgtEl>
                                           <p:spTgt spid="2"/>
                                         </p:tgtEl>
@@ -20399,7 +20450,7 @@
                                     </p:animEffect>
                                     <p:set>
                                       <p:cBhvr>
-                                        <p:cTn id="50" dur="1" fill="hold">
+                                        <p:cTn id="51" dur="1" fill="hold">
                                           <p:stCondLst>
                                             <p:cond delay="499"/>
                                           </p:stCondLst>
@@ -20419,14 +20470,14 @@
                                 </p:cTn>
                               </p:par>
                               <p:par>
-                                <p:cTn id="51" presetID="10" presetClass="exit" presetSubtype="0" fill="hold" nodeType="withEffect">
+                                <p:cTn id="52" presetID="10" presetClass="exit" presetSubtype="0" fill="hold" nodeType="withEffect">
                                   <p:stCondLst>
                                     <p:cond delay="0"/>
                                   </p:stCondLst>
                                   <p:childTnLst>
                                     <p:animEffect transition="out" filter="fade">
                                       <p:cBhvr>
-                                        <p:cTn id="52" dur="500"/>
+                                        <p:cTn id="53" dur="500"/>
                                         <p:tgtEl>
                                           <p:spTgt spid="3"/>
                                         </p:tgtEl>
@@ -20434,7 +20485,7 @@
                                     </p:animEffect>
                                     <p:set>
                                       <p:cBhvr>
-                                        <p:cTn id="53" dur="1" fill="hold">
+                                        <p:cTn id="54" dur="1" fill="hold">
                                           <p:stCondLst>
                                             <p:cond delay="499"/>
                                           </p:stCondLst>
@@ -20454,14 +20505,14 @@
                                 </p:cTn>
                               </p:par>
                               <p:par>
-                                <p:cTn id="54" presetID="10" presetClass="exit" presetSubtype="0" fill="hold" nodeType="withEffect">
+                                <p:cTn id="55" presetID="10" presetClass="exit" presetSubtype="0" fill="hold" nodeType="withEffect">
                                   <p:stCondLst>
                                     <p:cond delay="0"/>
                                   </p:stCondLst>
                                   <p:childTnLst>
                                     <p:animEffect transition="out" filter="fade">
                                       <p:cBhvr>
-                                        <p:cTn id="55" dur="500"/>
+                                        <p:cTn id="56" dur="500"/>
                                         <p:tgtEl>
                                           <p:spTgt spid="7"/>
                                         </p:tgtEl>
@@ -20469,7 +20520,7 @@
                                     </p:animEffect>
                                     <p:set>
                                       <p:cBhvr>
-                                        <p:cTn id="56" dur="1" fill="hold">
+                                        <p:cTn id="57" dur="1" fill="hold">
                                           <p:stCondLst>
                                             <p:cond delay="499"/>
                                           </p:stCondLst>
@@ -20489,14 +20540,14 @@
                                 </p:cTn>
                               </p:par>
                               <p:par>
-                                <p:cTn id="57" presetID="10" presetClass="exit" presetSubtype="0" fill="hold" nodeType="withEffect">
+                                <p:cTn id="58" presetID="10" presetClass="exit" presetSubtype="0" fill="hold" nodeType="withEffect">
                                   <p:stCondLst>
                                     <p:cond delay="0"/>
                                   </p:stCondLst>
                                   <p:childTnLst>
                                     <p:animEffect transition="out" filter="fade">
                                       <p:cBhvr>
-                                        <p:cTn id="58" dur="500"/>
+                                        <p:cTn id="59" dur="500"/>
                                         <p:tgtEl>
                                           <p:spTgt spid="65"/>
                                         </p:tgtEl>
@@ -20504,7 +20555,7 @@
                                     </p:animEffect>
                                     <p:set>
                                       <p:cBhvr>
-                                        <p:cTn id="59" dur="1" fill="hold">
+                                        <p:cTn id="60" dur="1" fill="hold">
                                           <p:stCondLst>
                                             <p:cond delay="499"/>
                                           </p:stCondLst>
@@ -20524,14 +20575,14 @@
                                 </p:cTn>
                               </p:par>
                               <p:par>
-                                <p:cTn id="60" presetID="10" presetClass="exit" presetSubtype="0" fill="hold" nodeType="withEffect">
+                                <p:cTn id="61" presetID="10" presetClass="exit" presetSubtype="0" fill="hold" nodeType="withEffect">
                                   <p:stCondLst>
                                     <p:cond delay="0"/>
                                   </p:stCondLst>
                                   <p:childTnLst>
                                     <p:animEffect transition="out" filter="fade">
                                       <p:cBhvr>
-                                        <p:cTn id="61" dur="500"/>
+                                        <p:cTn id="62" dur="500"/>
                                         <p:tgtEl>
                                           <p:spTgt spid="66"/>
                                         </p:tgtEl>
@@ -20539,7 +20590,7 @@
                                     </p:animEffect>
                                     <p:set>
                                       <p:cBhvr>
-                                        <p:cTn id="62" dur="1" fill="hold">
+                                        <p:cTn id="63" dur="1" fill="hold">
                                           <p:stCondLst>
                                             <p:cond delay="499"/>
                                           </p:stCondLst>
@@ -20559,14 +20610,14 @@
                                 </p:cTn>
                               </p:par>
                               <p:par>
-                                <p:cTn id="63" presetID="10" presetClass="exit" presetSubtype="0" fill="hold" nodeType="withEffect">
+                                <p:cTn id="64" presetID="10" presetClass="exit" presetSubtype="0" fill="hold" nodeType="withEffect">
                                   <p:stCondLst>
                                     <p:cond delay="0"/>
                                   </p:stCondLst>
                                   <p:childTnLst>
                                     <p:animEffect transition="out" filter="fade">
                                       <p:cBhvr>
-                                        <p:cTn id="64" dur="500"/>
+                                        <p:cTn id="65" dur="500"/>
                                         <p:tgtEl>
                                           <p:spTgt spid="67"/>
                                         </p:tgtEl>
@@ -20574,7 +20625,7 @@
                                     </p:animEffect>
                                     <p:set>
                                       <p:cBhvr>
-                                        <p:cTn id="65" dur="1" fill="hold">
+                                        <p:cTn id="66" dur="1" fill="hold">
                                           <p:stCondLst>
                                             <p:cond delay="499"/>
                                           </p:stCondLst>
@@ -20594,14 +20645,14 @@
                                 </p:cTn>
                               </p:par>
                               <p:par>
-                                <p:cTn id="66" presetID="10" presetClass="exit" presetSubtype="0" fill="hold" nodeType="withEffect">
+                                <p:cTn id="67" presetID="10" presetClass="exit" presetSubtype="0" fill="hold" nodeType="withEffect">
                                   <p:stCondLst>
                                     <p:cond delay="0"/>
                                   </p:stCondLst>
                                   <p:childTnLst>
                                     <p:animEffect transition="out" filter="fade">
                                       <p:cBhvr>
-                                        <p:cTn id="67" dur="500"/>
+                                        <p:cTn id="68" dur="500"/>
                                         <p:tgtEl>
                                           <p:spTgt spid="68"/>
                                         </p:tgtEl>
@@ -20609,7 +20660,7 @@
                                     </p:animEffect>
                                     <p:set>
                                       <p:cBhvr>
-                                        <p:cTn id="68" dur="1" fill="hold">
+                                        <p:cTn id="69" dur="1" fill="hold">
                                           <p:stCondLst>
                                             <p:cond delay="499"/>
                                           </p:stCondLst>
@@ -20629,14 +20680,14 @@
                                 </p:cTn>
                               </p:par>
                               <p:par>
-                                <p:cTn id="69" presetID="10" presetClass="exit" presetSubtype="0" fill="hold" nodeType="withEffect">
+                                <p:cTn id="70" presetID="10" presetClass="exit" presetSubtype="0" fill="hold" nodeType="withEffect">
                                   <p:stCondLst>
                                     <p:cond delay="0"/>
                                   </p:stCondLst>
                                   <p:childTnLst>
                                     <p:animEffect transition="out" filter="fade">
                                       <p:cBhvr>
-                                        <p:cTn id="70" dur="500"/>
+                                        <p:cTn id="71" dur="500"/>
                                         <p:tgtEl>
                                           <p:spTgt spid="25"/>
                                         </p:tgtEl>
@@ -20644,7 +20695,7 @@
                                     </p:animEffect>
                                     <p:set>
                                       <p:cBhvr>
-                                        <p:cTn id="71" dur="1" fill="hold">
+                                        <p:cTn id="72" dur="1" fill="hold">
                                           <p:stCondLst>
                                             <p:cond delay="499"/>
                                           </p:stCondLst>
@@ -20664,14 +20715,14 @@
                                 </p:cTn>
                               </p:par>
                               <p:par>
-                                <p:cTn id="72" presetID="10" presetClass="exit" presetSubtype="0" fill="hold" nodeType="withEffect">
+                                <p:cTn id="73" presetID="10" presetClass="exit" presetSubtype="0" fill="hold" nodeType="withEffect">
                                   <p:stCondLst>
                                     <p:cond delay="0"/>
                                   </p:stCondLst>
                                   <p:childTnLst>
                                     <p:animEffect transition="out" filter="fade">
                                       <p:cBhvr>
-                                        <p:cTn id="73" dur="500"/>
+                                        <p:cTn id="74" dur="500"/>
                                         <p:tgtEl>
                                           <p:spTgt spid="77"/>
                                         </p:tgtEl>
@@ -20679,7 +20730,7 @@
                                     </p:animEffect>
                                     <p:set>
                                       <p:cBhvr>
-                                        <p:cTn id="74" dur="1" fill="hold">
+                                        <p:cTn id="75" dur="1" fill="hold">
                                           <p:stCondLst>
                                             <p:cond delay="499"/>
                                           </p:stCondLst>
@@ -20699,14 +20750,14 @@
                                 </p:cTn>
                               </p:par>
                               <p:par>
-                                <p:cTn id="75" presetID="10" presetClass="exit" presetSubtype="0" fill="hold" nodeType="withEffect">
+                                <p:cTn id="76" presetID="10" presetClass="exit" presetSubtype="0" fill="hold" nodeType="withEffect">
                                   <p:stCondLst>
                                     <p:cond delay="0"/>
                                   </p:stCondLst>
                                   <p:childTnLst>
                                     <p:animEffect transition="out" filter="fade">
                                       <p:cBhvr>
-                                        <p:cTn id="76" dur="500"/>
+                                        <p:cTn id="77" dur="500"/>
                                         <p:tgtEl>
                                           <p:spTgt spid="78"/>
                                         </p:tgtEl>
@@ -20714,7 +20765,7 @@
                                     </p:animEffect>
                                     <p:set>
                                       <p:cBhvr>
-                                        <p:cTn id="77" dur="1" fill="hold">
+                                        <p:cTn id="78" dur="1" fill="hold">
                                           <p:stCondLst>
                                             <p:cond delay="499"/>
                                           </p:stCondLst>
@@ -20734,14 +20785,14 @@
                                 </p:cTn>
                               </p:par>
                               <p:par>
-                                <p:cTn id="78" presetID="10" presetClass="exit" presetSubtype="0" fill="hold" nodeType="withEffect">
+                                <p:cTn id="79" presetID="10" presetClass="exit" presetSubtype="0" fill="hold" nodeType="withEffect">
                                   <p:stCondLst>
                                     <p:cond delay="0"/>
                                   </p:stCondLst>
                                   <p:childTnLst>
                                     <p:animEffect transition="out" filter="fade">
                                       <p:cBhvr>
-                                        <p:cTn id="79" dur="500"/>
+                                        <p:cTn id="80" dur="500"/>
                                         <p:tgtEl>
                                           <p:spTgt spid="79"/>
                                         </p:tgtEl>
@@ -20749,7 +20800,7 @@
                                     </p:animEffect>
                                     <p:set>
                                       <p:cBhvr>
-                                        <p:cTn id="80" dur="1" fill="hold">
+                                        <p:cTn id="81" dur="1" fill="hold">
                                           <p:stCondLst>
                                             <p:cond delay="499"/>
                                           </p:stCondLst>
@@ -20769,14 +20820,14 @@
                                 </p:cTn>
                               </p:par>
                               <p:par>
-                                <p:cTn id="81" presetID="10" presetClass="exit" presetSubtype="0" fill="hold" nodeType="withEffect">
+                                <p:cTn id="82" presetID="10" presetClass="exit" presetSubtype="0" fill="hold" nodeType="withEffect">
                                   <p:stCondLst>
                                     <p:cond delay="0"/>
                                   </p:stCondLst>
                                   <p:childTnLst>
                                     <p:animEffect transition="out" filter="fade">
                                       <p:cBhvr>
-                                        <p:cTn id="82" dur="500"/>
+                                        <p:cTn id="83" dur="500"/>
                                         <p:tgtEl>
                                           <p:spTgt spid="3085"/>
                                         </p:tgtEl>
@@ -20784,7 +20835,7 @@
                                     </p:animEffect>
                                     <p:set>
                                       <p:cBhvr>
-                                        <p:cTn id="83" dur="1" fill="hold">
+                                        <p:cTn id="84" dur="1" fill="hold">
                                           <p:stCondLst>
                                             <p:cond delay="499"/>
                                           </p:stCondLst>
@@ -20804,14 +20855,14 @@
                                 </p:cTn>
                               </p:par>
                               <p:par>
-                                <p:cTn id="84" presetID="53" presetClass="entr" presetSubtype="16" fill="hold" grpId="0" nodeType="withEffect">
+                                <p:cTn id="85" presetID="53" presetClass="entr" presetSubtype="16" fill="hold" grpId="0" nodeType="withEffect">
                                   <p:stCondLst>
                                     <p:cond delay="100"/>
                                   </p:stCondLst>
                                   <p:childTnLst>
                                     <p:set>
                                       <p:cBhvr>
-                                        <p:cTn id="85" dur="1" fill="hold">
+                                        <p:cTn id="86" dur="1" fill="hold">
                                           <p:stCondLst>
                                             <p:cond delay="0"/>
                                           </p:stCondLst>
@@ -20829,7 +20880,7 @@
                                     </p:set>
                                     <p:anim calcmode="lin" valueType="num">
                                       <p:cBhvr>
-                                        <p:cTn id="86" dur="300" fill="hold"/>
+                                        <p:cTn id="87" dur="300" fill="hold"/>
                                         <p:tgtEl>
                                           <p:spTgt spid="113"/>
                                         </p:tgtEl>
@@ -20852,7 +20903,7 @@
                                     </p:anim>
                                     <p:anim calcmode="lin" valueType="num">
                                       <p:cBhvr>
-                                        <p:cTn id="87" dur="300" fill="hold"/>
+                                        <p:cTn id="88" dur="300" fill="hold"/>
                                         <p:tgtEl>
                                           <p:spTgt spid="113"/>
                                         </p:tgtEl>
@@ -20875,7 +20926,7 @@
                                     </p:anim>
                                     <p:animEffect transition="in" filter="fade">
                                       <p:cBhvr>
-                                        <p:cTn id="88" dur="300"/>
+                                        <p:cTn id="89" dur="300"/>
                                         <p:tgtEl>
                                           <p:spTgt spid="113"/>
                                         </p:tgtEl>
@@ -20888,20 +20939,20 @@
                           </p:cTn>
                         </p:par>
                         <p:par>
-                          <p:cTn id="89" fill="hold">
+                          <p:cTn id="90" fill="hold">
                             <p:stCondLst>
                               <p:cond delay="500"/>
                             </p:stCondLst>
                             <p:childTnLst>
                               <p:par>
-                                <p:cTn id="90" presetID="1" presetClass="entr" presetSubtype="0" fill="hold" nodeType="afterEffect">
+                                <p:cTn id="91" presetID="1" presetClass="entr" presetSubtype="0" fill="hold" nodeType="afterEffect">
                                   <p:stCondLst>
                                     <p:cond delay="0"/>
                                   </p:stCondLst>
                                   <p:childTnLst>
                                     <p:set>
                                       <p:cBhvr>
-                                        <p:cTn id="91" dur="1" fill="hold">
+                                        <p:cTn id="92" dur="1" fill="hold">
                                           <p:stCondLst>
                                             <p:cond delay="0"/>
                                           </p:stCondLst>
@@ -20927,26 +20978,26 @@
                     </p:cTn>
                   </p:par>
                   <p:par>
-                    <p:cTn id="92" fill="hold">
+                    <p:cTn id="93" fill="hold">
                       <p:stCondLst>
                         <p:cond delay="indefinite"/>
                       </p:stCondLst>
                       <p:childTnLst>
                         <p:par>
-                          <p:cTn id="93" fill="hold">
+                          <p:cTn id="94" fill="hold">
                             <p:stCondLst>
                               <p:cond delay="0"/>
                             </p:stCondLst>
                             <p:childTnLst>
                               <p:par>
-                                <p:cTn id="94" presetID="42" presetClass="path" presetSubtype="0" accel="50000" decel="50000" fill="hold" grpId="1" nodeType="clickEffect">
+                                <p:cTn id="95" presetID="42" presetClass="path" presetSubtype="0" accel="50000" decel="50000" fill="hold" grpId="1" nodeType="clickEffect">
                                   <p:stCondLst>
                                     <p:cond delay="0"/>
                                   </p:stCondLst>
                                   <p:childTnLst>
                                     <p:animMotion origin="layout" path="M 3.54167E-6 2.59259E-6 L -0.18633 2.59259E-6 " pathEditMode="relative" rAng="0" ptsTypes="AA">
                                       <p:cBhvr>
-                                        <p:cTn id="95" dur="1000" fill="hold"/>
+                                        <p:cTn id="96" dur="1000" fill="hold"/>
                                         <p:tgtEl>
                                           <p:spTgt spid="113"/>
                                         </p:tgtEl>
@@ -20961,14 +21012,14 @@
                                 </p:cTn>
                               </p:par>
                               <p:par>
-                                <p:cTn id="96" presetID="42" presetClass="path" presetSubtype="0" accel="50000" decel="50000" fill="hold" nodeType="withEffect">
+                                <p:cTn id="97" presetID="42" presetClass="path" presetSubtype="0" accel="50000" decel="50000" fill="hold" nodeType="withEffect">
                                   <p:stCondLst>
                                     <p:cond delay="0"/>
                                   </p:stCondLst>
                                   <p:childTnLst>
                                     <p:animMotion origin="layout" path="M -4.79167E-6 2.59259E-6 L -0.18489 -0.00301 " pathEditMode="relative" rAng="0" ptsTypes="AA">
                                       <p:cBhvr>
-                                        <p:cTn id="97" dur="1000" fill="hold"/>
+                                        <p:cTn id="98" dur="1000" fill="hold"/>
                                         <p:tgtEl>
                                           <p:spTgt spid="115"/>
                                         </p:tgtEl>
@@ -20983,14 +21034,14 @@
                                 </p:cTn>
                               </p:par>
                               <p:par>
-                                <p:cTn id="98" presetID="22" presetClass="entr" presetSubtype="1" fill="hold" nodeType="withEffect">
+                                <p:cTn id="99" presetID="22" presetClass="entr" presetSubtype="1" fill="hold" nodeType="withEffect">
                                   <p:stCondLst>
                                     <p:cond delay="300"/>
                                   </p:stCondLst>
                                   <p:childTnLst>
                                     <p:set>
                                       <p:cBhvr>
-                                        <p:cTn id="99" dur="1" fill="hold">
+                                        <p:cTn id="100" dur="1" fill="hold">
                                           <p:stCondLst>
                                             <p:cond delay="0"/>
                                           </p:stCondLst>
@@ -21008,7 +21059,7 @@
                                     </p:set>
                                     <p:animEffect transition="in" filter="wipe(up)">
                                       <p:cBhvr>
-                                        <p:cTn id="100" dur="500"/>
+                                        <p:cTn id="101" dur="500"/>
                                         <p:tgtEl>
                                           <p:spTgt spid="126"/>
                                         </p:tgtEl>
@@ -21018,14 +21069,14 @@
                                 </p:cTn>
                               </p:par>
                               <p:par>
-                                <p:cTn id="101" presetID="53" presetClass="entr" presetSubtype="16" fill="hold" grpId="0" nodeType="withEffect">
+                                <p:cTn id="102" presetID="53" presetClass="entr" presetSubtype="16" fill="hold" grpId="0" nodeType="withEffect">
                                   <p:stCondLst>
                                     <p:cond delay="500"/>
                                   </p:stCondLst>
                                   <p:childTnLst>
                                     <p:set>
                                       <p:cBhvr>
-                                        <p:cTn id="102" dur="1" fill="hold">
+                                        <p:cTn id="103" dur="1" fill="hold">
                                           <p:stCondLst>
                                             <p:cond delay="0"/>
                                           </p:stCondLst>
@@ -21043,7 +21094,7 @@
                                     </p:set>
                                     <p:anim calcmode="lin" valueType="num">
                                       <p:cBhvr>
-                                        <p:cTn id="103" dur="300" fill="hold"/>
+                                        <p:cTn id="104" dur="300" fill="hold"/>
                                         <p:tgtEl>
                                           <p:spTgt spid="122"/>
                                         </p:tgtEl>
@@ -21066,7 +21117,7 @@
                                     </p:anim>
                                     <p:anim calcmode="lin" valueType="num">
                                       <p:cBhvr>
-                                        <p:cTn id="104" dur="300" fill="hold"/>
+                                        <p:cTn id="105" dur="300" fill="hold"/>
                                         <p:tgtEl>
                                           <p:spTgt spid="122"/>
                                         </p:tgtEl>
@@ -21089,7 +21140,7 @@
                                     </p:anim>
                                     <p:animEffect transition="in" filter="fade">
                                       <p:cBhvr>
-                                        <p:cTn id="105" dur="300"/>
+                                        <p:cTn id="106" dur="300"/>
                                         <p:tgtEl>
                                           <p:spTgt spid="122"/>
                                         </p:tgtEl>
@@ -21102,20 +21153,20 @@
                           </p:cTn>
                         </p:par>
                         <p:par>
-                          <p:cTn id="106" fill="hold">
+                          <p:cTn id="107" fill="hold">
                             <p:stCondLst>
                               <p:cond delay="1000"/>
                             </p:stCondLst>
                             <p:childTnLst>
                               <p:par>
-                                <p:cTn id="107" presetID="1" presetClass="entr" presetSubtype="0" fill="hold" nodeType="afterEffect">
+                                <p:cTn id="108" presetID="1" presetClass="entr" presetSubtype="0" fill="hold" nodeType="afterEffect">
                                   <p:stCondLst>
                                     <p:cond delay="0"/>
                                   </p:stCondLst>
                                   <p:childTnLst>
                                     <p:set>
                                       <p:cBhvr>
-                                        <p:cTn id="108" dur="1" fill="hold">
+                                        <p:cTn id="109" dur="1" fill="hold">
                                           <p:stCondLst>
                                             <p:cond delay="0"/>
                                           </p:stCondLst>
@@ -22079,6 +22130,20 @@
                   <a:ea typeface="Fira Code"/>
                 </a:rPr>
               </a:br>
+              <a:r>
+                <a:rPr kumimoji="0" lang="zh-CN" altLang="zh-CN" sz="1600" b="0" i="0" u="none" strike="noStrike" cap="none" normalizeH="0" baseline="0" dirty="0">
+                  <a:ln>
+                    <a:noFill/>
+                  </a:ln>
+                  <a:solidFill>
+                    <a:srgbClr val="CC7832"/>
+                  </a:solidFill>
+                  <a:effectLst/>
+                  <a:latin typeface="Consolas" panose="020B0609020204030204" pitchFamily="49" charset="0"/>
+                  <a:ea typeface="Fira Code"/>
+                </a:rPr>
+                <a:t/>
+              </a:r>
               <a:br>
                 <a:rPr kumimoji="0" lang="zh-CN" altLang="zh-CN" sz="1600" b="0" i="0" u="none" strike="noStrike" cap="none" normalizeH="0" baseline="0" dirty="0">
                   <a:ln>
@@ -23249,21 +23314,13 @@
           </a:bodyPr>
           <a:lstStyle/>
           <a:p>
-            <a:pPr marL="0" marR="0" lvl="0" indent="0" algn="l" defTabSz="914400" rtl="0" eaLnBrk="0" fontAlgn="base" latinLnBrk="0" hangingPunct="0">
-              <a:lnSpc>
-                <a:spcPct val="100000"/>
-              </a:lnSpc>
+            <a:pPr lvl="0" eaLnBrk="0" fontAlgn="base" hangingPunct="0">
               <a:spcBef>
                 <a:spcPct val="0"/>
               </a:spcBef>
               <a:spcAft>
                 <a:spcPct val="0"/>
               </a:spcAft>
-              <a:buClrTx/>
-              <a:buSzTx/>
-              <a:buFontTx/>
-              <a:buNone/>
-              <a:tabLst/>
             </a:pPr>
             <a:r>
               <a:rPr kumimoji="0" lang="zh-CN" altLang="zh-CN" sz="1600" b="1" i="0" u="none" strike="noStrike" cap="none" normalizeH="0" baseline="0" dirty="0">
@@ -23900,21 +23957,17 @@
               <a:t>: </a:t>
             </a:r>
             <a:r>
-              <a:rPr kumimoji="0" lang="zh-CN" altLang="zh-CN" sz="1600" b="0" i="0" u="none" strike="noStrike" cap="none" normalizeH="0" baseline="0" dirty="0">
-                <a:ln>
-                  <a:noFill/>
-                </a:ln>
+              <a:rPr lang="zh-CN" altLang="zh-CN" sz="1600" dirty="0" smtClean="0">
                 <a:solidFill>
                   <a:srgbClr val="6A8759"/>
                 </a:solidFill>
-                <a:effectLst/>
                 <a:latin typeface="Consolas" panose="020B0609020204030204" pitchFamily="49" charset="0"/>
                 <a:ea typeface="Fira Code"/>
               </a:rPr>
-              <a:t>‘</a:t>
-            </a:r>
-            <a:r>
-              <a:rPr kumimoji="0" lang="en-US" altLang="zh-CN" sz="1600" b="0" i="0" u="none" strike="noStrike" cap="none" normalizeH="0" baseline="0" dirty="0">
+              <a:t>'</a:t>
+            </a:r>
+            <a:r>
+              <a:rPr kumimoji="0" lang="en-US" altLang="zh-CN" sz="1600" b="0" i="0" u="none" strike="noStrike" cap="none" normalizeH="0" baseline="0" dirty="0" smtClean="0">
                 <a:ln>
                   <a:noFill/>
                 </a:ln>

--- a/How_AH_Using_OSes.pptx
+++ b/How_AH_Using_OSes.pptx
@@ -9869,20 +9869,6 @@
               </a:rPr>
               <a:t>  ...</a:t>
             </a:r>
-            <a:r>
-              <a:rPr kumimoji="0" lang="zh-CN" altLang="zh-CN" sz="2400" b="0" i="0" u="none" strike="noStrike" cap="none" normalizeH="0" baseline="0" dirty="0">
-                <a:ln>
-                  <a:noFill/>
-                </a:ln>
-                <a:solidFill>
-                  <a:srgbClr val="A9B7C6"/>
-                </a:solidFill>
-                <a:effectLst/>
-                <a:latin typeface="Consolas" panose="020B0609020204030204" pitchFamily="49" charset="0"/>
-                <a:ea typeface="Fira Code"/>
-              </a:rPr>
-              <a:t/>
-            </a:r>
             <a:br>
               <a:rPr kumimoji="0" lang="zh-CN" altLang="zh-CN" sz="2400" b="0" i="0" u="none" strike="noStrike" cap="none" normalizeH="0" baseline="0" dirty="0">
                 <a:ln>
@@ -10432,20 +10418,6 @@
                 <a:ea typeface="Fira Code"/>
               </a:rPr>
               <a:t>  ...</a:t>
-            </a:r>
-            <a:r>
-              <a:rPr kumimoji="0" lang="zh-CN" altLang="zh-CN" sz="2000" b="0" i="0" u="none" strike="noStrike" cap="none" normalizeH="0" baseline="0" dirty="0">
-                <a:ln>
-                  <a:noFill/>
-                </a:ln>
-                <a:solidFill>
-                  <a:srgbClr val="A9B7C6"/>
-                </a:solidFill>
-                <a:effectLst/>
-                <a:latin typeface="Consolas" panose="020B0609020204030204" pitchFamily="49" charset="0"/>
-                <a:ea typeface="Fira Code"/>
-              </a:rPr>
-              <a:t/>
             </a:r>
             <a:br>
               <a:rPr kumimoji="0" lang="zh-CN" altLang="zh-CN" sz="2000" b="0" i="0" u="none" strike="noStrike" cap="none" normalizeH="0" baseline="0" dirty="0">
@@ -10781,20 +10753,6 @@
                 <a:ea typeface="Fira Code"/>
               </a:rPr>
               <a:t>...</a:t>
-            </a:r>
-            <a:r>
-              <a:rPr kumimoji="0" lang="zh-CN" altLang="zh-CN" sz="2400" b="0" i="0" u="none" strike="noStrike" cap="none" normalizeH="0" baseline="0" dirty="0">
-                <a:ln>
-                  <a:noFill/>
-                </a:ln>
-                <a:solidFill>
-                  <a:srgbClr val="6A8759"/>
-                </a:solidFill>
-                <a:effectLst/>
-                <a:latin typeface="Consolas" panose="020B0609020204030204" pitchFamily="49" charset="0"/>
-                <a:ea typeface="Fira Code"/>
-              </a:rPr>
-              <a:t/>
             </a:r>
             <a:br>
               <a:rPr kumimoji="0" lang="zh-CN" altLang="zh-CN" sz="2400" b="0" i="0" u="none" strike="noStrike" cap="none" normalizeH="0" baseline="0" dirty="0">
@@ -22130,20 +22088,6 @@
                   <a:ea typeface="Fira Code"/>
                 </a:rPr>
               </a:br>
-              <a:r>
-                <a:rPr kumimoji="0" lang="zh-CN" altLang="zh-CN" sz="1600" b="0" i="0" u="none" strike="noStrike" cap="none" normalizeH="0" baseline="0" dirty="0">
-                  <a:ln>
-                    <a:noFill/>
-                  </a:ln>
-                  <a:solidFill>
-                    <a:srgbClr val="CC7832"/>
-                  </a:solidFill>
-                  <a:effectLst/>
-                  <a:latin typeface="Consolas" panose="020B0609020204030204" pitchFamily="49" charset="0"/>
-                  <a:ea typeface="Fira Code"/>
-                </a:rPr>
-                <a:t/>
-              </a:r>
               <a:br>
                 <a:rPr kumimoji="0" lang="zh-CN" altLang="zh-CN" sz="1600" b="0" i="0" u="none" strike="noStrike" cap="none" normalizeH="0" baseline="0" dirty="0">
                   <a:ln>
@@ -23957,7 +23901,7 @@
               <a:t>: </a:t>
             </a:r>
             <a:r>
-              <a:rPr lang="zh-CN" altLang="zh-CN" sz="1600" dirty="0" smtClean="0">
+              <a:rPr lang="zh-CN" altLang="zh-CN" sz="1600" dirty="0">
                 <a:solidFill>
                   <a:srgbClr val="6A8759"/>
                 </a:solidFill>
@@ -23967,7 +23911,7 @@
               <a:t>'</a:t>
             </a:r>
             <a:r>
-              <a:rPr kumimoji="0" lang="en-US" altLang="zh-CN" sz="1600" b="0" i="0" u="none" strike="noStrike" cap="none" normalizeH="0" baseline="0" dirty="0" smtClean="0">
+              <a:rPr kumimoji="0" lang="en-US" altLang="zh-CN" sz="1600" b="0" i="0" u="none" strike="noStrike" cap="none" normalizeH="0" baseline="0" dirty="0">
                 <a:ln>
                   <a:noFill/>
                 </a:ln>

--- a/How_AH_Using_OSes.pptx
+++ b/How_AH_Using_OSes.pptx
@@ -5,7 +5,7 @@
     <p:sldMasterId id="2147483648" r:id="rId1"/>
   </p:sldMasterIdLst>
   <p:notesMasterIdLst>
-    <p:notesMasterId r:id="rId14"/>
+    <p:notesMasterId r:id="rId16"/>
   </p:notesMasterIdLst>
   <p:sldIdLst>
     <p:sldId id="258" r:id="rId2"/>
@@ -19,7 +19,9 @@
     <p:sldId id="268" r:id="rId10"/>
     <p:sldId id="260" r:id="rId11"/>
     <p:sldId id="269" r:id="rId12"/>
-    <p:sldId id="261" r:id="rId13"/>
+    <p:sldId id="270" r:id="rId13"/>
+    <p:sldId id="271" r:id="rId14"/>
+    <p:sldId id="261" r:id="rId15"/>
   </p:sldIdLst>
   <p:sldSz cx="12192000" cy="6858000"/>
   <p:notesSz cx="6858000" cy="9144000"/>
@@ -1019,15 +1021,91 @@
             </a:r>
             <a:r>
               <a:rPr lang="zh-CN" altLang="en-US" dirty="0"/>
-              <a:t>本身是不谈性能的，就是真正的</a:t>
+              <a:t>本身是不谈性能的，但是我也使用了一个开源工具</a:t>
             </a:r>
             <a:r>
               <a:rPr lang="en-US" altLang="zh-CN" dirty="0"/>
-              <a:t>Demo</a:t>
+              <a:t>Boom</a:t>
             </a:r>
             <a:r>
               <a:rPr lang="zh-CN" altLang="en-US" dirty="0"/>
-              <a:t>，这个其实是对</a:t>
+              <a:t>，对其性能做了一个简单的测试以作为对比（</a:t>
+            </a:r>
+            <a:r>
+              <a:rPr lang="en-US" altLang="zh-CN" dirty="0"/>
+              <a:t>20</a:t>
+            </a:r>
+            <a:r>
+              <a:rPr lang="zh-CN" altLang="en-US" dirty="0"/>
+              <a:t>个用户连接，</a:t>
+            </a:r>
+            <a:r>
+              <a:rPr lang="en-US" altLang="zh-CN" dirty="0"/>
+              <a:t>100</a:t>
+            </a:r>
+            <a:r>
+              <a:rPr lang="zh-CN" altLang="en-US" dirty="0"/>
+              <a:t>并发），测试的标准就是每秒能处理的请求数，直接用</a:t>
+            </a:r>
+            <a:r>
+              <a:rPr lang="en-US" altLang="zh-CN" dirty="0"/>
+              <a:t>FLASK</a:t>
+            </a:r>
+            <a:r>
+              <a:rPr lang="zh-CN" altLang="en-US" dirty="0"/>
+              <a:t>本身测试，每秒请求数只有区区</a:t>
+            </a:r>
+            <a:r>
+              <a:rPr lang="en-US" altLang="zh-CN" dirty="0"/>
+              <a:t>4</a:t>
+            </a:r>
+            <a:r>
+              <a:rPr lang="zh-CN" altLang="en-US" dirty="0"/>
+              <a:t>而已。</a:t>
+            </a:r>
+            <a:endParaRPr lang="en-US" altLang="zh-CN" dirty="0"/>
+          </a:p>
+          <a:p>
+            <a:pPr marL="0" marR="0" lvl="0" indent="0" algn="l" defTabSz="914400" rtl="0" eaLnBrk="1" fontAlgn="auto" latinLnBrk="0" hangingPunct="1">
+              <a:lnSpc>
+                <a:spcPct val="100000"/>
+              </a:lnSpc>
+              <a:spcBef>
+                <a:spcPts val="0"/>
+              </a:spcBef>
+              <a:spcAft>
+                <a:spcPts val="0"/>
+              </a:spcAft>
+              <a:buClrTx/>
+              <a:buSzTx/>
+              <a:buFontTx/>
+              <a:buNone/>
+              <a:tabLst/>
+              <a:defRPr/>
+            </a:pPr>
+            <a:endParaRPr lang="en-US" altLang="zh-CN" dirty="0"/>
+          </a:p>
+          <a:p>
+            <a:pPr marL="0" marR="0" lvl="0" indent="0" algn="l" defTabSz="914400" rtl="0" eaLnBrk="1" fontAlgn="auto" latinLnBrk="0" hangingPunct="1">
+              <a:lnSpc>
+                <a:spcPct val="100000"/>
+              </a:lnSpc>
+              <a:spcBef>
+                <a:spcPts val="0"/>
+              </a:spcBef>
+              <a:spcAft>
+                <a:spcPts val="0"/>
+              </a:spcAft>
+              <a:buClrTx/>
+              <a:buSzTx/>
+              <a:buFontTx/>
+              <a:buNone/>
+              <a:tabLst/>
+              <a:defRPr/>
+            </a:pPr>
+            <a:r>
+              <a:rPr lang="zh-CN" altLang="en-US" dirty="0"/>
+              <a:t>这个其实是对</a:t>
             </a:r>
             <a:r>
               <a:rPr lang="en-US" altLang="zh-CN" dirty="0"/>
@@ -1327,7 +1405,290 @@
                 <a:ea typeface="+mn-ea"/>
                 <a:cs typeface="+mn-cs"/>
               </a:rPr>
-              <a:t>，社区活跃度也不错。</a:t>
+              <a:t>，社区活跃度也不错</a:t>
+            </a:r>
+            <a:r>
+              <a:rPr lang="en-US" altLang="zh-CN" sz="1200" b="0" i="0" kern="1200" baseline="0" dirty="0">
+                <a:solidFill>
+                  <a:schemeClr val="tx1"/>
+                </a:solidFill>
+                <a:effectLst/>
+                <a:latin typeface="+mn-lt"/>
+                <a:ea typeface="+mn-ea"/>
+                <a:cs typeface="+mn-cs"/>
+              </a:rPr>
+              <a:t>.</a:t>
+            </a:r>
+          </a:p>
+          <a:p>
+            <a:pPr marL="0" marR="0" lvl="0" indent="0" algn="l" defTabSz="914400" rtl="0" eaLnBrk="1" fontAlgn="auto" latinLnBrk="0" hangingPunct="1">
+              <a:lnSpc>
+                <a:spcPct val="100000"/>
+              </a:lnSpc>
+              <a:spcBef>
+                <a:spcPts val="0"/>
+              </a:spcBef>
+              <a:spcAft>
+                <a:spcPts val="0"/>
+              </a:spcAft>
+              <a:buClrTx/>
+              <a:buSzTx/>
+              <a:buFontTx/>
+              <a:buNone/>
+              <a:tabLst/>
+              <a:defRPr/>
+            </a:pPr>
+            <a:r>
+              <a:rPr lang="zh-CN" altLang="en-US" sz="1200" b="0" i="0" kern="1200" baseline="0" dirty="0">
+                <a:solidFill>
+                  <a:schemeClr val="tx1"/>
+                </a:solidFill>
+                <a:effectLst/>
+                <a:latin typeface="+mn-lt"/>
+                <a:ea typeface="+mn-ea"/>
+                <a:cs typeface="+mn-cs"/>
+              </a:rPr>
+              <a:t>使用</a:t>
+            </a:r>
+            <a:r>
+              <a:rPr lang="en-US" altLang="zh-CN" sz="1200" b="0" i="0" kern="1200" baseline="0" dirty="0" err="1">
+                <a:solidFill>
+                  <a:schemeClr val="tx1"/>
+                </a:solidFill>
+                <a:effectLst/>
+                <a:latin typeface="+mn-lt"/>
+                <a:ea typeface="+mn-ea"/>
+                <a:cs typeface="+mn-cs"/>
+              </a:rPr>
+              <a:t>gunicorn</a:t>
+            </a:r>
+            <a:r>
+              <a:rPr lang="zh-CN" altLang="en-US" sz="1200" b="0" i="0" kern="1200" baseline="0" dirty="0">
+                <a:solidFill>
+                  <a:schemeClr val="tx1"/>
+                </a:solidFill>
+                <a:effectLst/>
+                <a:latin typeface="+mn-lt"/>
+                <a:ea typeface="+mn-ea"/>
+                <a:cs typeface="+mn-cs"/>
+              </a:rPr>
+              <a:t>部署</a:t>
+            </a:r>
+            <a:r>
+              <a:rPr lang="en-US" altLang="zh-CN" sz="1200" b="0" i="0" kern="1200" baseline="0" dirty="0">
+                <a:solidFill>
+                  <a:schemeClr val="tx1"/>
+                </a:solidFill>
+                <a:effectLst/>
+                <a:latin typeface="+mn-lt"/>
+                <a:ea typeface="+mn-ea"/>
+                <a:cs typeface="+mn-cs"/>
+              </a:rPr>
+              <a:t>flask</a:t>
+            </a:r>
+            <a:r>
+              <a:rPr lang="zh-CN" altLang="en-US" sz="1200" b="0" i="0" kern="1200" baseline="0" dirty="0">
+                <a:solidFill>
+                  <a:schemeClr val="tx1"/>
+                </a:solidFill>
+                <a:effectLst/>
+                <a:latin typeface="+mn-lt"/>
+                <a:ea typeface="+mn-ea"/>
+                <a:cs typeface="+mn-cs"/>
+              </a:rPr>
+              <a:t>十分简单，甚至比</a:t>
+            </a:r>
+            <a:r>
+              <a:rPr lang="en-US" altLang="zh-CN" sz="1200" b="0" i="0" kern="1200" baseline="0" dirty="0">
+                <a:solidFill>
+                  <a:schemeClr val="tx1"/>
+                </a:solidFill>
+                <a:effectLst/>
+                <a:latin typeface="+mn-lt"/>
+                <a:ea typeface="+mn-ea"/>
+                <a:cs typeface="+mn-cs"/>
+              </a:rPr>
+              <a:t>flask</a:t>
+            </a:r>
+            <a:r>
+              <a:rPr lang="zh-CN" altLang="en-US" sz="1200" b="0" i="0" kern="1200" baseline="0" dirty="0">
+                <a:solidFill>
+                  <a:schemeClr val="tx1"/>
+                </a:solidFill>
+                <a:effectLst/>
+                <a:latin typeface="+mn-lt"/>
+                <a:ea typeface="+mn-ea"/>
+                <a:cs typeface="+mn-cs"/>
+              </a:rPr>
+              <a:t>直接</a:t>
+            </a:r>
+            <a:r>
+              <a:rPr lang="en-US" altLang="zh-CN" sz="1200" b="0" i="0" kern="1200" baseline="0" dirty="0">
+                <a:solidFill>
+                  <a:schemeClr val="tx1"/>
+                </a:solidFill>
+                <a:effectLst/>
+                <a:latin typeface="+mn-lt"/>
+                <a:ea typeface="+mn-ea"/>
+                <a:cs typeface="+mn-cs"/>
+              </a:rPr>
+              <a:t>run</a:t>
+            </a:r>
+            <a:r>
+              <a:rPr lang="zh-CN" altLang="en-US" sz="1200" b="0" i="0" kern="1200" baseline="0" dirty="0">
+                <a:solidFill>
+                  <a:schemeClr val="tx1"/>
+                </a:solidFill>
+                <a:effectLst/>
+                <a:latin typeface="+mn-lt"/>
+                <a:ea typeface="+mn-ea"/>
+                <a:cs typeface="+mn-cs"/>
+              </a:rPr>
+              <a:t>还要少一句话，当然</a:t>
+            </a:r>
+            <a:r>
+              <a:rPr lang="en-US" altLang="zh-CN" sz="1200" b="0" i="0" kern="1200" baseline="0" dirty="0" err="1">
+                <a:solidFill>
+                  <a:schemeClr val="tx1"/>
+                </a:solidFill>
+                <a:effectLst/>
+                <a:latin typeface="+mn-lt"/>
+                <a:ea typeface="+mn-ea"/>
+                <a:cs typeface="+mn-cs"/>
+              </a:rPr>
+              <a:t>gunicorn</a:t>
+            </a:r>
+            <a:r>
+              <a:rPr lang="zh-CN" altLang="en-US" sz="1200" b="0" i="0" kern="1200" baseline="0" dirty="0">
+                <a:solidFill>
+                  <a:schemeClr val="tx1"/>
+                </a:solidFill>
+                <a:effectLst/>
+                <a:latin typeface="+mn-lt"/>
+                <a:ea typeface="+mn-ea"/>
+                <a:cs typeface="+mn-cs"/>
+              </a:rPr>
+              <a:t>还有很多配置，除了增加</a:t>
+            </a:r>
+            <a:r>
+              <a:rPr lang="en-US" altLang="zh-CN" sz="1200" b="0" i="0" kern="1200" baseline="0" dirty="0">
+                <a:solidFill>
+                  <a:schemeClr val="tx1"/>
+                </a:solidFill>
+                <a:effectLst/>
+                <a:latin typeface="+mn-lt"/>
+                <a:ea typeface="+mn-ea"/>
+                <a:cs typeface="+mn-cs"/>
+              </a:rPr>
+              <a:t>worker</a:t>
+            </a:r>
+            <a:r>
+              <a:rPr lang="zh-CN" altLang="en-US" sz="1200" b="0" i="0" kern="1200" baseline="0" dirty="0">
+                <a:solidFill>
+                  <a:schemeClr val="tx1"/>
+                </a:solidFill>
+                <a:effectLst/>
+                <a:latin typeface="+mn-lt"/>
+                <a:ea typeface="+mn-ea"/>
+                <a:cs typeface="+mn-cs"/>
+              </a:rPr>
+              <a:t>也就是进程数以外还可以开启多线程模式，多</a:t>
+            </a:r>
+            <a:r>
+              <a:rPr lang="en-US" altLang="zh-CN" sz="1200" b="0" i="0" kern="1200" baseline="0" dirty="0">
+                <a:solidFill>
+                  <a:schemeClr val="tx1"/>
+                </a:solidFill>
+                <a:effectLst/>
+                <a:latin typeface="+mn-lt"/>
+                <a:ea typeface="+mn-ea"/>
+                <a:cs typeface="+mn-cs"/>
+              </a:rPr>
+              <a:t>IO</a:t>
+            </a:r>
+            <a:r>
+              <a:rPr lang="zh-CN" altLang="en-US" sz="1200" b="0" i="0" kern="1200" baseline="0" dirty="0">
+                <a:solidFill>
+                  <a:schemeClr val="tx1"/>
+                </a:solidFill>
+                <a:effectLst/>
+                <a:latin typeface="+mn-lt"/>
+                <a:ea typeface="+mn-ea"/>
+                <a:cs typeface="+mn-cs"/>
+              </a:rPr>
+              <a:t>的情况，但是在基本的</a:t>
+            </a:r>
+            <a:r>
+              <a:rPr lang="en-US" altLang="zh-CN" sz="1200" b="0" i="0" kern="1200" baseline="0" dirty="0">
+                <a:solidFill>
+                  <a:schemeClr val="tx1"/>
+                </a:solidFill>
+                <a:effectLst/>
+                <a:latin typeface="+mn-lt"/>
+                <a:ea typeface="+mn-ea"/>
+                <a:cs typeface="+mn-cs"/>
+              </a:rPr>
+              <a:t>worker</a:t>
+            </a:r>
+            <a:r>
+              <a:rPr lang="zh-CN" altLang="en-US" sz="1200" b="0" i="0" kern="1200" baseline="0" dirty="0">
+                <a:solidFill>
+                  <a:schemeClr val="tx1"/>
+                </a:solidFill>
+                <a:effectLst/>
+                <a:latin typeface="+mn-lt"/>
+                <a:ea typeface="+mn-ea"/>
+                <a:cs typeface="+mn-cs"/>
+              </a:rPr>
+              <a:t>设置了的情况下，</a:t>
+            </a:r>
+            <a:r>
+              <a:rPr lang="en-US" altLang="zh-CN" sz="1200" b="0" i="0" kern="1200" baseline="0" dirty="0" err="1">
+                <a:solidFill>
+                  <a:schemeClr val="tx1"/>
+                </a:solidFill>
+                <a:effectLst/>
+                <a:latin typeface="+mn-lt"/>
+                <a:ea typeface="+mn-ea"/>
+                <a:cs typeface="+mn-cs"/>
+              </a:rPr>
+              <a:t>gunicorn</a:t>
+            </a:r>
+            <a:r>
+              <a:rPr lang="zh-CN" altLang="en-US" sz="1200" b="0" i="0" kern="1200" baseline="0" dirty="0">
+                <a:solidFill>
+                  <a:schemeClr val="tx1"/>
+                </a:solidFill>
+                <a:effectLst/>
+                <a:latin typeface="+mn-lt"/>
+                <a:ea typeface="+mn-ea"/>
+                <a:cs typeface="+mn-cs"/>
+              </a:rPr>
+              <a:t>的性能可以达到</a:t>
+            </a:r>
+            <a:r>
+              <a:rPr lang="en-US" altLang="zh-CN" sz="1200" b="0" i="0" kern="1200" baseline="0" dirty="0">
+                <a:solidFill>
+                  <a:schemeClr val="tx1"/>
+                </a:solidFill>
+                <a:effectLst/>
+                <a:latin typeface="+mn-lt"/>
+                <a:ea typeface="+mn-ea"/>
+                <a:cs typeface="+mn-cs"/>
+              </a:rPr>
+              <a:t>19</a:t>
+            </a:r>
+            <a:r>
+              <a:rPr lang="zh-CN" altLang="en-US" sz="1200" b="0" i="0" kern="1200" baseline="0" dirty="0">
+                <a:solidFill>
+                  <a:schemeClr val="tx1"/>
+                </a:solidFill>
+                <a:effectLst/>
+                <a:latin typeface="+mn-lt"/>
+                <a:ea typeface="+mn-ea"/>
+                <a:cs typeface="+mn-cs"/>
+              </a:rPr>
+              <a:t>左右</a:t>
             </a:r>
             <a:endParaRPr lang="en-US" altLang="zh-CN" sz="1200" b="0" i="0" kern="1200" dirty="0">
               <a:solidFill>
@@ -1452,6 +1813,968 @@
           <a:bodyPr/>
           <a:lstStyle/>
           <a:p>
+            <a:r>
+              <a:rPr lang="zh-CN" altLang="en-US" dirty="0"/>
+              <a:t>在使用了</a:t>
+            </a:r>
+            <a:r>
+              <a:rPr lang="en-US" altLang="zh-CN" dirty="0" err="1"/>
+              <a:t>Gunicorn</a:t>
+            </a:r>
+            <a:r>
+              <a:rPr lang="zh-CN" altLang="en-US" dirty="0"/>
+              <a:t>的基础上，</a:t>
+            </a:r>
+            <a:r>
+              <a:rPr lang="en-US" altLang="zh-CN" dirty="0"/>
+              <a:t>IO</a:t>
+            </a:r>
+            <a:r>
+              <a:rPr lang="zh-CN" altLang="en-US" dirty="0"/>
+              <a:t>密集型任务包括数据库，文件读写等等都可以通过假多线程大幅度提高性能，但是我们觉得这还不够，因为毕竟</a:t>
+            </a:r>
+            <a:r>
+              <a:rPr lang="en-US" altLang="zh-CN" dirty="0"/>
+              <a:t>IO</a:t>
+            </a:r>
+            <a:r>
+              <a:rPr lang="zh-CN" altLang="en-US" dirty="0"/>
+              <a:t>的读写在</a:t>
+            </a:r>
+            <a:r>
+              <a:rPr lang="en-US" altLang="zh-CN" dirty="0" err="1"/>
+              <a:t>gunicorn</a:t>
+            </a:r>
+            <a:r>
+              <a:rPr lang="zh-CN" altLang="en-US" dirty="0"/>
+              <a:t>默认情况下还是阻塞式的，这显然不行。</a:t>
+            </a:r>
+            <a:endParaRPr lang="en-US" altLang="zh-CN" dirty="0"/>
+          </a:p>
+          <a:p>
+            <a:endParaRPr lang="en-US" altLang="zh-CN" dirty="0"/>
+          </a:p>
+          <a:p>
+            <a:r>
+              <a:rPr lang="zh-CN" altLang="en-US" dirty="0"/>
+              <a:t>但是在</a:t>
+            </a:r>
+            <a:r>
+              <a:rPr lang="en-US" altLang="zh-CN" dirty="0"/>
+              <a:t>python 3.4</a:t>
+            </a:r>
+            <a:r>
+              <a:rPr lang="zh-CN" altLang="en-US" dirty="0"/>
+              <a:t>和</a:t>
+            </a:r>
+            <a:r>
+              <a:rPr lang="en-US" altLang="zh-CN" dirty="0"/>
+              <a:t>3.5</a:t>
+            </a:r>
+            <a:r>
+              <a:rPr lang="zh-CN" altLang="en-US" dirty="0"/>
+              <a:t>中，提出了协程（类似</a:t>
+            </a:r>
+            <a:r>
+              <a:rPr lang="en-US" altLang="zh-CN" dirty="0"/>
+              <a:t>Java1.2</a:t>
+            </a:r>
+            <a:r>
+              <a:rPr lang="zh-CN" altLang="en-US" dirty="0"/>
+              <a:t>中的</a:t>
+            </a:r>
+            <a:r>
+              <a:rPr lang="en-US" altLang="zh-CN" dirty="0"/>
+              <a:t>go to</a:t>
+            </a:r>
+            <a:r>
+              <a:rPr lang="zh-CN" altLang="en-US" dirty="0"/>
+              <a:t>语句），这种微型线程在跑实际应用中会对程序有比较大程度的提升</a:t>
+            </a:r>
+            <a:endParaRPr lang="en-US" altLang="zh-CN" dirty="0"/>
+          </a:p>
+          <a:p>
+            <a:endParaRPr lang="en-US" altLang="zh-CN" dirty="0"/>
+          </a:p>
+          <a:p>
+            <a:r>
+              <a:rPr lang="zh-CN" altLang="en-US" dirty="0"/>
+              <a:t>在基于协程模型基础上有好多关于协程的小框架出现了，</a:t>
+            </a:r>
+            <a:r>
+              <a:rPr lang="en-US" altLang="zh-CN" dirty="0"/>
+              <a:t>google</a:t>
+            </a:r>
+            <a:r>
+              <a:rPr lang="zh-CN" altLang="en-US" dirty="0"/>
+              <a:t>曾经在</a:t>
+            </a:r>
+            <a:r>
+              <a:rPr lang="en-US" altLang="zh-CN" dirty="0"/>
+              <a:t>python</a:t>
+            </a:r>
+            <a:r>
+              <a:rPr lang="zh-CN" altLang="en-US" dirty="0"/>
+              <a:t>刚出来提出一个微型的协程框架，只要外面嵌套一层，就会有</a:t>
+            </a:r>
+            <a:r>
+              <a:rPr lang="en-US" altLang="zh-CN" dirty="0"/>
+              <a:t>10%</a:t>
+            </a:r>
+            <a:r>
+              <a:rPr lang="zh-CN" altLang="en-US" dirty="0"/>
+              <a:t>的效果提升。</a:t>
+            </a:r>
+            <a:endParaRPr lang="en-US" altLang="zh-CN" dirty="0"/>
+          </a:p>
+          <a:p>
+            <a:endParaRPr lang="en-US" altLang="zh-CN" dirty="0"/>
+          </a:p>
+          <a:p>
+            <a:r>
+              <a:rPr lang="zh-CN" altLang="en-US" dirty="0"/>
+              <a:t>在这上面，我们使用了一套开源的协程框架叫</a:t>
+            </a:r>
+            <a:r>
+              <a:rPr lang="en-US" altLang="zh-CN" dirty="0" err="1"/>
+              <a:t>Gevent</a:t>
+            </a:r>
+            <a:r>
+              <a:rPr lang="zh-CN" altLang="en-US" dirty="0"/>
+              <a:t>，</a:t>
+            </a:r>
+            <a:r>
+              <a:rPr lang="en-US" altLang="zh-CN" sz="1200" b="0" i="0" kern="1200" dirty="0" err="1">
+                <a:solidFill>
+                  <a:schemeClr val="tx1"/>
+                </a:solidFill>
+                <a:effectLst/>
+                <a:latin typeface="+mn-lt"/>
+                <a:ea typeface="+mn-ea"/>
+                <a:cs typeface="+mn-cs"/>
+              </a:rPr>
+              <a:t>Gevent</a:t>
+            </a:r>
+            <a:r>
+              <a:rPr lang="zh-CN" altLang="en-US" sz="1200" b="0" i="0" kern="1200" dirty="0">
+                <a:solidFill>
+                  <a:schemeClr val="tx1"/>
+                </a:solidFill>
+                <a:effectLst/>
+                <a:latin typeface="+mn-lt"/>
+                <a:ea typeface="+mn-ea"/>
+                <a:cs typeface="+mn-cs"/>
+              </a:rPr>
+              <a:t>虽然不是异步框架里面性能最好的，但是绝对是最完善的，社区活跃度也非常高，使得大多数应用不用改代码就能方便地平移过来。</a:t>
+            </a:r>
+            <a:endParaRPr lang="en-US" altLang="zh-CN" sz="1200" b="0" i="0" kern="1200" dirty="0">
+              <a:solidFill>
+                <a:schemeClr val="tx1"/>
+              </a:solidFill>
+              <a:effectLst/>
+              <a:latin typeface="+mn-lt"/>
+              <a:ea typeface="+mn-ea"/>
+              <a:cs typeface="+mn-cs"/>
+            </a:endParaRPr>
+          </a:p>
+          <a:p>
+            <a:endParaRPr lang="en-US" altLang="zh-CN" sz="1200" b="0" i="0" kern="1200" dirty="0">
+              <a:solidFill>
+                <a:schemeClr val="tx1"/>
+              </a:solidFill>
+              <a:effectLst/>
+              <a:latin typeface="+mn-lt"/>
+              <a:ea typeface="+mn-ea"/>
+              <a:cs typeface="+mn-cs"/>
+            </a:endParaRPr>
+          </a:p>
+          <a:p>
+            <a:endParaRPr lang="en-US" altLang="zh-CN" sz="1200" b="0" i="0" kern="1200" dirty="0">
+              <a:solidFill>
+                <a:schemeClr val="tx1"/>
+              </a:solidFill>
+              <a:effectLst/>
+              <a:latin typeface="+mn-lt"/>
+              <a:ea typeface="+mn-ea"/>
+              <a:cs typeface="+mn-cs"/>
+            </a:endParaRPr>
+          </a:p>
+          <a:p>
+            <a:endParaRPr lang="en-US" altLang="zh-CN" sz="1200" b="0" i="0" kern="1200" dirty="0">
+              <a:solidFill>
+                <a:schemeClr val="tx1"/>
+              </a:solidFill>
+              <a:effectLst/>
+              <a:latin typeface="+mn-lt"/>
+              <a:ea typeface="+mn-ea"/>
+              <a:cs typeface="+mn-cs"/>
+            </a:endParaRPr>
+          </a:p>
+        </p:txBody>
+      </p:sp>
+      <p:sp>
+        <p:nvSpPr>
+          <p:cNvPr id="4" name="Slide Number Placeholder 3"/>
+          <p:cNvSpPr>
+            <a:spLocks noGrp="1"/>
+          </p:cNvSpPr>
+          <p:nvPr>
+            <p:ph type="sldNum" sz="quarter" idx="10"/>
+          </p:nvPr>
+        </p:nvSpPr>
+        <p:spPr/>
+        <p:txBody>
+          <a:bodyPr/>
+          <a:lstStyle/>
+          <a:p>
+            <a:fld id="{E83827D8-F1AC-490A-9F21-AF93489330D8}" type="slidenum">
+              <a:rPr lang="zh-CN" altLang="en-US" smtClean="0"/>
+              <a:t>12</a:t>
+            </a:fld>
+            <a:endParaRPr lang="zh-CN" altLang="en-US"/>
+          </a:p>
+        </p:txBody>
+      </p:sp>
+    </p:spTree>
+    <p:extLst>
+      <p:ext uri="{BB962C8B-B14F-4D97-AF65-F5344CB8AC3E}">
+        <p14:creationId xmlns:p14="http://schemas.microsoft.com/office/powerpoint/2010/main" val="2879237450"/>
+      </p:ext>
+    </p:extLst>
+  </p:cSld>
+  <p:clrMapOvr>
+    <a:masterClrMapping/>
+  </p:clrMapOvr>
+</p:notes>
+</file>
+
+<file path=ppt/notesSlides/notesSlide13.xml><?xml version="1.0" encoding="utf-8"?>
+<p:notes xmlns:a="http://schemas.openxmlformats.org/drawingml/2006/main" xmlns:r="http://schemas.openxmlformats.org/officeDocument/2006/relationships" xmlns:p="http://schemas.openxmlformats.org/presentationml/2006/main">
+  <p:cSld>
+    <p:spTree>
+      <p:nvGrpSpPr>
+        <p:cNvPr id="1" name=""/>
+        <p:cNvGrpSpPr/>
+        <p:nvPr/>
+      </p:nvGrpSpPr>
+      <p:grpSpPr>
+        <a:xfrm>
+          <a:off x="0" y="0"/>
+          <a:ext cx="0" cy="0"/>
+          <a:chOff x="0" y="0"/>
+          <a:chExt cx="0" cy="0"/>
+        </a:xfrm>
+      </p:grpSpPr>
+      <p:sp>
+        <p:nvSpPr>
+          <p:cNvPr id="2" name="Slide Image Placeholder 1"/>
+          <p:cNvSpPr>
+            <a:spLocks noGrp="1" noRot="1" noChangeAspect="1"/>
+          </p:cNvSpPr>
+          <p:nvPr>
+            <p:ph type="sldImg"/>
+          </p:nvPr>
+        </p:nvSpPr>
+        <p:spPr/>
+      </p:sp>
+      <p:sp>
+        <p:nvSpPr>
+          <p:cNvPr id="3" name="Notes Placeholder 2"/>
+          <p:cNvSpPr>
+            <a:spLocks noGrp="1"/>
+          </p:cNvSpPr>
+          <p:nvPr>
+            <p:ph type="body" idx="1"/>
+          </p:nvPr>
+        </p:nvSpPr>
+        <p:spPr/>
+        <p:txBody>
+          <a:bodyPr/>
+          <a:lstStyle/>
+          <a:p>
+            <a:r>
+              <a:rPr lang="zh-CN" altLang="en-US" sz="1200" b="0" i="0" kern="1200" dirty="0">
+                <a:solidFill>
+                  <a:schemeClr val="tx1"/>
+                </a:solidFill>
+                <a:effectLst/>
+                <a:latin typeface="+mn-lt"/>
+                <a:ea typeface="+mn-ea"/>
+                <a:cs typeface="+mn-cs"/>
+              </a:rPr>
+              <a:t>在使用了</a:t>
+            </a:r>
+            <a:r>
+              <a:rPr lang="en-US" altLang="zh-CN" sz="1200" b="0" i="0" kern="1200" dirty="0">
+                <a:solidFill>
+                  <a:schemeClr val="tx1"/>
+                </a:solidFill>
+                <a:effectLst/>
+                <a:latin typeface="+mn-lt"/>
+                <a:ea typeface="+mn-ea"/>
+                <a:cs typeface="+mn-cs"/>
+              </a:rPr>
+              <a:t>flask</a:t>
+            </a:r>
+            <a:r>
+              <a:rPr lang="zh-CN" altLang="en-US" sz="1200" b="0" i="0" kern="1200" dirty="0">
+                <a:solidFill>
+                  <a:schemeClr val="tx1"/>
+                </a:solidFill>
+                <a:effectLst/>
+                <a:latin typeface="+mn-lt"/>
+                <a:ea typeface="+mn-ea"/>
+                <a:cs typeface="+mn-cs"/>
+              </a:rPr>
+              <a:t>和</a:t>
+            </a:r>
+            <a:r>
+              <a:rPr lang="en-US" altLang="zh-CN" sz="1200" b="0" i="0" kern="1200" dirty="0" err="1">
+                <a:solidFill>
+                  <a:schemeClr val="tx1"/>
+                </a:solidFill>
+                <a:effectLst/>
+                <a:latin typeface="+mn-lt"/>
+                <a:ea typeface="+mn-ea"/>
+                <a:cs typeface="+mn-cs"/>
+              </a:rPr>
+              <a:t>gevent</a:t>
+            </a:r>
+            <a:r>
+              <a:rPr lang="zh-CN" altLang="en-US" sz="1200" b="0" i="0" kern="1200" dirty="0">
+                <a:solidFill>
+                  <a:schemeClr val="tx1"/>
+                </a:solidFill>
+                <a:effectLst/>
+                <a:latin typeface="+mn-lt"/>
+                <a:ea typeface="+mn-ea"/>
+                <a:cs typeface="+mn-cs"/>
+              </a:rPr>
+              <a:t>模式下的</a:t>
+            </a:r>
+            <a:r>
+              <a:rPr lang="en-US" altLang="zh-CN" sz="1200" b="0" i="0" kern="1200" dirty="0" err="1">
+                <a:solidFill>
+                  <a:schemeClr val="tx1"/>
+                </a:solidFill>
+                <a:effectLst/>
+                <a:latin typeface="+mn-lt"/>
+                <a:ea typeface="+mn-ea"/>
+                <a:cs typeface="+mn-cs"/>
+              </a:rPr>
+              <a:t>gunicorn</a:t>
+            </a:r>
+            <a:r>
+              <a:rPr lang="zh-CN" altLang="en-US" sz="1200" b="0" i="0" kern="1200" dirty="0">
+                <a:solidFill>
+                  <a:schemeClr val="tx1"/>
+                </a:solidFill>
+                <a:effectLst/>
+                <a:latin typeface="+mn-lt"/>
+                <a:ea typeface="+mn-ea"/>
+                <a:cs typeface="+mn-cs"/>
+              </a:rPr>
+              <a:t>后，在绝大多数情况下已经可以</a:t>
+            </a:r>
+            <a:r>
+              <a:rPr lang="en-US" altLang="zh-CN" sz="1200" b="0" i="0" kern="1200" dirty="0">
+                <a:solidFill>
+                  <a:schemeClr val="tx1"/>
+                </a:solidFill>
+                <a:effectLst/>
+                <a:latin typeface="+mn-lt"/>
+                <a:ea typeface="+mn-ea"/>
+                <a:cs typeface="+mn-cs"/>
+              </a:rPr>
+              <a:t>handle</a:t>
+            </a:r>
+            <a:r>
+              <a:rPr lang="zh-CN" altLang="en-US" sz="1200" b="0" i="0" kern="1200" dirty="0">
+                <a:solidFill>
+                  <a:schemeClr val="tx1"/>
+                </a:solidFill>
+                <a:effectLst/>
+                <a:latin typeface="+mn-lt"/>
+                <a:ea typeface="+mn-ea"/>
+                <a:cs typeface="+mn-cs"/>
+              </a:rPr>
+              <a:t>了，但是存不存在一个</a:t>
+            </a:r>
+            <a:r>
+              <a:rPr lang="en-US" altLang="zh-CN" sz="1200" b="0" i="0" kern="1200" dirty="0">
+                <a:solidFill>
+                  <a:schemeClr val="tx1"/>
+                </a:solidFill>
+                <a:effectLst/>
+                <a:latin typeface="+mn-lt"/>
+                <a:ea typeface="+mn-ea"/>
+                <a:cs typeface="+mn-cs"/>
+              </a:rPr>
+              <a:t>ultimate version</a:t>
+            </a:r>
+            <a:r>
+              <a:rPr lang="zh-CN" altLang="en-US" sz="1200" b="0" i="0" kern="1200" dirty="0">
+                <a:solidFill>
+                  <a:schemeClr val="tx1"/>
+                </a:solidFill>
+                <a:effectLst/>
+                <a:latin typeface="+mn-lt"/>
+                <a:ea typeface="+mn-ea"/>
+                <a:cs typeface="+mn-cs"/>
+              </a:rPr>
+              <a:t>呢，也就是说在真正超高并发的产线环境，有没有真正用</a:t>
+            </a:r>
+            <a:r>
+              <a:rPr lang="en-US" altLang="zh-CN" sz="1200" b="0" i="0" kern="1200" dirty="0">
+                <a:solidFill>
+                  <a:schemeClr val="tx1"/>
+                </a:solidFill>
+                <a:effectLst/>
+                <a:latin typeface="+mn-lt"/>
+                <a:ea typeface="+mn-ea"/>
+                <a:cs typeface="+mn-cs"/>
+              </a:rPr>
+              <a:t>python</a:t>
+            </a:r>
+            <a:r>
+              <a:rPr lang="zh-CN" altLang="en-US" sz="1200" b="0" i="0" kern="1200" dirty="0">
+                <a:solidFill>
+                  <a:schemeClr val="tx1"/>
+                </a:solidFill>
+                <a:effectLst/>
+                <a:latin typeface="+mn-lt"/>
+                <a:ea typeface="+mn-ea"/>
+                <a:cs typeface="+mn-cs"/>
+              </a:rPr>
+              <a:t>部署的后台应用呢，答案是肯定的。</a:t>
+            </a:r>
+            <a:endParaRPr lang="en-US" altLang="zh-CN" sz="1200" b="0" i="0" kern="1200" dirty="0">
+              <a:solidFill>
+                <a:schemeClr val="tx1"/>
+              </a:solidFill>
+              <a:effectLst/>
+              <a:latin typeface="+mn-lt"/>
+              <a:ea typeface="+mn-ea"/>
+              <a:cs typeface="+mn-cs"/>
+            </a:endParaRPr>
+          </a:p>
+          <a:p>
+            <a:r>
+              <a:rPr lang="en-US" altLang="zh-CN" sz="1200" b="0" i="0" kern="1200" dirty="0" err="1">
+                <a:solidFill>
+                  <a:schemeClr val="tx1"/>
+                </a:solidFill>
+                <a:effectLst/>
+                <a:latin typeface="+mn-lt"/>
+                <a:ea typeface="+mn-ea"/>
+                <a:cs typeface="+mn-cs"/>
+              </a:rPr>
+              <a:t>FriendFeed</a:t>
+            </a:r>
+            <a:r>
+              <a:rPr lang="zh-CN" altLang="en-US" sz="1200" b="0" i="0" kern="1200" dirty="0">
+                <a:solidFill>
+                  <a:schemeClr val="tx1"/>
+                </a:solidFill>
+                <a:effectLst/>
+                <a:latin typeface="+mn-lt"/>
+                <a:ea typeface="+mn-ea"/>
+                <a:cs typeface="+mn-cs"/>
+              </a:rPr>
+              <a:t>，现在已经关闭了，留下了一个真正的遗产就是完全应用在他们产线，可以做到上万长连接和超高并发的框架叫</a:t>
+            </a:r>
+            <a:r>
+              <a:rPr lang="en-US" altLang="zh-CN" sz="1200" b="0" i="0" kern="1200" dirty="0">
+                <a:solidFill>
+                  <a:schemeClr val="tx1"/>
+                </a:solidFill>
+                <a:effectLst/>
+                <a:latin typeface="+mn-lt"/>
+                <a:ea typeface="+mn-ea"/>
+                <a:cs typeface="+mn-cs"/>
+              </a:rPr>
+              <a:t>Tornado</a:t>
+            </a:r>
+            <a:r>
+              <a:rPr lang="zh-CN" altLang="en-US" sz="1200" b="0" i="0" kern="1200" dirty="0">
+                <a:solidFill>
+                  <a:schemeClr val="tx1"/>
+                </a:solidFill>
+                <a:effectLst/>
+                <a:latin typeface="+mn-lt"/>
+                <a:ea typeface="+mn-ea"/>
+                <a:cs typeface="+mn-cs"/>
+              </a:rPr>
+              <a:t>，他是在</a:t>
+            </a:r>
+            <a:r>
+              <a:rPr lang="en-US" altLang="zh-CN" sz="1200" b="0" i="0" kern="1200" dirty="0">
+                <a:solidFill>
+                  <a:schemeClr val="tx1"/>
+                </a:solidFill>
+                <a:effectLst/>
+                <a:latin typeface="+mn-lt"/>
+                <a:ea typeface="+mn-ea"/>
+                <a:cs typeface="+mn-cs"/>
+              </a:rPr>
+              <a:t>python</a:t>
+            </a:r>
+            <a:r>
+              <a:rPr lang="zh-CN" altLang="en-US" sz="1200" b="0" i="0" kern="1200" dirty="0">
+                <a:solidFill>
+                  <a:schemeClr val="tx1"/>
+                </a:solidFill>
+                <a:effectLst/>
+                <a:latin typeface="+mn-lt"/>
+                <a:ea typeface="+mn-ea"/>
+                <a:cs typeface="+mn-cs"/>
+              </a:rPr>
+              <a:t>基础上做到了一个从</a:t>
+            </a:r>
+            <a:r>
+              <a:rPr lang="en-US" altLang="zh-CN" sz="1200" b="0" i="0" kern="1200" dirty="0">
+                <a:solidFill>
+                  <a:schemeClr val="tx1"/>
+                </a:solidFill>
+                <a:effectLst/>
+                <a:latin typeface="+mn-lt"/>
+                <a:ea typeface="+mn-ea"/>
+                <a:cs typeface="+mn-cs"/>
+              </a:rPr>
+              <a:t>WSGI APP</a:t>
+            </a:r>
+            <a:r>
+              <a:rPr lang="zh-CN" altLang="en-US" sz="1200" b="0" i="0" kern="1200" dirty="0">
+                <a:solidFill>
+                  <a:schemeClr val="tx1"/>
+                </a:solidFill>
+                <a:effectLst/>
+                <a:latin typeface="+mn-lt"/>
+                <a:ea typeface="+mn-ea"/>
+                <a:cs typeface="+mn-cs"/>
+              </a:rPr>
+              <a:t>和</a:t>
+            </a:r>
+            <a:r>
+              <a:rPr lang="en-US" altLang="zh-CN" sz="1200" b="0" i="0" kern="1200" dirty="0">
+                <a:solidFill>
+                  <a:schemeClr val="tx1"/>
+                </a:solidFill>
+                <a:effectLst/>
+                <a:latin typeface="+mn-lt"/>
+                <a:ea typeface="+mn-ea"/>
+                <a:cs typeface="+mn-cs"/>
+              </a:rPr>
+              <a:t>WSGI Server</a:t>
+            </a:r>
+            <a:r>
+              <a:rPr lang="zh-CN" altLang="en-US" sz="1200" b="0" i="0" kern="1200" dirty="0">
+                <a:solidFill>
+                  <a:schemeClr val="tx1"/>
+                </a:solidFill>
+                <a:effectLst/>
+                <a:latin typeface="+mn-lt"/>
+                <a:ea typeface="+mn-ea"/>
+                <a:cs typeface="+mn-cs"/>
+              </a:rPr>
+              <a:t>全栈式的完美选择，并且真正做到了非阻塞式异步</a:t>
+            </a:r>
+            <a:r>
+              <a:rPr lang="en-US" altLang="zh-CN" sz="1200" b="0" i="0" kern="1200" dirty="0">
+                <a:solidFill>
+                  <a:schemeClr val="tx1"/>
+                </a:solidFill>
+                <a:effectLst/>
+                <a:latin typeface="+mn-lt"/>
+                <a:ea typeface="+mn-ea"/>
+                <a:cs typeface="+mn-cs"/>
+              </a:rPr>
+              <a:t>IO</a:t>
+            </a:r>
+            <a:r>
+              <a:rPr lang="zh-CN" altLang="en-US" sz="1200" b="0" i="0" kern="1200" dirty="0">
+                <a:solidFill>
+                  <a:schemeClr val="tx1"/>
+                </a:solidFill>
+                <a:effectLst/>
+                <a:latin typeface="+mn-lt"/>
+                <a:ea typeface="+mn-ea"/>
+                <a:cs typeface="+mn-cs"/>
+              </a:rPr>
+              <a:t>，</a:t>
+            </a:r>
+            <a:r>
+              <a:rPr lang="en-US" altLang="zh-CN" sz="1200" b="0" i="0" kern="1200" dirty="0" err="1">
+                <a:solidFill>
+                  <a:schemeClr val="tx1"/>
+                </a:solidFill>
+                <a:effectLst/>
+                <a:latin typeface="+mn-lt"/>
+                <a:ea typeface="+mn-ea"/>
+                <a:cs typeface="+mn-cs"/>
+              </a:rPr>
+              <a:t>gevent</a:t>
+            </a:r>
+            <a:r>
+              <a:rPr lang="zh-CN" altLang="en-US" sz="1200" b="0" i="0" kern="1200" dirty="0">
+                <a:solidFill>
+                  <a:schemeClr val="tx1"/>
+                </a:solidFill>
+                <a:effectLst/>
+                <a:latin typeface="+mn-lt"/>
+                <a:ea typeface="+mn-ea"/>
+                <a:cs typeface="+mn-cs"/>
+              </a:rPr>
+              <a:t>用协程做的并不是真正意义上的异步。</a:t>
+            </a:r>
+            <a:endParaRPr lang="en-US" altLang="zh-CN" sz="1200" b="0" i="0" kern="1200" dirty="0">
+              <a:solidFill>
+                <a:schemeClr val="tx1"/>
+              </a:solidFill>
+              <a:effectLst/>
+              <a:latin typeface="+mn-lt"/>
+              <a:ea typeface="+mn-ea"/>
+              <a:cs typeface="+mn-cs"/>
+            </a:endParaRPr>
+          </a:p>
+          <a:p>
+            <a:endParaRPr lang="en-US" altLang="zh-CN" sz="1200" b="0" i="0" kern="1200" dirty="0">
+              <a:solidFill>
+                <a:schemeClr val="tx1"/>
+              </a:solidFill>
+              <a:effectLst/>
+              <a:latin typeface="+mn-lt"/>
+              <a:ea typeface="+mn-ea"/>
+              <a:cs typeface="+mn-cs"/>
+            </a:endParaRPr>
+          </a:p>
+          <a:p>
+            <a:r>
+              <a:rPr lang="en-US" altLang="zh-CN" sz="1200" b="0" i="0" kern="1200" dirty="0">
+                <a:solidFill>
+                  <a:schemeClr val="tx1"/>
+                </a:solidFill>
+                <a:effectLst/>
+                <a:latin typeface="+mn-lt"/>
+                <a:ea typeface="+mn-ea"/>
+                <a:cs typeface="+mn-cs"/>
+              </a:rPr>
+              <a:t>Tornado, </a:t>
+            </a:r>
+            <a:r>
+              <a:rPr lang="zh-CN" altLang="en-US" sz="1200" b="0" i="0" kern="1200" dirty="0">
+                <a:solidFill>
+                  <a:schemeClr val="tx1"/>
+                </a:solidFill>
+                <a:effectLst/>
+                <a:latin typeface="+mn-lt"/>
+                <a:ea typeface="+mn-ea"/>
+                <a:cs typeface="+mn-cs"/>
+              </a:rPr>
+              <a:t>我还没有太多研究过，但是可以看一个简单无比的例子，就是之前。。。。</a:t>
+            </a:r>
+            <a:endParaRPr lang="en-US" altLang="zh-CN" sz="1200" b="0" i="0" kern="1200" dirty="0">
+              <a:solidFill>
+                <a:schemeClr val="tx1"/>
+              </a:solidFill>
+              <a:effectLst/>
+              <a:latin typeface="+mn-lt"/>
+              <a:ea typeface="+mn-ea"/>
+              <a:cs typeface="+mn-cs"/>
+            </a:endParaRPr>
+          </a:p>
+          <a:p>
+            <a:endParaRPr lang="en-US" altLang="zh-CN" sz="1200" b="0" i="0" kern="1200" dirty="0">
+              <a:solidFill>
+                <a:schemeClr val="tx1"/>
+              </a:solidFill>
+              <a:effectLst/>
+              <a:latin typeface="+mn-lt"/>
+              <a:ea typeface="+mn-ea"/>
+              <a:cs typeface="+mn-cs"/>
+            </a:endParaRPr>
+          </a:p>
+          <a:p>
+            <a:r>
+              <a:rPr lang="zh-CN" altLang="en-US" sz="1200" b="0" i="0" kern="1200" dirty="0">
+                <a:solidFill>
+                  <a:schemeClr val="tx1"/>
+                </a:solidFill>
+                <a:effectLst/>
+                <a:latin typeface="+mn-lt"/>
+                <a:ea typeface="+mn-ea"/>
+                <a:cs typeface="+mn-cs"/>
+              </a:rPr>
+              <a:t>修改之前的</a:t>
+            </a:r>
+            <a:r>
+              <a:rPr lang="en-US" altLang="zh-CN" sz="1200" b="0" i="0" kern="1200" dirty="0">
+                <a:solidFill>
+                  <a:schemeClr val="tx1"/>
+                </a:solidFill>
+                <a:effectLst/>
+                <a:latin typeface="+mn-lt"/>
+                <a:ea typeface="+mn-ea"/>
+                <a:cs typeface="+mn-cs"/>
+              </a:rPr>
+              <a:t>WSGI APP</a:t>
+            </a:r>
+            <a:r>
+              <a:rPr lang="zh-CN" altLang="en-US" sz="1200" b="0" i="0" kern="1200" dirty="0">
+                <a:solidFill>
+                  <a:schemeClr val="tx1"/>
+                </a:solidFill>
+                <a:effectLst/>
+                <a:latin typeface="+mn-lt"/>
+                <a:ea typeface="+mn-ea"/>
+                <a:cs typeface="+mn-cs"/>
+              </a:rPr>
+              <a:t>然后再用之前的</a:t>
+            </a:r>
+            <a:r>
+              <a:rPr lang="en-US" altLang="zh-CN" sz="1200" b="0" i="0" kern="1200" dirty="0" err="1">
+                <a:solidFill>
+                  <a:schemeClr val="tx1"/>
+                </a:solidFill>
+                <a:effectLst/>
+                <a:latin typeface="+mn-lt"/>
+                <a:ea typeface="+mn-ea"/>
+                <a:cs typeface="+mn-cs"/>
+              </a:rPr>
+              <a:t>Gunicorn</a:t>
+            </a:r>
+            <a:r>
+              <a:rPr lang="zh-CN" altLang="en-US" sz="1200" b="0" i="0" kern="1200" dirty="0">
+                <a:solidFill>
+                  <a:schemeClr val="tx1"/>
+                </a:solidFill>
+                <a:effectLst/>
+                <a:latin typeface="+mn-lt"/>
+                <a:ea typeface="+mn-ea"/>
+                <a:cs typeface="+mn-cs"/>
+              </a:rPr>
+              <a:t>命令</a:t>
+            </a:r>
+            <a:r>
+              <a:rPr lang="en-US" altLang="zh-CN" sz="1200" b="0" i="0" kern="1200" dirty="0">
+                <a:solidFill>
+                  <a:schemeClr val="tx1"/>
+                </a:solidFill>
+                <a:effectLst/>
+                <a:latin typeface="+mn-lt"/>
+                <a:ea typeface="+mn-ea"/>
+                <a:cs typeface="+mn-cs"/>
+              </a:rPr>
+              <a:t>run</a:t>
+            </a:r>
+            <a:r>
+              <a:rPr lang="zh-CN" altLang="en-US" sz="1200" b="0" i="0" kern="1200" dirty="0">
+                <a:solidFill>
+                  <a:schemeClr val="tx1"/>
+                </a:solidFill>
+                <a:effectLst/>
+                <a:latin typeface="+mn-lt"/>
+                <a:ea typeface="+mn-ea"/>
+                <a:cs typeface="+mn-cs"/>
+              </a:rPr>
+              <a:t>这个</a:t>
+            </a:r>
+            <a:r>
+              <a:rPr lang="en-US" altLang="zh-CN" sz="1200" b="0" i="0" kern="1200" dirty="0">
+                <a:solidFill>
+                  <a:schemeClr val="tx1"/>
+                </a:solidFill>
+                <a:effectLst/>
+                <a:latin typeface="+mn-lt"/>
+                <a:ea typeface="+mn-ea"/>
+                <a:cs typeface="+mn-cs"/>
+              </a:rPr>
+              <a:t>app</a:t>
+            </a:r>
+            <a:r>
+              <a:rPr lang="zh-CN" altLang="en-US" sz="1200" b="0" i="0" kern="1200" dirty="0">
+                <a:solidFill>
+                  <a:schemeClr val="tx1"/>
+                </a:solidFill>
+                <a:effectLst/>
+                <a:latin typeface="+mn-lt"/>
+                <a:ea typeface="+mn-ea"/>
+                <a:cs typeface="+mn-cs"/>
+              </a:rPr>
+              <a:t>，性能可以达到</a:t>
+            </a:r>
+            <a:r>
+              <a:rPr lang="en-US" altLang="zh-CN" sz="1200" b="0" i="0" kern="1200" dirty="0">
+                <a:solidFill>
+                  <a:schemeClr val="tx1"/>
+                </a:solidFill>
+                <a:effectLst/>
+                <a:latin typeface="+mn-lt"/>
+                <a:ea typeface="+mn-ea"/>
+                <a:cs typeface="+mn-cs"/>
+              </a:rPr>
+              <a:t>69</a:t>
+            </a:r>
+            <a:r>
+              <a:rPr lang="zh-CN" altLang="en-US" sz="1200" b="0" i="0" kern="1200" dirty="0">
+                <a:solidFill>
+                  <a:schemeClr val="tx1"/>
+                </a:solidFill>
+                <a:effectLst/>
+                <a:latin typeface="+mn-lt"/>
+                <a:ea typeface="+mn-ea"/>
+                <a:cs typeface="+mn-cs"/>
+              </a:rPr>
+              <a:t>，并且在这个数字基础上，增大连接数和并发度，会让他们的差距变得更大</a:t>
+            </a:r>
+            <a:endParaRPr lang="en-US" altLang="zh-CN" sz="1200" b="0" i="0" kern="1200" dirty="0">
+              <a:solidFill>
+                <a:schemeClr val="tx1"/>
+              </a:solidFill>
+              <a:effectLst/>
+              <a:latin typeface="+mn-lt"/>
+              <a:ea typeface="+mn-ea"/>
+              <a:cs typeface="+mn-cs"/>
+            </a:endParaRPr>
+          </a:p>
+          <a:p>
+            <a:endParaRPr lang="en-US" altLang="zh-CN" sz="1200" b="0" i="0" kern="1200" dirty="0">
+              <a:solidFill>
+                <a:schemeClr val="tx1"/>
+              </a:solidFill>
+              <a:effectLst/>
+              <a:latin typeface="+mn-lt"/>
+              <a:ea typeface="+mn-ea"/>
+              <a:cs typeface="+mn-cs"/>
+            </a:endParaRPr>
+          </a:p>
+          <a:p>
+            <a:r>
+              <a:rPr lang="zh-CN" altLang="en-US" sz="1200" b="0" i="0" kern="1200" dirty="0">
+                <a:solidFill>
+                  <a:schemeClr val="tx1"/>
+                </a:solidFill>
+                <a:effectLst/>
+                <a:latin typeface="+mn-lt"/>
+                <a:ea typeface="+mn-ea"/>
+                <a:cs typeface="+mn-cs"/>
+              </a:rPr>
+              <a:t>作者自己建议没有想清楚要不要用的时候就不要用。</a:t>
+            </a:r>
+            <a:endParaRPr lang="en-US" altLang="zh-CN" sz="1200" b="0" i="0" kern="1200" dirty="0">
+              <a:solidFill>
+                <a:schemeClr val="tx1"/>
+              </a:solidFill>
+              <a:effectLst/>
+              <a:latin typeface="+mn-lt"/>
+              <a:ea typeface="+mn-ea"/>
+              <a:cs typeface="+mn-cs"/>
+            </a:endParaRPr>
+          </a:p>
+          <a:p>
+            <a:endParaRPr lang="en-US" altLang="zh-CN" sz="1200" b="0" i="0" kern="1200" dirty="0">
+              <a:solidFill>
+                <a:schemeClr val="tx1"/>
+              </a:solidFill>
+              <a:effectLst/>
+              <a:latin typeface="+mn-lt"/>
+              <a:ea typeface="+mn-ea"/>
+              <a:cs typeface="+mn-cs"/>
+            </a:endParaRPr>
+          </a:p>
+          <a:p>
+            <a:endParaRPr lang="en-US" altLang="zh-CN" sz="1200" b="0" i="0" kern="1200" dirty="0">
+              <a:solidFill>
+                <a:schemeClr val="tx1"/>
+              </a:solidFill>
+              <a:effectLst/>
+              <a:latin typeface="+mn-lt"/>
+              <a:ea typeface="+mn-ea"/>
+              <a:cs typeface="+mn-cs"/>
+            </a:endParaRPr>
+          </a:p>
+        </p:txBody>
+      </p:sp>
+      <p:sp>
+        <p:nvSpPr>
+          <p:cNvPr id="4" name="Slide Number Placeholder 3"/>
+          <p:cNvSpPr>
+            <a:spLocks noGrp="1"/>
+          </p:cNvSpPr>
+          <p:nvPr>
+            <p:ph type="sldNum" sz="quarter" idx="10"/>
+          </p:nvPr>
+        </p:nvSpPr>
+        <p:spPr/>
+        <p:txBody>
+          <a:bodyPr/>
+          <a:lstStyle/>
+          <a:p>
+            <a:fld id="{E83827D8-F1AC-490A-9F21-AF93489330D8}" type="slidenum">
+              <a:rPr lang="zh-CN" altLang="en-US" smtClean="0"/>
+              <a:t>13</a:t>
+            </a:fld>
+            <a:endParaRPr lang="zh-CN" altLang="en-US"/>
+          </a:p>
+        </p:txBody>
+      </p:sp>
+    </p:spTree>
+    <p:extLst>
+      <p:ext uri="{BB962C8B-B14F-4D97-AF65-F5344CB8AC3E}">
+        <p14:creationId xmlns:p14="http://schemas.microsoft.com/office/powerpoint/2010/main" val="2472271302"/>
+      </p:ext>
+    </p:extLst>
+  </p:cSld>
+  <p:clrMapOvr>
+    <a:masterClrMapping/>
+  </p:clrMapOvr>
+</p:notes>
+</file>
+
+<file path=ppt/notesSlides/notesSlide14.xml><?xml version="1.0" encoding="utf-8"?>
+<p:notes xmlns:a="http://schemas.openxmlformats.org/drawingml/2006/main" xmlns:r="http://schemas.openxmlformats.org/officeDocument/2006/relationships" xmlns:p="http://schemas.openxmlformats.org/presentationml/2006/main">
+  <p:cSld>
+    <p:spTree>
+      <p:nvGrpSpPr>
+        <p:cNvPr id="1" name=""/>
+        <p:cNvGrpSpPr/>
+        <p:nvPr/>
+      </p:nvGrpSpPr>
+      <p:grpSpPr>
+        <a:xfrm>
+          <a:off x="0" y="0"/>
+          <a:ext cx="0" cy="0"/>
+          <a:chOff x="0" y="0"/>
+          <a:chExt cx="0" cy="0"/>
+        </a:xfrm>
+      </p:grpSpPr>
+      <p:sp>
+        <p:nvSpPr>
+          <p:cNvPr id="2" name="Slide Image Placeholder 1"/>
+          <p:cNvSpPr>
+            <a:spLocks noGrp="1" noRot="1" noChangeAspect="1"/>
+          </p:cNvSpPr>
+          <p:nvPr>
+            <p:ph type="sldImg"/>
+          </p:nvPr>
+        </p:nvSpPr>
+        <p:spPr/>
+      </p:sp>
+      <p:sp>
+        <p:nvSpPr>
+          <p:cNvPr id="3" name="Notes Placeholder 2"/>
+          <p:cNvSpPr>
+            <a:spLocks noGrp="1"/>
+          </p:cNvSpPr>
+          <p:nvPr>
+            <p:ph type="body" idx="1"/>
+          </p:nvPr>
+        </p:nvSpPr>
+        <p:spPr/>
+        <p:txBody>
+          <a:bodyPr/>
+          <a:lstStyle/>
+          <a:p>
             <a:endParaRPr lang="zh-CN" altLang="en-US" dirty="0"/>
           </a:p>
         </p:txBody>
@@ -1473,7 +2796,7 @@
           <a:p>
             <a:fld id="{E83827D8-F1AC-490A-9F21-AF93489330D8}" type="slidenum">
               <a:rPr lang="zh-CN" altLang="en-US" smtClean="0"/>
-              <a:t>12</a:t>
+              <a:t>14</a:t>
             </a:fld>
             <a:endParaRPr lang="zh-CN" altLang="en-US"/>
           </a:p>
@@ -7924,19 +9247,7 @@
                 </a:solidFill>
                 <a:latin typeface="Century Gothic" panose="020B0502020202020204" pitchFamily="34" charset="0"/>
               </a:rPr>
-              <a:t>Speed up</a:t>
-            </a:r>
-          </a:p>
-          <a:p>
-            <a:pPr algn="l"/>
-            <a:r>
-              <a:rPr lang="en-US" altLang="zh-CN" sz="2000" i="1" dirty="0">
-                <a:solidFill>
-                  <a:srgbClr val="61DAFB"/>
-                </a:solidFill>
-                <a:latin typeface="Century Gothic" panose="020B0502020202020204" pitchFamily="34" charset="0"/>
-              </a:rPr>
-              <a:t>the service</a:t>
+              <a:t>Scale Up</a:t>
             </a:r>
           </a:p>
         </p:txBody>
@@ -10455,6 +11766,727 @@
           </a:p>
         </p:txBody>
       </p:sp>
+      <p:sp>
+        <p:nvSpPr>
+          <p:cNvPr id="2" name="Rectangle 1"/>
+          <p:cNvSpPr/>
+          <p:nvPr/>
+        </p:nvSpPr>
+        <p:spPr>
+          <a:xfrm>
+            <a:off x="5672732" y="3217203"/>
+            <a:ext cx="4910319" cy="830997"/>
+          </a:xfrm>
+          <a:prstGeom prst="rect">
+            <a:avLst/>
+          </a:prstGeom>
+        </p:spPr>
+        <p:txBody>
+          <a:bodyPr wrap="none">
+            <a:spAutoFit/>
+          </a:bodyPr>
+          <a:lstStyle/>
+          <a:p>
+            <a:r>
+              <a:rPr lang="en-US" altLang="zh-CN" sz="2400" dirty="0">
+                <a:solidFill>
+                  <a:srgbClr val="40AA54"/>
+                </a:solidFill>
+                <a:latin typeface="Consolas" panose="020B0609020204030204" pitchFamily="49" charset="0"/>
+                <a:ea typeface="Fira Code"/>
+              </a:rPr>
+              <a:t>➜</a:t>
+            </a:r>
+            <a:r>
+              <a:rPr lang="en-US" altLang="zh-CN" sz="2400" dirty="0">
+                <a:solidFill>
+                  <a:srgbClr val="A9B7C6"/>
+                </a:solidFill>
+                <a:latin typeface="Consolas" panose="020B0609020204030204" pitchFamily="49" charset="0"/>
+                <a:ea typeface="Fira Code"/>
+              </a:rPr>
+              <a:t> </a:t>
+            </a:r>
+            <a:r>
+              <a:rPr lang="en-US" altLang="zh-CN" sz="2400" dirty="0">
+                <a:solidFill>
+                  <a:srgbClr val="61DAFB"/>
+                </a:solidFill>
+                <a:latin typeface="Consolas" panose="020B0609020204030204" pitchFamily="49" charset="0"/>
+                <a:ea typeface="Fira Code"/>
+              </a:rPr>
+              <a:t>~</a:t>
+            </a:r>
+            <a:r>
+              <a:rPr lang="en-US" altLang="zh-CN" sz="2400" dirty="0">
+                <a:solidFill>
+                  <a:srgbClr val="A9B7C6"/>
+                </a:solidFill>
+                <a:latin typeface="Consolas" panose="020B0609020204030204" pitchFamily="49" charset="0"/>
+                <a:ea typeface="Fira Code"/>
+              </a:rPr>
+              <a:t> </a:t>
+            </a:r>
+            <a:r>
+              <a:rPr lang="zh-CN" altLang="en-US" sz="2400" dirty="0">
+                <a:solidFill>
+                  <a:srgbClr val="F9DC3E"/>
+                </a:solidFill>
+                <a:latin typeface="Consolas" panose="020B0609020204030204" pitchFamily="49" charset="0"/>
+                <a:ea typeface="Fira Code"/>
+              </a:rPr>
+              <a:t>export</a:t>
+            </a:r>
+            <a:r>
+              <a:rPr lang="zh-CN" altLang="en-US" sz="2400" dirty="0">
+                <a:solidFill>
+                  <a:srgbClr val="A9B7C6"/>
+                </a:solidFill>
+                <a:latin typeface="Consolas" panose="020B0609020204030204" pitchFamily="49" charset="0"/>
+                <a:ea typeface="Fira Code"/>
+              </a:rPr>
+              <a:t> FLASK_APP=app.py</a:t>
+            </a:r>
+            <a:endParaRPr lang="en-US" altLang="zh-CN" sz="2400" dirty="0">
+              <a:solidFill>
+                <a:srgbClr val="A9B7C6"/>
+              </a:solidFill>
+              <a:latin typeface="Consolas" panose="020B0609020204030204" pitchFamily="49" charset="0"/>
+              <a:ea typeface="Fira Code"/>
+            </a:endParaRPr>
+          </a:p>
+          <a:p>
+            <a:r>
+              <a:rPr lang="en-US" altLang="zh-CN" sz="2400" dirty="0">
+                <a:solidFill>
+                  <a:srgbClr val="40AA54"/>
+                </a:solidFill>
+                <a:latin typeface="Consolas" panose="020B0609020204030204" pitchFamily="49" charset="0"/>
+                <a:ea typeface="Fira Code"/>
+              </a:rPr>
+              <a:t>➜</a:t>
+            </a:r>
+            <a:r>
+              <a:rPr lang="en-US" altLang="zh-CN" sz="2400" dirty="0">
+                <a:solidFill>
+                  <a:srgbClr val="A9B7C6"/>
+                </a:solidFill>
+                <a:latin typeface="Consolas" panose="020B0609020204030204" pitchFamily="49" charset="0"/>
+                <a:ea typeface="Fira Code"/>
+              </a:rPr>
+              <a:t> </a:t>
+            </a:r>
+            <a:r>
+              <a:rPr lang="en-US" altLang="zh-CN" sz="2400" dirty="0">
+                <a:solidFill>
+                  <a:srgbClr val="61DAFB"/>
+                </a:solidFill>
+                <a:latin typeface="Consolas" panose="020B0609020204030204" pitchFamily="49" charset="0"/>
+                <a:ea typeface="Fira Code"/>
+              </a:rPr>
+              <a:t>~</a:t>
+            </a:r>
+            <a:r>
+              <a:rPr lang="en-US" altLang="zh-CN" sz="2400" dirty="0">
+                <a:solidFill>
+                  <a:srgbClr val="A9B7C6"/>
+                </a:solidFill>
+                <a:latin typeface="Consolas" panose="020B0609020204030204" pitchFamily="49" charset="0"/>
+                <a:ea typeface="Fira Code"/>
+              </a:rPr>
+              <a:t> </a:t>
+            </a:r>
+            <a:r>
+              <a:rPr lang="en-US" altLang="zh-CN" sz="2400" dirty="0">
+                <a:solidFill>
+                  <a:srgbClr val="40AA54"/>
+                </a:solidFill>
+                <a:latin typeface="Consolas" panose="020B0609020204030204" pitchFamily="49" charset="0"/>
+                <a:ea typeface="Fira Code"/>
+              </a:rPr>
+              <a:t>flask</a:t>
+            </a:r>
+            <a:r>
+              <a:rPr lang="zh-CN" altLang="en-US" sz="2400" dirty="0">
+                <a:solidFill>
+                  <a:srgbClr val="A9B7C6"/>
+                </a:solidFill>
+                <a:latin typeface="Consolas" panose="020B0609020204030204" pitchFamily="49" charset="0"/>
+                <a:ea typeface="Fira Code"/>
+              </a:rPr>
+              <a:t> </a:t>
+            </a:r>
+            <a:r>
+              <a:rPr lang="en-US" altLang="zh-CN" sz="2400" dirty="0">
+                <a:solidFill>
+                  <a:srgbClr val="A9B7C6"/>
+                </a:solidFill>
+                <a:latin typeface="Consolas" panose="020B0609020204030204" pitchFamily="49" charset="0"/>
+                <a:ea typeface="Fira Code"/>
+              </a:rPr>
+              <a:t>run</a:t>
+            </a:r>
+            <a:endParaRPr lang="zh-CN" altLang="en-US" sz="2400" dirty="0">
+              <a:solidFill>
+                <a:srgbClr val="A9B7C6"/>
+              </a:solidFill>
+              <a:latin typeface="Consolas" panose="020B0609020204030204" pitchFamily="49" charset="0"/>
+              <a:ea typeface="Fira Code"/>
+            </a:endParaRPr>
+          </a:p>
+        </p:txBody>
+      </p:sp>
+      <p:sp>
+        <p:nvSpPr>
+          <p:cNvPr id="6" name="Rectangle 5"/>
+          <p:cNvSpPr/>
+          <p:nvPr/>
+        </p:nvSpPr>
+        <p:spPr>
+          <a:xfrm>
+            <a:off x="6665482" y="1299228"/>
+            <a:ext cx="2924817" cy="4508927"/>
+          </a:xfrm>
+          <a:prstGeom prst="rect">
+            <a:avLst/>
+          </a:prstGeom>
+          <a:noFill/>
+        </p:spPr>
+        <p:txBody>
+          <a:bodyPr wrap="square">
+            <a:spAutoFit/>
+          </a:bodyPr>
+          <a:lstStyle/>
+          <a:p>
+            <a:pPr algn="ctr"/>
+            <a:r>
+              <a:rPr lang="en-US" altLang="zh-CN" sz="28700" b="1" dirty="0">
+                <a:solidFill>
+                  <a:srgbClr val="00D8FF">
+                    <a:alpha val="34000"/>
+                  </a:srgbClr>
+                </a:solidFill>
+                <a:latin typeface="Consolas" panose="020B0609020204030204" pitchFamily="49" charset="0"/>
+              </a:rPr>
+              <a:t>2</a:t>
+            </a:r>
+            <a:r>
+              <a:rPr lang="en-US" altLang="zh-CN" sz="2800" b="1" dirty="0">
+                <a:solidFill>
+                  <a:schemeClr val="bg1">
+                    <a:alpha val="34000"/>
+                  </a:schemeClr>
+                </a:solidFill>
+                <a:latin typeface="Consolas" panose="020B0609020204030204" pitchFamily="49" charset="0"/>
+              </a:rPr>
+              <a:t>rps</a:t>
+            </a:r>
+            <a:endParaRPr lang="zh-CN" altLang="en-US" sz="19900" b="1" dirty="0">
+              <a:solidFill>
+                <a:schemeClr val="bg1">
+                  <a:alpha val="34000"/>
+                </a:schemeClr>
+              </a:solidFill>
+            </a:endParaRPr>
+          </a:p>
+        </p:txBody>
+      </p:sp>
+      <p:sp>
+        <p:nvSpPr>
+          <p:cNvPr id="13" name="Rectangle 12"/>
+          <p:cNvSpPr/>
+          <p:nvPr/>
+        </p:nvSpPr>
+        <p:spPr>
+          <a:xfrm>
+            <a:off x="5672732" y="3401868"/>
+            <a:ext cx="5589992" cy="461665"/>
+          </a:xfrm>
+          <a:prstGeom prst="rect">
+            <a:avLst/>
+          </a:prstGeom>
+        </p:spPr>
+        <p:txBody>
+          <a:bodyPr wrap="none">
+            <a:spAutoFit/>
+          </a:bodyPr>
+          <a:lstStyle/>
+          <a:p>
+            <a:r>
+              <a:rPr lang="en-US" altLang="zh-CN" sz="2400" dirty="0">
+                <a:solidFill>
+                  <a:srgbClr val="40AA54"/>
+                </a:solidFill>
+                <a:latin typeface="Consolas" panose="020B0609020204030204" pitchFamily="49" charset="0"/>
+                <a:ea typeface="Fira Code"/>
+              </a:rPr>
+              <a:t>➜</a:t>
+            </a:r>
+            <a:r>
+              <a:rPr lang="en-US" altLang="zh-CN" sz="2400" dirty="0">
+                <a:solidFill>
+                  <a:srgbClr val="A9B7C6"/>
+                </a:solidFill>
+                <a:latin typeface="Consolas" panose="020B0609020204030204" pitchFamily="49" charset="0"/>
+                <a:ea typeface="Fira Code"/>
+              </a:rPr>
+              <a:t> </a:t>
+            </a:r>
+            <a:r>
+              <a:rPr lang="en-US" altLang="zh-CN" sz="2400" dirty="0">
+                <a:solidFill>
+                  <a:srgbClr val="61DAFB"/>
+                </a:solidFill>
+                <a:latin typeface="Consolas" panose="020B0609020204030204" pitchFamily="49" charset="0"/>
+                <a:ea typeface="Fira Code"/>
+              </a:rPr>
+              <a:t>~</a:t>
+            </a:r>
+            <a:r>
+              <a:rPr lang="en-US" altLang="zh-CN" sz="2400" dirty="0">
+                <a:solidFill>
+                  <a:srgbClr val="A9B7C6"/>
+                </a:solidFill>
+                <a:latin typeface="Consolas" panose="020B0609020204030204" pitchFamily="49" charset="0"/>
+                <a:ea typeface="Fira Code"/>
+              </a:rPr>
+              <a:t> </a:t>
+            </a:r>
+            <a:r>
+              <a:rPr lang="en-US" altLang="zh-CN" sz="2400" dirty="0" err="1">
+                <a:solidFill>
+                  <a:srgbClr val="40AA54"/>
+                </a:solidFill>
+                <a:latin typeface="Consolas" panose="020B0609020204030204" pitchFamily="49" charset="0"/>
+                <a:ea typeface="Fira Code"/>
+              </a:rPr>
+              <a:t>gunicorn</a:t>
+            </a:r>
+            <a:r>
+              <a:rPr lang="zh-CN" altLang="en-US" sz="2400" dirty="0">
+                <a:solidFill>
+                  <a:srgbClr val="A9B7C6"/>
+                </a:solidFill>
+                <a:latin typeface="Consolas" panose="020B0609020204030204" pitchFamily="49" charset="0"/>
+                <a:ea typeface="Fira Code"/>
+              </a:rPr>
+              <a:t> </a:t>
+            </a:r>
+            <a:r>
+              <a:rPr lang="en-US" altLang="zh-CN" sz="2400" dirty="0">
+                <a:solidFill>
+                  <a:srgbClr val="A9B7C6"/>
+                </a:solidFill>
+                <a:latin typeface="Consolas" panose="020B0609020204030204" pitchFamily="49" charset="0"/>
+                <a:ea typeface="Fira Code"/>
+              </a:rPr>
+              <a:t>–w 4 </a:t>
+            </a:r>
+            <a:r>
+              <a:rPr lang="en-US" altLang="zh-CN" sz="2400" dirty="0" err="1">
+                <a:solidFill>
+                  <a:srgbClr val="A9B7C6"/>
+                </a:solidFill>
+                <a:latin typeface="Consolas" panose="020B0609020204030204" pitchFamily="49" charset="0"/>
+                <a:ea typeface="Fira Code"/>
+              </a:rPr>
+              <a:t>ahServer:app</a:t>
+            </a:r>
+            <a:endParaRPr lang="zh-CN" altLang="en-US" sz="2400" dirty="0">
+              <a:solidFill>
+                <a:srgbClr val="A9B7C6"/>
+              </a:solidFill>
+              <a:latin typeface="Consolas" panose="020B0609020204030204" pitchFamily="49" charset="0"/>
+              <a:ea typeface="Fira Code"/>
+            </a:endParaRPr>
+          </a:p>
+        </p:txBody>
+      </p:sp>
+      <p:sp>
+        <p:nvSpPr>
+          <p:cNvPr id="14" name="Rectangle 13"/>
+          <p:cNvSpPr/>
+          <p:nvPr/>
+        </p:nvSpPr>
+        <p:spPr>
+          <a:xfrm>
+            <a:off x="5954698" y="1299227"/>
+            <a:ext cx="4907369" cy="4508927"/>
+          </a:xfrm>
+          <a:prstGeom prst="rect">
+            <a:avLst/>
+          </a:prstGeom>
+          <a:noFill/>
+        </p:spPr>
+        <p:txBody>
+          <a:bodyPr wrap="square">
+            <a:spAutoFit/>
+          </a:bodyPr>
+          <a:lstStyle/>
+          <a:p>
+            <a:pPr algn="ctr"/>
+            <a:r>
+              <a:rPr lang="en-US" altLang="zh-CN" sz="28700" b="1" dirty="0">
+                <a:solidFill>
+                  <a:srgbClr val="00D8FF">
+                    <a:alpha val="34000"/>
+                  </a:srgbClr>
+                </a:solidFill>
+                <a:latin typeface="Consolas" panose="020B0609020204030204" pitchFamily="49" charset="0"/>
+              </a:rPr>
+              <a:t>27</a:t>
+            </a:r>
+            <a:r>
+              <a:rPr lang="en-US" altLang="zh-CN" sz="2800" b="1" dirty="0">
+                <a:solidFill>
+                  <a:schemeClr val="bg1">
+                    <a:alpha val="34000"/>
+                  </a:schemeClr>
+                </a:solidFill>
+                <a:latin typeface="Consolas" panose="020B0609020204030204" pitchFamily="49" charset="0"/>
+              </a:rPr>
+              <a:t>rps</a:t>
+            </a:r>
+            <a:endParaRPr lang="zh-CN" altLang="en-US" sz="19900" b="1" dirty="0">
+              <a:solidFill>
+                <a:schemeClr val="bg1">
+                  <a:alpha val="34000"/>
+                </a:schemeClr>
+              </a:solidFill>
+            </a:endParaRPr>
+          </a:p>
+        </p:txBody>
+      </p:sp>
+      <p:sp>
+        <p:nvSpPr>
+          <p:cNvPr id="15" name="Title 1"/>
+          <p:cNvSpPr txBox="1">
+            <a:spLocks/>
+          </p:cNvSpPr>
+          <p:nvPr/>
+        </p:nvSpPr>
+        <p:spPr>
+          <a:xfrm>
+            <a:off x="3163022" y="2579365"/>
+            <a:ext cx="2194717" cy="666063"/>
+          </a:xfrm>
+          <a:prstGeom prst="rect">
+            <a:avLst/>
+          </a:prstGeom>
+        </p:spPr>
+        <p:txBody>
+          <a:bodyPr vert="horz" lIns="91440" tIns="45720" rIns="91440" bIns="45720" rtlCol="0" anchor="ctr">
+            <a:normAutofit/>
+          </a:bodyPr>
+          <a:lstStyle>
+            <a:lvl1pPr algn="ctr" defTabSz="914400" rtl="0" eaLnBrk="1" latinLnBrk="0" hangingPunct="1">
+              <a:lnSpc>
+                <a:spcPct val="90000"/>
+              </a:lnSpc>
+              <a:spcBef>
+                <a:spcPct val="0"/>
+              </a:spcBef>
+              <a:buNone/>
+              <a:defRPr sz="6000" kern="1200">
+                <a:solidFill>
+                  <a:schemeClr val="tx1"/>
+                </a:solidFill>
+                <a:latin typeface="+mj-lt"/>
+                <a:ea typeface="+mj-ea"/>
+                <a:cs typeface="+mj-cs"/>
+              </a:defRPr>
+            </a:lvl1pPr>
+          </a:lstStyle>
+          <a:p>
+            <a:pPr algn="l"/>
+            <a:r>
+              <a:rPr lang="en-US" altLang="zh-CN" sz="3200" b="1" i="1" dirty="0" err="1">
+                <a:solidFill>
+                  <a:srgbClr val="61DAFB"/>
+                </a:solidFill>
+                <a:latin typeface="Century Gothic" panose="020B0502020202020204" pitchFamily="34" charset="0"/>
+              </a:rPr>
+              <a:t>Gunicorn</a:t>
+            </a:r>
+            <a:endParaRPr lang="zh-CN" altLang="en-US" sz="3200" b="1" i="1" dirty="0">
+              <a:solidFill>
+                <a:srgbClr val="61DAFB"/>
+              </a:solidFill>
+              <a:latin typeface="Century Gothic" panose="020B0502020202020204" pitchFamily="34" charset="0"/>
+            </a:endParaRPr>
+          </a:p>
+        </p:txBody>
+      </p:sp>
+      <p:grpSp>
+        <p:nvGrpSpPr>
+          <p:cNvPr id="16" name="Group 15"/>
+          <p:cNvGrpSpPr/>
+          <p:nvPr/>
+        </p:nvGrpSpPr>
+        <p:grpSpPr>
+          <a:xfrm>
+            <a:off x="3286349" y="3357179"/>
+            <a:ext cx="1305428" cy="484321"/>
+            <a:chOff x="5514473" y="5621810"/>
+            <a:chExt cx="1305428" cy="484321"/>
+          </a:xfrm>
+        </p:grpSpPr>
+        <p:pic>
+          <p:nvPicPr>
+            <p:cNvPr id="17" name="Picture 16"/>
+            <p:cNvPicPr>
+              <a:picLocks noChangeAspect="1"/>
+            </p:cNvPicPr>
+            <p:nvPr/>
+          </p:nvPicPr>
+          <p:blipFill>
+            <a:blip r:embed="rId4">
+              <a:extLst>
+                <a:ext uri="{28A0092B-C50C-407E-A947-70E740481C1C}">
+                  <a14:useLocalDpi xmlns:a14="http://schemas.microsoft.com/office/drawing/2010/main" val="0"/>
+                </a:ext>
+              </a:extLst>
+            </a:blip>
+            <a:stretch>
+              <a:fillRect/>
+            </a:stretch>
+          </p:blipFill>
+          <p:spPr>
+            <a:xfrm>
+              <a:off x="5514473" y="5621810"/>
+              <a:ext cx="458921" cy="458921"/>
+            </a:xfrm>
+            <a:prstGeom prst="rect">
+              <a:avLst/>
+            </a:prstGeom>
+          </p:spPr>
+        </p:pic>
+        <p:sp>
+          <p:nvSpPr>
+            <p:cNvPr id="18" name="Title 1"/>
+            <p:cNvSpPr txBox="1">
+              <a:spLocks/>
+            </p:cNvSpPr>
+            <p:nvPr/>
+          </p:nvSpPr>
+          <p:spPr>
+            <a:xfrm>
+              <a:off x="5967501" y="5647210"/>
+              <a:ext cx="852400" cy="458921"/>
+            </a:xfrm>
+            <a:prstGeom prst="rect">
+              <a:avLst/>
+            </a:prstGeom>
+          </p:spPr>
+          <p:txBody>
+            <a:bodyPr vert="horz" lIns="91440" tIns="45720" rIns="91440" bIns="45720" rtlCol="0" anchor="ctr">
+              <a:normAutofit/>
+            </a:bodyPr>
+            <a:lstStyle>
+              <a:lvl1pPr algn="ctr" defTabSz="914400" rtl="0" eaLnBrk="1" latinLnBrk="0" hangingPunct="1">
+                <a:lnSpc>
+                  <a:spcPct val="90000"/>
+                </a:lnSpc>
+                <a:spcBef>
+                  <a:spcPct val="0"/>
+                </a:spcBef>
+                <a:buNone/>
+                <a:defRPr sz="6000" kern="1200">
+                  <a:solidFill>
+                    <a:schemeClr val="tx1"/>
+                  </a:solidFill>
+                  <a:latin typeface="+mj-lt"/>
+                  <a:ea typeface="+mj-ea"/>
+                  <a:cs typeface="+mj-cs"/>
+                </a:defRPr>
+              </a:lvl1pPr>
+            </a:lstStyle>
+            <a:p>
+              <a:pPr algn="l"/>
+              <a:r>
+                <a:rPr lang="en-US" altLang="zh-CN" sz="2000" i="1" dirty="0">
+                  <a:solidFill>
+                    <a:schemeClr val="bg1"/>
+                  </a:solidFill>
+                  <a:latin typeface="Century Gothic" panose="020B0502020202020204" pitchFamily="34" charset="0"/>
+                </a:rPr>
+                <a:t>4.1k</a:t>
+              </a:r>
+              <a:endParaRPr lang="zh-CN" altLang="en-US" sz="2000" i="1" dirty="0">
+                <a:solidFill>
+                  <a:schemeClr val="bg1"/>
+                </a:solidFill>
+                <a:latin typeface="Century Gothic" panose="020B0502020202020204" pitchFamily="34" charset="0"/>
+              </a:endParaRPr>
+            </a:p>
+          </p:txBody>
+        </p:sp>
+      </p:grpSp>
+      <p:sp>
+        <p:nvSpPr>
+          <p:cNvPr id="19" name="Title 1"/>
+          <p:cNvSpPr txBox="1">
+            <a:spLocks/>
+          </p:cNvSpPr>
+          <p:nvPr/>
+        </p:nvSpPr>
+        <p:spPr>
+          <a:xfrm>
+            <a:off x="6593021" y="2587063"/>
+            <a:ext cx="2194717" cy="666063"/>
+          </a:xfrm>
+          <a:prstGeom prst="rect">
+            <a:avLst/>
+          </a:prstGeom>
+        </p:spPr>
+        <p:txBody>
+          <a:bodyPr vert="horz" lIns="91440" tIns="45720" rIns="91440" bIns="45720" rtlCol="0" anchor="ctr">
+            <a:normAutofit/>
+          </a:bodyPr>
+          <a:lstStyle>
+            <a:lvl1pPr algn="ctr" defTabSz="914400" rtl="0" eaLnBrk="1" latinLnBrk="0" hangingPunct="1">
+              <a:lnSpc>
+                <a:spcPct val="90000"/>
+              </a:lnSpc>
+              <a:spcBef>
+                <a:spcPct val="0"/>
+              </a:spcBef>
+              <a:buNone/>
+              <a:defRPr sz="6000" kern="1200">
+                <a:solidFill>
+                  <a:schemeClr val="tx1"/>
+                </a:solidFill>
+                <a:latin typeface="+mj-lt"/>
+                <a:ea typeface="+mj-ea"/>
+                <a:cs typeface="+mj-cs"/>
+              </a:defRPr>
+            </a:lvl1pPr>
+          </a:lstStyle>
+          <a:p>
+            <a:pPr algn="r"/>
+            <a:r>
+              <a:rPr lang="en-US" altLang="zh-CN" sz="3200" b="1" i="1" dirty="0" err="1">
+                <a:solidFill>
+                  <a:srgbClr val="61DAFB"/>
+                </a:solidFill>
+                <a:latin typeface="Century Gothic" panose="020B0502020202020204" pitchFamily="34" charset="0"/>
+              </a:rPr>
+              <a:t>uWSGI</a:t>
+            </a:r>
+            <a:endParaRPr lang="zh-CN" altLang="en-US" sz="3200" b="1" i="1" dirty="0">
+              <a:solidFill>
+                <a:srgbClr val="61DAFB"/>
+              </a:solidFill>
+              <a:latin typeface="Century Gothic" panose="020B0502020202020204" pitchFamily="34" charset="0"/>
+            </a:endParaRPr>
+          </a:p>
+        </p:txBody>
+      </p:sp>
+      <p:grpSp>
+        <p:nvGrpSpPr>
+          <p:cNvPr id="20" name="Group 19"/>
+          <p:cNvGrpSpPr/>
+          <p:nvPr/>
+        </p:nvGrpSpPr>
+        <p:grpSpPr>
+          <a:xfrm>
+            <a:off x="7560363" y="3364639"/>
+            <a:ext cx="1077481" cy="510195"/>
+            <a:chOff x="5967501" y="5595936"/>
+            <a:chExt cx="1077481" cy="510195"/>
+          </a:xfrm>
+        </p:grpSpPr>
+        <p:pic>
+          <p:nvPicPr>
+            <p:cNvPr id="21" name="Picture 20"/>
+            <p:cNvPicPr>
+              <a:picLocks noChangeAspect="1"/>
+            </p:cNvPicPr>
+            <p:nvPr/>
+          </p:nvPicPr>
+          <p:blipFill>
+            <a:blip r:embed="rId4">
+              <a:extLst>
+                <a:ext uri="{28A0092B-C50C-407E-A947-70E740481C1C}">
+                  <a14:useLocalDpi xmlns:a14="http://schemas.microsoft.com/office/drawing/2010/main" val="0"/>
+                </a:ext>
+              </a:extLst>
+            </a:blip>
+            <a:stretch>
+              <a:fillRect/>
+            </a:stretch>
+          </p:blipFill>
+          <p:spPr>
+            <a:xfrm>
+              <a:off x="6586061" y="5595936"/>
+              <a:ext cx="458921" cy="458921"/>
+            </a:xfrm>
+            <a:prstGeom prst="rect">
+              <a:avLst/>
+            </a:prstGeom>
+          </p:spPr>
+        </p:pic>
+        <p:sp>
+          <p:nvSpPr>
+            <p:cNvPr id="22" name="Title 1"/>
+            <p:cNvSpPr txBox="1">
+              <a:spLocks/>
+            </p:cNvSpPr>
+            <p:nvPr/>
+          </p:nvSpPr>
+          <p:spPr>
+            <a:xfrm>
+              <a:off x="5967501" y="5647210"/>
+              <a:ext cx="852400" cy="458921"/>
+            </a:xfrm>
+            <a:prstGeom prst="rect">
+              <a:avLst/>
+            </a:prstGeom>
+          </p:spPr>
+          <p:txBody>
+            <a:bodyPr vert="horz" lIns="91440" tIns="45720" rIns="91440" bIns="45720" rtlCol="0" anchor="ctr">
+              <a:normAutofit/>
+            </a:bodyPr>
+            <a:lstStyle>
+              <a:lvl1pPr algn="ctr" defTabSz="914400" rtl="0" eaLnBrk="1" latinLnBrk="0" hangingPunct="1">
+                <a:lnSpc>
+                  <a:spcPct val="90000"/>
+                </a:lnSpc>
+                <a:spcBef>
+                  <a:spcPct val="0"/>
+                </a:spcBef>
+                <a:buNone/>
+                <a:defRPr sz="6000" kern="1200">
+                  <a:solidFill>
+                    <a:schemeClr val="tx1"/>
+                  </a:solidFill>
+                  <a:latin typeface="+mj-lt"/>
+                  <a:ea typeface="+mj-ea"/>
+                  <a:cs typeface="+mj-cs"/>
+                </a:defRPr>
+              </a:lvl1pPr>
+            </a:lstStyle>
+            <a:p>
+              <a:pPr algn="l"/>
+              <a:r>
+                <a:rPr lang="en-US" altLang="zh-CN" sz="2000" i="1" dirty="0">
+                  <a:solidFill>
+                    <a:schemeClr val="bg1"/>
+                  </a:solidFill>
+                  <a:latin typeface="Century Gothic" panose="020B0502020202020204" pitchFamily="34" charset="0"/>
+                </a:rPr>
+                <a:t>1.9k</a:t>
+              </a:r>
+              <a:endParaRPr lang="zh-CN" altLang="en-US" sz="2000" i="1" dirty="0">
+                <a:solidFill>
+                  <a:schemeClr val="bg1"/>
+                </a:solidFill>
+                <a:latin typeface="Century Gothic" panose="020B0502020202020204" pitchFamily="34" charset="0"/>
+              </a:endParaRPr>
+            </a:p>
+          </p:txBody>
+        </p:sp>
+      </p:grpSp>
     </p:spTree>
     <p:extLst>
       <p:ext uri="{BB962C8B-B14F-4D97-AF65-F5344CB8AC3E}">
@@ -10838,7 +12870,7 @@
                                     <p:cond delay="400"/>
                                   </p:stCondLst>
                                   <p:childTnLst>
-                                    <p:animMotion origin="layout" path="M -3.95833E-6 -4.07407E-6 L 0.10026 -4.07407E-6 " pathEditMode="relative" rAng="0" ptsTypes="AA">
+                                    <p:animMotion origin="layout" path="M -3.95833E-6 -4.07407E-6 L -0.09739 -4.07407E-6 " pathEditMode="relative" rAng="0" ptsTypes="AA">
                                       <p:cBhvr>
                                         <p:cTn id="36" dur="1000" fill="hold"/>
                                         <p:tgtEl>
@@ -10849,7 +12881,7 @@
                                           <p:attrName>ppt_y</p:attrName>
                                         </p:attrNameLst>
                                       </p:cBhvr>
-                                      <p:rCtr x="5013" y="0"/>
+                                      <p:rCtr x="-4870" y="0"/>
                                     </p:animMotion>
                                   </p:childTnLst>
                                 </p:cTn>
@@ -10962,6 +12994,519 @@
                                         <a:srgbClr val="F9DC3E"/>
                                       </p:to>
                                     </p:animClr>
+                                  </p:childTnLst>
+                                </p:cTn>
+                              </p:par>
+                              <p:par>
+                                <p:cTn id="46" presetID="10" presetClass="entr" presetSubtype="0" fill="hold" grpId="0" nodeType="withEffect">
+                                  <p:stCondLst>
+                                    <p:cond delay="900"/>
+                                  </p:stCondLst>
+                                  <p:childTnLst>
+                                    <p:set>
+                                      <p:cBhvr>
+                                        <p:cTn id="47" dur="1" fill="hold">
+                                          <p:stCondLst>
+                                            <p:cond delay="0"/>
+                                          </p:stCondLst>
+                                        </p:cTn>
+                                        <p:tgtEl>
+                                          <p:spTgt spid="2"/>
+                                        </p:tgtEl>
+                                        <p:attrNameLst>
+                                          <p:attrName>style.visibility</p:attrName>
+                                        </p:attrNameLst>
+                                      </p:cBhvr>
+                                      <p:to>
+                                        <p:strVal val="visible"/>
+                                      </p:to>
+                                    </p:set>
+                                    <p:animEffect transition="in" filter="fade">
+                                      <p:cBhvr>
+                                        <p:cTn id="48" dur="500"/>
+                                        <p:tgtEl>
+                                          <p:spTgt spid="2"/>
+                                        </p:tgtEl>
+                                      </p:cBhvr>
+                                    </p:animEffect>
+                                  </p:childTnLst>
+                                </p:cTn>
+                              </p:par>
+                            </p:childTnLst>
+                          </p:cTn>
+                        </p:par>
+                      </p:childTnLst>
+                    </p:cTn>
+                  </p:par>
+                  <p:par>
+                    <p:cTn id="49" fill="hold">
+                      <p:stCondLst>
+                        <p:cond delay="indefinite"/>
+                      </p:stCondLst>
+                      <p:childTnLst>
+                        <p:par>
+                          <p:cTn id="50" fill="hold">
+                            <p:stCondLst>
+                              <p:cond delay="0"/>
+                            </p:stCondLst>
+                            <p:childTnLst>
+                              <p:par>
+                                <p:cTn id="51" presetID="10" presetClass="entr" presetSubtype="0" fill="hold" grpId="0" nodeType="clickEffect">
+                                  <p:stCondLst>
+                                    <p:cond delay="0"/>
+                                  </p:stCondLst>
+                                  <p:childTnLst>
+                                    <p:set>
+                                      <p:cBhvr>
+                                        <p:cTn id="52" dur="1" fill="hold">
+                                          <p:stCondLst>
+                                            <p:cond delay="0"/>
+                                          </p:stCondLst>
+                                        </p:cTn>
+                                        <p:tgtEl>
+                                          <p:spTgt spid="6"/>
+                                        </p:tgtEl>
+                                        <p:attrNameLst>
+                                          <p:attrName>style.visibility</p:attrName>
+                                        </p:attrNameLst>
+                                      </p:cBhvr>
+                                      <p:to>
+                                        <p:strVal val="visible"/>
+                                      </p:to>
+                                    </p:set>
+                                    <p:animEffect transition="in" filter="fade">
+                                      <p:cBhvr>
+                                        <p:cTn id="53" dur="500"/>
+                                        <p:tgtEl>
+                                          <p:spTgt spid="6"/>
+                                        </p:tgtEl>
+                                      </p:cBhvr>
+                                    </p:animEffect>
+                                  </p:childTnLst>
+                                </p:cTn>
+                              </p:par>
+                            </p:childTnLst>
+                          </p:cTn>
+                        </p:par>
+                      </p:childTnLst>
+                    </p:cTn>
+                  </p:par>
+                  <p:par>
+                    <p:cTn id="54" fill="hold">
+                      <p:stCondLst>
+                        <p:cond delay="indefinite"/>
+                      </p:stCondLst>
+                      <p:childTnLst>
+                        <p:par>
+                          <p:cTn id="55" fill="hold">
+                            <p:stCondLst>
+                              <p:cond delay="0"/>
+                            </p:stCondLst>
+                            <p:childTnLst>
+                              <p:par>
+                                <p:cTn id="56" presetID="10" presetClass="exit" presetSubtype="0" fill="hold" grpId="1" nodeType="clickEffect">
+                                  <p:stCondLst>
+                                    <p:cond delay="0"/>
+                                  </p:stCondLst>
+                                  <p:childTnLst>
+                                    <p:animEffect transition="out" filter="fade">
+                                      <p:cBhvr>
+                                        <p:cTn id="57" dur="500"/>
+                                        <p:tgtEl>
+                                          <p:spTgt spid="2"/>
+                                        </p:tgtEl>
+                                      </p:cBhvr>
+                                    </p:animEffect>
+                                    <p:set>
+                                      <p:cBhvr>
+                                        <p:cTn id="58" dur="1" fill="hold">
+                                          <p:stCondLst>
+                                            <p:cond delay="499"/>
+                                          </p:stCondLst>
+                                        </p:cTn>
+                                        <p:tgtEl>
+                                          <p:spTgt spid="2"/>
+                                        </p:tgtEl>
+                                        <p:attrNameLst>
+                                          <p:attrName>style.visibility</p:attrName>
+                                        </p:attrNameLst>
+                                      </p:cBhvr>
+                                      <p:to>
+                                        <p:strVal val="hidden"/>
+                                      </p:to>
+                                    </p:set>
+                                  </p:childTnLst>
+                                </p:cTn>
+                              </p:par>
+                              <p:par>
+                                <p:cTn id="59" presetID="10" presetClass="exit" presetSubtype="0" fill="hold" grpId="1" nodeType="withEffect">
+                                  <p:stCondLst>
+                                    <p:cond delay="0"/>
+                                  </p:stCondLst>
+                                  <p:childTnLst>
+                                    <p:animEffect transition="out" filter="fade">
+                                      <p:cBhvr>
+                                        <p:cTn id="60" dur="500"/>
+                                        <p:tgtEl>
+                                          <p:spTgt spid="6"/>
+                                        </p:tgtEl>
+                                      </p:cBhvr>
+                                    </p:animEffect>
+                                    <p:set>
+                                      <p:cBhvr>
+                                        <p:cTn id="61" dur="1" fill="hold">
+                                          <p:stCondLst>
+                                            <p:cond delay="499"/>
+                                          </p:stCondLst>
+                                        </p:cTn>
+                                        <p:tgtEl>
+                                          <p:spTgt spid="6"/>
+                                        </p:tgtEl>
+                                        <p:attrNameLst>
+                                          <p:attrName>style.visibility</p:attrName>
+                                        </p:attrNameLst>
+                                      </p:cBhvr>
+                                      <p:to>
+                                        <p:strVal val="hidden"/>
+                                      </p:to>
+                                    </p:set>
+                                  </p:childTnLst>
+                                </p:cTn>
+                              </p:par>
+                              <p:par>
+                                <p:cTn id="62" presetID="10" presetClass="entr" presetSubtype="0" fill="hold" grpId="0" nodeType="withEffect">
+                                  <p:stCondLst>
+                                    <p:cond delay="300"/>
+                                  </p:stCondLst>
+                                  <p:childTnLst>
+                                    <p:set>
+                                      <p:cBhvr>
+                                        <p:cTn id="63" dur="1" fill="hold">
+                                          <p:stCondLst>
+                                            <p:cond delay="0"/>
+                                          </p:stCondLst>
+                                        </p:cTn>
+                                        <p:tgtEl>
+                                          <p:spTgt spid="13"/>
+                                        </p:tgtEl>
+                                        <p:attrNameLst>
+                                          <p:attrName>style.visibility</p:attrName>
+                                        </p:attrNameLst>
+                                      </p:cBhvr>
+                                      <p:to>
+                                        <p:strVal val="visible"/>
+                                      </p:to>
+                                    </p:set>
+                                    <p:animEffect transition="in" filter="fade">
+                                      <p:cBhvr>
+                                        <p:cTn id="64" dur="500"/>
+                                        <p:tgtEl>
+                                          <p:spTgt spid="13"/>
+                                        </p:tgtEl>
+                                      </p:cBhvr>
+                                    </p:animEffect>
+                                  </p:childTnLst>
+                                </p:cTn>
+                              </p:par>
+                            </p:childTnLst>
+                          </p:cTn>
+                        </p:par>
+                      </p:childTnLst>
+                    </p:cTn>
+                  </p:par>
+                  <p:par>
+                    <p:cTn id="65" fill="hold">
+                      <p:stCondLst>
+                        <p:cond delay="indefinite"/>
+                      </p:stCondLst>
+                      <p:childTnLst>
+                        <p:par>
+                          <p:cTn id="66" fill="hold">
+                            <p:stCondLst>
+                              <p:cond delay="0"/>
+                            </p:stCondLst>
+                            <p:childTnLst>
+                              <p:par>
+                                <p:cTn id="67" presetID="10" presetClass="entr" presetSubtype="0" fill="hold" grpId="0" nodeType="clickEffect">
+                                  <p:stCondLst>
+                                    <p:cond delay="0"/>
+                                  </p:stCondLst>
+                                  <p:childTnLst>
+                                    <p:set>
+                                      <p:cBhvr>
+                                        <p:cTn id="68" dur="1" fill="hold">
+                                          <p:stCondLst>
+                                            <p:cond delay="0"/>
+                                          </p:stCondLst>
+                                        </p:cTn>
+                                        <p:tgtEl>
+                                          <p:spTgt spid="14"/>
+                                        </p:tgtEl>
+                                        <p:attrNameLst>
+                                          <p:attrName>style.visibility</p:attrName>
+                                        </p:attrNameLst>
+                                      </p:cBhvr>
+                                      <p:to>
+                                        <p:strVal val="visible"/>
+                                      </p:to>
+                                    </p:set>
+                                    <p:animEffect transition="in" filter="fade">
+                                      <p:cBhvr>
+                                        <p:cTn id="69" dur="500"/>
+                                        <p:tgtEl>
+                                          <p:spTgt spid="14"/>
+                                        </p:tgtEl>
+                                      </p:cBhvr>
+                                    </p:animEffect>
+                                  </p:childTnLst>
+                                </p:cTn>
+                              </p:par>
+                            </p:childTnLst>
+                          </p:cTn>
+                        </p:par>
+                      </p:childTnLst>
+                    </p:cTn>
+                  </p:par>
+                  <p:par>
+                    <p:cTn id="70" fill="hold">
+                      <p:stCondLst>
+                        <p:cond delay="indefinite"/>
+                      </p:stCondLst>
+                      <p:childTnLst>
+                        <p:par>
+                          <p:cTn id="71" fill="hold">
+                            <p:stCondLst>
+                              <p:cond delay="0"/>
+                            </p:stCondLst>
+                            <p:childTnLst>
+                              <p:par>
+                                <p:cTn id="72" presetID="10" presetClass="exit" presetSubtype="0" fill="hold" grpId="3" nodeType="clickEffect">
+                                  <p:stCondLst>
+                                    <p:cond delay="0"/>
+                                  </p:stCondLst>
+                                  <p:childTnLst>
+                                    <p:animEffect transition="out" filter="fade">
+                                      <p:cBhvr>
+                                        <p:cTn id="73" dur="500"/>
+                                        <p:tgtEl>
+                                          <p:spTgt spid="32"/>
+                                        </p:tgtEl>
+                                      </p:cBhvr>
+                                    </p:animEffect>
+                                    <p:set>
+                                      <p:cBhvr>
+                                        <p:cTn id="74" dur="1" fill="hold">
+                                          <p:stCondLst>
+                                            <p:cond delay="499"/>
+                                          </p:stCondLst>
+                                        </p:cTn>
+                                        <p:tgtEl>
+                                          <p:spTgt spid="32"/>
+                                        </p:tgtEl>
+                                        <p:attrNameLst>
+                                          <p:attrName>style.visibility</p:attrName>
+                                        </p:attrNameLst>
+                                      </p:cBhvr>
+                                      <p:to>
+                                        <p:strVal val="hidden"/>
+                                      </p:to>
+                                    </p:set>
+                                  </p:childTnLst>
+                                </p:cTn>
+                              </p:par>
+                              <p:par>
+                                <p:cTn id="75" presetID="10" presetClass="exit" presetSubtype="0" fill="hold" grpId="1" nodeType="withEffect">
+                                  <p:stCondLst>
+                                    <p:cond delay="0"/>
+                                  </p:stCondLst>
+                                  <p:childTnLst>
+                                    <p:animEffect transition="out" filter="fade">
+                                      <p:cBhvr>
+                                        <p:cTn id="76" dur="500"/>
+                                        <p:tgtEl>
+                                          <p:spTgt spid="13"/>
+                                        </p:tgtEl>
+                                      </p:cBhvr>
+                                    </p:animEffect>
+                                    <p:set>
+                                      <p:cBhvr>
+                                        <p:cTn id="77" dur="1" fill="hold">
+                                          <p:stCondLst>
+                                            <p:cond delay="499"/>
+                                          </p:stCondLst>
+                                        </p:cTn>
+                                        <p:tgtEl>
+                                          <p:spTgt spid="13"/>
+                                        </p:tgtEl>
+                                        <p:attrNameLst>
+                                          <p:attrName>style.visibility</p:attrName>
+                                        </p:attrNameLst>
+                                      </p:cBhvr>
+                                      <p:to>
+                                        <p:strVal val="hidden"/>
+                                      </p:to>
+                                    </p:set>
+                                  </p:childTnLst>
+                                </p:cTn>
+                              </p:par>
+                              <p:par>
+                                <p:cTn id="78" presetID="10" presetClass="exit" presetSubtype="0" fill="hold" grpId="1" nodeType="withEffect">
+                                  <p:stCondLst>
+                                    <p:cond delay="0"/>
+                                  </p:stCondLst>
+                                  <p:childTnLst>
+                                    <p:animEffect transition="out" filter="fade">
+                                      <p:cBhvr>
+                                        <p:cTn id="79" dur="500"/>
+                                        <p:tgtEl>
+                                          <p:spTgt spid="14"/>
+                                        </p:tgtEl>
+                                      </p:cBhvr>
+                                    </p:animEffect>
+                                    <p:set>
+                                      <p:cBhvr>
+                                        <p:cTn id="80" dur="1" fill="hold">
+                                          <p:stCondLst>
+                                            <p:cond delay="499"/>
+                                          </p:stCondLst>
+                                        </p:cTn>
+                                        <p:tgtEl>
+                                          <p:spTgt spid="14"/>
+                                        </p:tgtEl>
+                                        <p:attrNameLst>
+                                          <p:attrName>style.visibility</p:attrName>
+                                        </p:attrNameLst>
+                                      </p:cBhvr>
+                                      <p:to>
+                                        <p:strVal val="hidden"/>
+                                      </p:to>
+                                    </p:set>
+                                  </p:childTnLst>
+                                </p:cTn>
+                              </p:par>
+                              <p:par>
+                                <p:cTn id="81" presetID="1" presetClass="entr" presetSubtype="0" fill="hold" grpId="0" nodeType="withEffect">
+                                  <p:stCondLst>
+                                    <p:cond delay="0"/>
+                                  </p:stCondLst>
+                                  <p:childTnLst>
+                                    <p:set>
+                                      <p:cBhvr>
+                                        <p:cTn id="82" dur="1" fill="hold">
+                                          <p:stCondLst>
+                                            <p:cond delay="0"/>
+                                          </p:stCondLst>
+                                        </p:cTn>
+                                        <p:tgtEl>
+                                          <p:spTgt spid="15"/>
+                                        </p:tgtEl>
+                                        <p:attrNameLst>
+                                          <p:attrName>style.visibility</p:attrName>
+                                        </p:attrNameLst>
+                                      </p:cBhvr>
+                                      <p:to>
+                                        <p:strVal val="visible"/>
+                                      </p:to>
+                                    </p:set>
+                                  </p:childTnLst>
+                                </p:cTn>
+                              </p:par>
+                              <p:par>
+                                <p:cTn id="83" presetID="1" presetClass="entr" presetSubtype="0" fill="hold" grpId="0" nodeType="withEffect">
+                                  <p:stCondLst>
+                                    <p:cond delay="0"/>
+                                  </p:stCondLst>
+                                  <p:childTnLst>
+                                    <p:set>
+                                      <p:cBhvr>
+                                        <p:cTn id="84" dur="1" fill="hold">
+                                          <p:stCondLst>
+                                            <p:cond delay="0"/>
+                                          </p:stCondLst>
+                                        </p:cTn>
+                                        <p:tgtEl>
+                                          <p:spTgt spid="19"/>
+                                        </p:tgtEl>
+                                        <p:attrNameLst>
+                                          <p:attrName>style.visibility</p:attrName>
+                                        </p:attrNameLst>
+                                      </p:cBhvr>
+                                      <p:to>
+                                        <p:strVal val="visible"/>
+                                      </p:to>
+                                    </p:set>
+                                  </p:childTnLst>
+                                </p:cTn>
+                              </p:par>
+                            </p:childTnLst>
+                          </p:cTn>
+                        </p:par>
+                        <p:par>
+                          <p:cTn id="85" fill="hold">
+                            <p:stCondLst>
+                              <p:cond delay="500"/>
+                            </p:stCondLst>
+                            <p:childTnLst>
+                              <p:par>
+                                <p:cTn id="86" presetID="1" presetClass="entr" presetSubtype="0" fill="hold" nodeType="afterEffect">
+                                  <p:stCondLst>
+                                    <p:cond delay="0"/>
+                                  </p:stCondLst>
+                                  <p:childTnLst>
+                                    <p:set>
+                                      <p:cBhvr>
+                                        <p:cTn id="87" dur="1" fill="hold">
+                                          <p:stCondLst>
+                                            <p:cond delay="0"/>
+                                          </p:stCondLst>
+                                        </p:cTn>
+                                        <p:tgtEl>
+                                          <p:spTgt spid="16"/>
+                                        </p:tgtEl>
+                                        <p:attrNameLst>
+                                          <p:attrName>style.visibility</p:attrName>
+                                        </p:attrNameLst>
+                                      </p:cBhvr>
+                                      <p:to>
+                                        <p:strVal val="visible"/>
+                                      </p:to>
+                                    </p:set>
+                                  </p:childTnLst>
+                                </p:cTn>
+                              </p:par>
+                            </p:childTnLst>
+                          </p:cTn>
+                        </p:par>
+                        <p:par>
+                          <p:cTn id="88" fill="hold">
+                            <p:stCondLst>
+                              <p:cond delay="500"/>
+                            </p:stCondLst>
+                            <p:childTnLst>
+                              <p:par>
+                                <p:cTn id="89" presetID="1" presetClass="entr" presetSubtype="0" fill="hold" nodeType="afterEffect">
+                                  <p:stCondLst>
+                                    <p:cond delay="0"/>
+                                  </p:stCondLst>
+                                  <p:childTnLst>
+                                    <p:set>
+                                      <p:cBhvr>
+                                        <p:cTn id="90" dur="1" fill="hold">
+                                          <p:stCondLst>
+                                            <p:cond delay="0"/>
+                                          </p:stCondLst>
+                                        </p:cTn>
+                                        <p:tgtEl>
+                                          <p:spTgt spid="20"/>
+                                        </p:tgtEl>
+                                        <p:attrNameLst>
+                                          <p:attrName>style.visibility</p:attrName>
+                                        </p:attrNameLst>
+                                      </p:cBhvr>
+                                      <p:to>
+                                        <p:strVal val="visible"/>
+                                      </p:to>
+                                    </p:set>
                                   </p:childTnLst>
                                 </p:cTn>
                               </p:par>
@@ -11000,16 +13545,2994 @@
       <p:bldP spid="32" grpId="0" animBg="1"/>
       <p:bldP spid="32" grpId="1" animBg="1"/>
       <p:bldP spid="32" grpId="2" animBg="1"/>
+      <p:bldP spid="32" grpId="3" animBg="1"/>
       <p:bldP spid="7" grpId="0" animBg="1"/>
       <p:bldP spid="7" grpId="1" animBg="1"/>
       <p:bldP spid="9" grpId="0" animBg="1"/>
       <p:bldP spid="9" grpId="1" animBg="1"/>
+      <p:bldP spid="2" grpId="0"/>
+      <p:bldP spid="2" grpId="1"/>
+      <p:bldP spid="6" grpId="0"/>
+      <p:bldP spid="6" grpId="1"/>
+      <p:bldP spid="13" grpId="0"/>
+      <p:bldP spid="13" grpId="1"/>
+      <p:bldP spid="14" grpId="0"/>
+      <p:bldP spid="14" grpId="1"/>
+      <p:bldP spid="15" grpId="0"/>
+      <p:bldP spid="19" grpId="0"/>
     </p:bldLst>
   </p:timing>
 </p:sld>
 </file>
 
 <file path=ppt/slides/slide12.xml><?xml version="1.0" encoding="utf-8"?>
+<p:sld xmlns:a="http://schemas.openxmlformats.org/drawingml/2006/main" xmlns:r="http://schemas.openxmlformats.org/officeDocument/2006/relationships" xmlns:p="http://schemas.openxmlformats.org/presentationml/2006/main">
+  <p:cSld>
+    <p:spTree>
+      <p:nvGrpSpPr>
+        <p:cNvPr id="1" name=""/>
+        <p:cNvGrpSpPr/>
+        <p:nvPr/>
+      </p:nvGrpSpPr>
+      <p:grpSpPr>
+        <a:xfrm>
+          <a:off x="0" y="0"/>
+          <a:ext cx="0" cy="0"/>
+          <a:chOff x="0" y="0"/>
+          <a:chExt cx="0" cy="0"/>
+        </a:xfrm>
+      </p:grpSpPr>
+      <p:grpSp>
+        <p:nvGrpSpPr>
+          <p:cNvPr id="3" name="Group 2"/>
+          <p:cNvGrpSpPr/>
+          <p:nvPr/>
+        </p:nvGrpSpPr>
+        <p:grpSpPr>
+          <a:xfrm>
+            <a:off x="4292085" y="317466"/>
+            <a:ext cx="3804597" cy="822404"/>
+            <a:chOff x="3452712" y="303612"/>
+            <a:chExt cx="3804597" cy="822404"/>
+          </a:xfrm>
+        </p:grpSpPr>
+        <p:pic>
+          <p:nvPicPr>
+            <p:cNvPr id="3078" name="Picture 6" descr="Image result for flask logo"/>
+            <p:cNvPicPr>
+              <a:picLocks noChangeAspect="1" noChangeArrowheads="1"/>
+            </p:cNvPicPr>
+            <p:nvPr/>
+          </p:nvPicPr>
+          <p:blipFill>
+            <a:blip r:embed="rId3">
+              <a:extLst>
+                <a:ext uri="{28A0092B-C50C-407E-A947-70E740481C1C}">
+                  <a14:useLocalDpi xmlns:a14="http://schemas.microsoft.com/office/drawing/2010/main" val="0"/>
+                </a:ext>
+              </a:extLst>
+            </a:blip>
+            <a:srcRect/>
+            <a:stretch>
+              <a:fillRect/>
+            </a:stretch>
+          </p:blipFill>
+          <p:spPr bwMode="auto">
+            <a:xfrm>
+              <a:off x="3452712" y="303612"/>
+              <a:ext cx="822404" cy="822404"/>
+            </a:xfrm>
+            <a:prstGeom prst="rect">
+              <a:avLst/>
+            </a:prstGeom>
+            <a:noFill/>
+            <a:extLst>
+              <a:ext uri="{909E8E84-426E-40DD-AFC4-6F175D3DCCD1}">
+                <a14:hiddenFill xmlns:a14="http://schemas.microsoft.com/office/drawing/2010/main">
+                  <a:solidFill>
+                    <a:srgbClr val="FFFFFF"/>
+                  </a:solidFill>
+                </a14:hiddenFill>
+              </a:ext>
+            </a:extLst>
+          </p:spPr>
+        </p:pic>
+        <p:sp>
+          <p:nvSpPr>
+            <p:cNvPr id="24" name="Title 1"/>
+            <p:cNvSpPr txBox="1">
+              <a:spLocks/>
+            </p:cNvSpPr>
+            <p:nvPr/>
+          </p:nvSpPr>
+          <p:spPr>
+            <a:xfrm>
+              <a:off x="4156363" y="377784"/>
+              <a:ext cx="3100946" cy="666063"/>
+            </a:xfrm>
+            <a:prstGeom prst="rect">
+              <a:avLst/>
+            </a:prstGeom>
+          </p:spPr>
+          <p:txBody>
+            <a:bodyPr vert="horz" lIns="91440" tIns="45720" rIns="91440" bIns="45720" rtlCol="0" anchor="ctr">
+              <a:normAutofit/>
+            </a:bodyPr>
+            <a:lstStyle>
+              <a:lvl1pPr algn="ctr" defTabSz="914400" rtl="0" eaLnBrk="1" latinLnBrk="0" hangingPunct="1">
+                <a:lnSpc>
+                  <a:spcPct val="90000"/>
+                </a:lnSpc>
+                <a:spcBef>
+                  <a:spcPct val="0"/>
+                </a:spcBef>
+                <a:buNone/>
+                <a:defRPr sz="6000" kern="1200">
+                  <a:solidFill>
+                    <a:schemeClr val="tx1"/>
+                  </a:solidFill>
+                  <a:latin typeface="+mj-lt"/>
+                  <a:ea typeface="+mj-ea"/>
+                  <a:cs typeface="+mj-cs"/>
+                </a:defRPr>
+              </a:lvl1pPr>
+            </a:lstStyle>
+            <a:p>
+              <a:r>
+                <a:rPr lang="en-US" altLang="zh-CN" sz="2400" i="1" dirty="0">
+                  <a:solidFill>
+                    <a:schemeClr val="bg1"/>
+                  </a:solidFill>
+                  <a:latin typeface="Century Gothic" panose="020B0502020202020204" pitchFamily="34" charset="0"/>
+                </a:rPr>
+                <a:t>Backend Stack</a:t>
+              </a:r>
+              <a:r>
+                <a:rPr lang="en-US" altLang="zh-CN" sz="2400" b="1" dirty="0">
+                  <a:solidFill>
+                    <a:schemeClr val="bg1"/>
+                  </a:solidFill>
+                  <a:latin typeface="Century Gothic" panose="020B0502020202020204" pitchFamily="34" charset="0"/>
+                </a:rPr>
+                <a:t>·</a:t>
+              </a:r>
+              <a:r>
+                <a:rPr lang="en-US" altLang="zh-CN" sz="2400" i="1" dirty="0">
+                  <a:solidFill>
+                    <a:srgbClr val="61DAFB"/>
+                  </a:solidFill>
+                  <a:latin typeface="Century Gothic" panose="020B0502020202020204" pitchFamily="34" charset="0"/>
+                </a:rPr>
+                <a:t> </a:t>
+              </a:r>
+              <a:r>
+                <a:rPr lang="en-US" altLang="zh-CN" sz="2400" i="1" dirty="0">
+                  <a:solidFill>
+                    <a:srgbClr val="61DAFB"/>
+                  </a:solidFill>
+                  <a:latin typeface="Century Gothic" panose="020B0502020202020204" pitchFamily="34" charset="0"/>
+                </a:rPr>
+                <a:t>IO</a:t>
+              </a:r>
+              <a:endParaRPr lang="zh-CN" altLang="en-US" sz="2400" i="1" dirty="0">
+                <a:solidFill>
+                  <a:schemeClr val="bg1"/>
+                </a:solidFill>
+                <a:latin typeface="Century Gothic" panose="020B0502020202020204" pitchFamily="34" charset="0"/>
+              </a:endParaRPr>
+            </a:p>
+          </p:txBody>
+        </p:sp>
+      </p:grpSp>
+      <p:sp>
+        <p:nvSpPr>
+          <p:cNvPr id="15" name="Title 1"/>
+          <p:cNvSpPr txBox="1">
+            <a:spLocks/>
+          </p:cNvSpPr>
+          <p:nvPr/>
+        </p:nvSpPr>
+        <p:spPr>
+          <a:xfrm>
+            <a:off x="5406559" y="2997207"/>
+            <a:ext cx="2699696" cy="666063"/>
+          </a:xfrm>
+          <a:prstGeom prst="rect">
+            <a:avLst/>
+          </a:prstGeom>
+        </p:spPr>
+        <p:txBody>
+          <a:bodyPr vert="horz" lIns="91440" tIns="45720" rIns="91440" bIns="45720" rtlCol="0" anchor="ctr">
+            <a:normAutofit/>
+          </a:bodyPr>
+          <a:lstStyle>
+            <a:lvl1pPr algn="ctr" defTabSz="914400" rtl="0" eaLnBrk="1" latinLnBrk="0" hangingPunct="1">
+              <a:lnSpc>
+                <a:spcPct val="90000"/>
+              </a:lnSpc>
+              <a:spcBef>
+                <a:spcPct val="0"/>
+              </a:spcBef>
+              <a:buNone/>
+              <a:defRPr sz="6000" kern="1200">
+                <a:solidFill>
+                  <a:schemeClr val="tx1"/>
+                </a:solidFill>
+                <a:latin typeface="+mj-lt"/>
+                <a:ea typeface="+mj-ea"/>
+                <a:cs typeface="+mj-cs"/>
+              </a:defRPr>
+            </a:lvl1pPr>
+          </a:lstStyle>
+          <a:p>
+            <a:r>
+              <a:rPr lang="en-US" altLang="zh-CN" sz="3600" i="1" dirty="0">
+                <a:solidFill>
+                  <a:schemeClr val="bg1"/>
+                </a:solidFill>
+                <a:latin typeface="Century Gothic" panose="020B0502020202020204" pitchFamily="34" charset="0"/>
+              </a:rPr>
+              <a:t>Blocking IO</a:t>
+            </a:r>
+            <a:endParaRPr lang="zh-CN" altLang="en-US" sz="3600" i="1" dirty="0">
+              <a:solidFill>
+                <a:schemeClr val="bg1"/>
+              </a:solidFill>
+              <a:latin typeface="Century Gothic" panose="020B0502020202020204" pitchFamily="34" charset="0"/>
+            </a:endParaRPr>
+          </a:p>
+        </p:txBody>
+      </p:sp>
+      <p:sp>
+        <p:nvSpPr>
+          <p:cNvPr id="16" name="Title 1"/>
+          <p:cNvSpPr txBox="1">
+            <a:spLocks/>
+          </p:cNvSpPr>
+          <p:nvPr/>
+        </p:nvSpPr>
+        <p:spPr>
+          <a:xfrm>
+            <a:off x="4480123" y="2997206"/>
+            <a:ext cx="1063511" cy="666063"/>
+          </a:xfrm>
+          <a:prstGeom prst="rect">
+            <a:avLst/>
+          </a:prstGeom>
+        </p:spPr>
+        <p:txBody>
+          <a:bodyPr vert="horz" lIns="91440" tIns="45720" rIns="91440" bIns="45720" rtlCol="0" anchor="ctr">
+            <a:noAutofit/>
+          </a:bodyPr>
+          <a:lstStyle>
+            <a:lvl1pPr algn="ctr" defTabSz="914400" rtl="0" eaLnBrk="1" latinLnBrk="0" hangingPunct="1">
+              <a:lnSpc>
+                <a:spcPct val="90000"/>
+              </a:lnSpc>
+              <a:spcBef>
+                <a:spcPct val="0"/>
+              </a:spcBef>
+              <a:buNone/>
+              <a:defRPr sz="6000" kern="1200">
+                <a:solidFill>
+                  <a:schemeClr val="tx1"/>
+                </a:solidFill>
+                <a:latin typeface="+mj-lt"/>
+                <a:ea typeface="+mj-ea"/>
+                <a:cs typeface="+mj-cs"/>
+              </a:defRPr>
+            </a:lvl1pPr>
+          </a:lstStyle>
+          <a:p>
+            <a:r>
+              <a:rPr lang="en-US" altLang="zh-CN" sz="3600" b="1" i="1" dirty="0">
+                <a:solidFill>
+                  <a:srgbClr val="F9DC3E"/>
+                </a:solidFill>
+                <a:latin typeface="Century Gothic" panose="020B0502020202020204" pitchFamily="34" charset="0"/>
+              </a:rPr>
+              <a:t>non</a:t>
+            </a:r>
+            <a:endParaRPr lang="zh-CN" altLang="en-US" sz="3600" b="1" i="1" dirty="0">
+              <a:solidFill>
+                <a:srgbClr val="F9DC3E"/>
+              </a:solidFill>
+              <a:latin typeface="Century Gothic" panose="020B0502020202020204" pitchFamily="34" charset="0"/>
+            </a:endParaRPr>
+          </a:p>
+        </p:txBody>
+      </p:sp>
+      <p:pic>
+        <p:nvPicPr>
+          <p:cNvPr id="18" name="Picture 2" descr="Image result for gevent logo"/>
+          <p:cNvPicPr>
+            <a:picLocks noChangeAspect="1" noChangeArrowheads="1"/>
+          </p:cNvPicPr>
+          <p:nvPr/>
+        </p:nvPicPr>
+        <p:blipFill>
+          <a:blip r:embed="rId4">
+            <a:duotone>
+              <a:schemeClr val="accent6">
+                <a:shade val="45000"/>
+                <a:satMod val="135000"/>
+              </a:schemeClr>
+              <a:prstClr val="white"/>
+            </a:duotone>
+            <a:extLst>
+              <a:ext uri="{28A0092B-C50C-407E-A947-70E740481C1C}">
+                <a14:useLocalDpi xmlns:a14="http://schemas.microsoft.com/office/drawing/2010/main" val="0"/>
+              </a:ext>
+            </a:extLst>
+          </a:blip>
+          <a:srcRect/>
+          <a:stretch>
+            <a:fillRect/>
+          </a:stretch>
+        </p:blipFill>
+        <p:spPr bwMode="auto">
+          <a:xfrm>
+            <a:off x="4331674" y="2805410"/>
+            <a:ext cx="3774581" cy="1715718"/>
+          </a:xfrm>
+          <a:prstGeom prst="rect">
+            <a:avLst/>
+          </a:prstGeom>
+          <a:noFill/>
+          <a:extLst>
+            <a:ext uri="{909E8E84-426E-40DD-AFC4-6F175D3DCCD1}">
+              <a14:hiddenFill xmlns:a14="http://schemas.microsoft.com/office/drawing/2010/main">
+                <a:solidFill>
+                  <a:srgbClr val="FFFFFF"/>
+                </a:solidFill>
+              </a14:hiddenFill>
+            </a:ext>
+          </a:extLst>
+        </p:spPr>
+      </p:pic>
+      <p:sp>
+        <p:nvSpPr>
+          <p:cNvPr id="19" name="Rectangle 18"/>
+          <p:cNvSpPr/>
+          <p:nvPr/>
+        </p:nvSpPr>
+        <p:spPr>
+          <a:xfrm>
+            <a:off x="3113578" y="3163509"/>
+            <a:ext cx="7119257" cy="461665"/>
+          </a:xfrm>
+          <a:prstGeom prst="rect">
+            <a:avLst/>
+          </a:prstGeom>
+        </p:spPr>
+        <p:txBody>
+          <a:bodyPr wrap="none">
+            <a:spAutoFit/>
+          </a:bodyPr>
+          <a:lstStyle/>
+          <a:p>
+            <a:r>
+              <a:rPr lang="en-US" altLang="zh-CN" sz="2400" dirty="0">
+                <a:solidFill>
+                  <a:srgbClr val="40AA54"/>
+                </a:solidFill>
+                <a:latin typeface="Consolas" panose="020B0609020204030204" pitchFamily="49" charset="0"/>
+                <a:ea typeface="Fira Code"/>
+              </a:rPr>
+              <a:t>➜</a:t>
+            </a:r>
+            <a:r>
+              <a:rPr lang="en-US" altLang="zh-CN" sz="2400" dirty="0">
+                <a:solidFill>
+                  <a:srgbClr val="A9B7C6"/>
+                </a:solidFill>
+                <a:latin typeface="Consolas" panose="020B0609020204030204" pitchFamily="49" charset="0"/>
+                <a:ea typeface="Fira Code"/>
+              </a:rPr>
+              <a:t> </a:t>
+            </a:r>
+            <a:r>
+              <a:rPr lang="en-US" altLang="zh-CN" sz="2400" dirty="0">
+                <a:solidFill>
+                  <a:srgbClr val="61DAFB"/>
+                </a:solidFill>
+                <a:latin typeface="Consolas" panose="020B0609020204030204" pitchFamily="49" charset="0"/>
+                <a:ea typeface="Fira Code"/>
+              </a:rPr>
+              <a:t>~</a:t>
+            </a:r>
+            <a:r>
+              <a:rPr lang="en-US" altLang="zh-CN" sz="2400" dirty="0">
+                <a:solidFill>
+                  <a:srgbClr val="A9B7C6"/>
+                </a:solidFill>
+                <a:latin typeface="Consolas" panose="020B0609020204030204" pitchFamily="49" charset="0"/>
+                <a:ea typeface="Fira Code"/>
+              </a:rPr>
+              <a:t> </a:t>
+            </a:r>
+            <a:r>
+              <a:rPr lang="en-US" altLang="zh-CN" sz="2400" dirty="0" err="1">
+                <a:solidFill>
+                  <a:srgbClr val="40AA54"/>
+                </a:solidFill>
+                <a:latin typeface="Consolas" panose="020B0609020204030204" pitchFamily="49" charset="0"/>
+                <a:ea typeface="Fira Code"/>
+              </a:rPr>
+              <a:t>gunicorn</a:t>
+            </a:r>
+            <a:r>
+              <a:rPr lang="zh-CN" altLang="en-US" sz="2400" dirty="0">
+                <a:solidFill>
+                  <a:srgbClr val="A9B7C6"/>
+                </a:solidFill>
+                <a:latin typeface="Consolas" panose="020B0609020204030204" pitchFamily="49" charset="0"/>
+                <a:ea typeface="Fira Code"/>
+              </a:rPr>
+              <a:t> </a:t>
+            </a:r>
+            <a:r>
+              <a:rPr lang="en-US" altLang="zh-CN" sz="2400" dirty="0">
+                <a:solidFill>
+                  <a:srgbClr val="A9B7C6"/>
+                </a:solidFill>
+                <a:latin typeface="Consolas" panose="020B0609020204030204" pitchFamily="49" charset="0"/>
+                <a:ea typeface="Fira Code"/>
+              </a:rPr>
+              <a:t>-w 4 -k </a:t>
+            </a:r>
+            <a:r>
+              <a:rPr lang="en-US" altLang="zh-CN" sz="2400" dirty="0" err="1">
+                <a:solidFill>
+                  <a:srgbClr val="F9DC3E"/>
+                </a:solidFill>
+                <a:latin typeface="Consolas" panose="020B0609020204030204" pitchFamily="49" charset="0"/>
+                <a:ea typeface="Fira Code"/>
+              </a:rPr>
+              <a:t>gevent</a:t>
+            </a:r>
+            <a:r>
+              <a:rPr lang="en-US" altLang="zh-CN" sz="2400" dirty="0">
+                <a:solidFill>
+                  <a:srgbClr val="A9B7C6"/>
+                </a:solidFill>
+                <a:latin typeface="Consolas" panose="020B0609020204030204" pitchFamily="49" charset="0"/>
+                <a:ea typeface="Fira Code"/>
+              </a:rPr>
+              <a:t> </a:t>
+            </a:r>
+            <a:r>
+              <a:rPr lang="en-US" altLang="zh-CN" sz="2400" dirty="0" err="1">
+                <a:solidFill>
+                  <a:srgbClr val="A9B7C6"/>
+                </a:solidFill>
+                <a:latin typeface="Consolas" panose="020B0609020204030204" pitchFamily="49" charset="0"/>
+                <a:ea typeface="Fira Code"/>
+              </a:rPr>
+              <a:t>ahServer:app</a:t>
+            </a:r>
+            <a:endParaRPr lang="zh-CN" altLang="en-US" sz="2400" dirty="0">
+              <a:solidFill>
+                <a:srgbClr val="A9B7C6"/>
+              </a:solidFill>
+              <a:latin typeface="Consolas" panose="020B0609020204030204" pitchFamily="49" charset="0"/>
+              <a:ea typeface="Fira Code"/>
+            </a:endParaRPr>
+          </a:p>
+        </p:txBody>
+      </p:sp>
+      <p:sp>
+        <p:nvSpPr>
+          <p:cNvPr id="20" name="Rectangle 19"/>
+          <p:cNvSpPr/>
+          <p:nvPr/>
+        </p:nvSpPr>
+        <p:spPr>
+          <a:xfrm>
+            <a:off x="4168723" y="1139870"/>
+            <a:ext cx="4907369" cy="4508927"/>
+          </a:xfrm>
+          <a:prstGeom prst="rect">
+            <a:avLst/>
+          </a:prstGeom>
+          <a:noFill/>
+        </p:spPr>
+        <p:txBody>
+          <a:bodyPr wrap="square">
+            <a:spAutoFit/>
+          </a:bodyPr>
+          <a:lstStyle/>
+          <a:p>
+            <a:pPr algn="ctr"/>
+            <a:r>
+              <a:rPr lang="en-US" altLang="zh-CN" sz="28700" b="1" dirty="0">
+                <a:solidFill>
+                  <a:srgbClr val="00D8FF">
+                    <a:alpha val="34000"/>
+                  </a:srgbClr>
+                </a:solidFill>
+                <a:latin typeface="Consolas" panose="020B0609020204030204" pitchFamily="49" charset="0"/>
+              </a:rPr>
+              <a:t>36</a:t>
+            </a:r>
+            <a:r>
+              <a:rPr lang="en-US" altLang="zh-CN" sz="2800" b="1" dirty="0">
+                <a:solidFill>
+                  <a:schemeClr val="bg1">
+                    <a:alpha val="34000"/>
+                  </a:schemeClr>
+                </a:solidFill>
+                <a:latin typeface="Consolas" panose="020B0609020204030204" pitchFamily="49" charset="0"/>
+              </a:rPr>
+              <a:t>rps</a:t>
+            </a:r>
+            <a:endParaRPr lang="zh-CN" altLang="en-US" sz="19900" b="1" dirty="0">
+              <a:solidFill>
+                <a:schemeClr val="bg1">
+                  <a:alpha val="34000"/>
+                </a:schemeClr>
+              </a:solidFill>
+            </a:endParaRPr>
+          </a:p>
+        </p:txBody>
+      </p:sp>
+      <p:sp>
+        <p:nvSpPr>
+          <p:cNvPr id="21" name="Title 1"/>
+          <p:cNvSpPr txBox="1">
+            <a:spLocks/>
+          </p:cNvSpPr>
+          <p:nvPr/>
+        </p:nvSpPr>
+        <p:spPr>
+          <a:xfrm>
+            <a:off x="5114489" y="2664174"/>
+            <a:ext cx="2194717" cy="666063"/>
+          </a:xfrm>
+          <a:prstGeom prst="rect">
+            <a:avLst/>
+          </a:prstGeom>
+        </p:spPr>
+        <p:txBody>
+          <a:bodyPr vert="horz" lIns="91440" tIns="45720" rIns="91440" bIns="45720" rtlCol="0" anchor="ctr">
+            <a:normAutofit/>
+          </a:bodyPr>
+          <a:lstStyle>
+            <a:lvl1pPr algn="ctr" defTabSz="914400" rtl="0" eaLnBrk="1" latinLnBrk="0" hangingPunct="1">
+              <a:lnSpc>
+                <a:spcPct val="90000"/>
+              </a:lnSpc>
+              <a:spcBef>
+                <a:spcPct val="0"/>
+              </a:spcBef>
+              <a:buNone/>
+              <a:defRPr sz="6000" kern="1200">
+                <a:solidFill>
+                  <a:schemeClr val="tx1"/>
+                </a:solidFill>
+                <a:latin typeface="+mj-lt"/>
+                <a:ea typeface="+mj-ea"/>
+                <a:cs typeface="+mj-cs"/>
+              </a:defRPr>
+            </a:lvl1pPr>
+          </a:lstStyle>
+          <a:p>
+            <a:r>
+              <a:rPr lang="en-US" altLang="zh-CN" sz="3200" b="1" i="1" dirty="0" err="1">
+                <a:solidFill>
+                  <a:srgbClr val="61DAFB"/>
+                </a:solidFill>
+                <a:latin typeface="Century Gothic" panose="020B0502020202020204" pitchFamily="34" charset="0"/>
+              </a:rPr>
+              <a:t>Gevent</a:t>
+            </a:r>
+            <a:endParaRPr lang="zh-CN" altLang="en-US" sz="3200" b="1" i="1" dirty="0">
+              <a:solidFill>
+                <a:srgbClr val="61DAFB"/>
+              </a:solidFill>
+              <a:latin typeface="Century Gothic" panose="020B0502020202020204" pitchFamily="34" charset="0"/>
+            </a:endParaRPr>
+          </a:p>
+        </p:txBody>
+      </p:sp>
+      <p:grpSp>
+        <p:nvGrpSpPr>
+          <p:cNvPr id="22" name="Group 21"/>
+          <p:cNvGrpSpPr/>
+          <p:nvPr/>
+        </p:nvGrpSpPr>
+        <p:grpSpPr>
+          <a:xfrm>
+            <a:off x="5707716" y="3441988"/>
+            <a:ext cx="1305428" cy="484321"/>
+            <a:chOff x="5514473" y="5621810"/>
+            <a:chExt cx="1305428" cy="484321"/>
+          </a:xfrm>
+        </p:grpSpPr>
+        <p:pic>
+          <p:nvPicPr>
+            <p:cNvPr id="23" name="Picture 22"/>
+            <p:cNvPicPr>
+              <a:picLocks noChangeAspect="1"/>
+            </p:cNvPicPr>
+            <p:nvPr/>
+          </p:nvPicPr>
+          <p:blipFill>
+            <a:blip r:embed="rId5">
+              <a:extLst>
+                <a:ext uri="{28A0092B-C50C-407E-A947-70E740481C1C}">
+                  <a14:useLocalDpi xmlns:a14="http://schemas.microsoft.com/office/drawing/2010/main" val="0"/>
+                </a:ext>
+              </a:extLst>
+            </a:blip>
+            <a:stretch>
+              <a:fillRect/>
+            </a:stretch>
+          </p:blipFill>
+          <p:spPr>
+            <a:xfrm>
+              <a:off x="5514473" y="5621810"/>
+              <a:ext cx="458921" cy="458921"/>
+            </a:xfrm>
+            <a:prstGeom prst="rect">
+              <a:avLst/>
+            </a:prstGeom>
+          </p:spPr>
+        </p:pic>
+        <p:sp>
+          <p:nvSpPr>
+            <p:cNvPr id="25" name="Title 1"/>
+            <p:cNvSpPr txBox="1">
+              <a:spLocks/>
+            </p:cNvSpPr>
+            <p:nvPr/>
+          </p:nvSpPr>
+          <p:spPr>
+            <a:xfrm>
+              <a:off x="5967501" y="5647210"/>
+              <a:ext cx="852400" cy="458921"/>
+            </a:xfrm>
+            <a:prstGeom prst="rect">
+              <a:avLst/>
+            </a:prstGeom>
+          </p:spPr>
+          <p:txBody>
+            <a:bodyPr vert="horz" lIns="91440" tIns="45720" rIns="91440" bIns="45720" rtlCol="0" anchor="ctr">
+              <a:normAutofit/>
+            </a:bodyPr>
+            <a:lstStyle>
+              <a:lvl1pPr algn="ctr" defTabSz="914400" rtl="0" eaLnBrk="1" latinLnBrk="0" hangingPunct="1">
+                <a:lnSpc>
+                  <a:spcPct val="90000"/>
+                </a:lnSpc>
+                <a:spcBef>
+                  <a:spcPct val="0"/>
+                </a:spcBef>
+                <a:buNone/>
+                <a:defRPr sz="6000" kern="1200">
+                  <a:solidFill>
+                    <a:schemeClr val="tx1"/>
+                  </a:solidFill>
+                  <a:latin typeface="+mj-lt"/>
+                  <a:ea typeface="+mj-ea"/>
+                  <a:cs typeface="+mj-cs"/>
+                </a:defRPr>
+              </a:lvl1pPr>
+            </a:lstStyle>
+            <a:p>
+              <a:pPr algn="l"/>
+              <a:r>
+                <a:rPr lang="en-US" altLang="zh-CN" sz="2000" i="1" dirty="0">
+                  <a:solidFill>
+                    <a:schemeClr val="bg1"/>
+                  </a:solidFill>
+                  <a:latin typeface="Century Gothic" panose="020B0502020202020204" pitchFamily="34" charset="0"/>
+                </a:rPr>
+                <a:t>3.6k</a:t>
+              </a:r>
+              <a:endParaRPr lang="zh-CN" altLang="en-US" sz="2000" i="1" dirty="0">
+                <a:solidFill>
+                  <a:schemeClr val="bg1"/>
+                </a:solidFill>
+                <a:latin typeface="Century Gothic" panose="020B0502020202020204" pitchFamily="34" charset="0"/>
+              </a:endParaRPr>
+            </a:p>
+          </p:txBody>
+        </p:sp>
+      </p:grpSp>
+    </p:spTree>
+    <p:extLst>
+      <p:ext uri="{BB962C8B-B14F-4D97-AF65-F5344CB8AC3E}">
+        <p14:creationId xmlns:p14="http://schemas.microsoft.com/office/powerpoint/2010/main" val="2597765202"/>
+      </p:ext>
+    </p:extLst>
+  </p:cSld>
+  <p:clrMapOvr>
+    <a:masterClrMapping/>
+  </p:clrMapOvr>
+  <p:transition spd="slow">
+    <p:push/>
+  </p:transition>
+  <p:timing>
+    <p:tnLst>
+      <p:par>
+        <p:cTn id="1" dur="indefinite" restart="never" nodeType="tmRoot">
+          <p:childTnLst>
+            <p:seq concurrent="1" nextAc="seek">
+              <p:cTn id="2" dur="indefinite" nodeType="mainSeq">
+                <p:childTnLst>
+                  <p:par>
+                    <p:cTn id="3" fill="hold">
+                      <p:stCondLst>
+                        <p:cond delay="indefinite"/>
+                      </p:stCondLst>
+                      <p:childTnLst>
+                        <p:par>
+                          <p:cTn id="4" fill="hold">
+                            <p:stCondLst>
+                              <p:cond delay="0"/>
+                            </p:stCondLst>
+                            <p:childTnLst>
+                              <p:par>
+                                <p:cTn id="5" presetID="10" presetClass="entr" presetSubtype="0" fill="hold" grpId="0" nodeType="clickEffect">
+                                  <p:stCondLst>
+                                    <p:cond delay="0"/>
+                                  </p:stCondLst>
+                                  <p:childTnLst>
+                                    <p:set>
+                                      <p:cBhvr>
+                                        <p:cTn id="6" dur="1" fill="hold">
+                                          <p:stCondLst>
+                                            <p:cond delay="0"/>
+                                          </p:stCondLst>
+                                        </p:cTn>
+                                        <p:tgtEl>
+                                          <p:spTgt spid="16"/>
+                                        </p:tgtEl>
+                                        <p:attrNameLst>
+                                          <p:attrName>style.visibility</p:attrName>
+                                        </p:attrNameLst>
+                                      </p:cBhvr>
+                                      <p:to>
+                                        <p:strVal val="visible"/>
+                                      </p:to>
+                                    </p:set>
+                                    <p:animEffect transition="in" filter="fade">
+                                      <p:cBhvr>
+                                        <p:cTn id="7" dur="500"/>
+                                        <p:tgtEl>
+                                          <p:spTgt spid="16"/>
+                                        </p:tgtEl>
+                                      </p:cBhvr>
+                                    </p:animEffect>
+                                  </p:childTnLst>
+                                </p:cTn>
+                              </p:par>
+                            </p:childTnLst>
+                          </p:cTn>
+                        </p:par>
+                      </p:childTnLst>
+                    </p:cTn>
+                  </p:par>
+                  <p:par>
+                    <p:cTn id="8" fill="hold">
+                      <p:stCondLst>
+                        <p:cond delay="indefinite"/>
+                      </p:stCondLst>
+                      <p:childTnLst>
+                        <p:par>
+                          <p:cTn id="9" fill="hold">
+                            <p:stCondLst>
+                              <p:cond delay="0"/>
+                            </p:stCondLst>
+                            <p:childTnLst>
+                              <p:par>
+                                <p:cTn id="10" presetID="64" presetClass="path" presetSubtype="0" accel="50000" decel="50000" fill="hold" grpId="1" nodeType="clickEffect">
+                                  <p:stCondLst>
+                                    <p:cond delay="0"/>
+                                  </p:stCondLst>
+                                  <p:childTnLst>
+                                    <p:animMotion origin="layout" path="M 2.29167E-6 1.85185E-6 L 2.29167E-6 -0.14028 " pathEditMode="relative" rAng="0" ptsTypes="AA">
+                                      <p:cBhvr>
+                                        <p:cTn id="11" dur="1000" fill="hold"/>
+                                        <p:tgtEl>
+                                          <p:spTgt spid="16"/>
+                                        </p:tgtEl>
+                                        <p:attrNameLst>
+                                          <p:attrName>ppt_x</p:attrName>
+                                          <p:attrName>ppt_y</p:attrName>
+                                        </p:attrNameLst>
+                                      </p:cBhvr>
+                                      <p:rCtr x="0" y="-7014"/>
+                                    </p:animMotion>
+                                  </p:childTnLst>
+                                </p:cTn>
+                              </p:par>
+                              <p:par>
+                                <p:cTn id="12" presetID="64" presetClass="path" presetSubtype="0" accel="50000" decel="50000" fill="hold" grpId="0" nodeType="withEffect">
+                                  <p:stCondLst>
+                                    <p:cond delay="0"/>
+                                  </p:stCondLst>
+                                  <p:childTnLst>
+                                    <p:animMotion origin="layout" path="M 3.33333E-6 1.85185E-6 L 3.33333E-6 -0.14028 " pathEditMode="relative" rAng="0" ptsTypes="AA">
+                                      <p:cBhvr>
+                                        <p:cTn id="13" dur="1000" fill="hold"/>
+                                        <p:tgtEl>
+                                          <p:spTgt spid="15"/>
+                                        </p:tgtEl>
+                                        <p:attrNameLst>
+                                          <p:attrName>ppt_x</p:attrName>
+                                          <p:attrName>ppt_y</p:attrName>
+                                        </p:attrNameLst>
+                                      </p:cBhvr>
+                                      <p:rCtr x="0" y="-7014"/>
+                                    </p:animMotion>
+                                  </p:childTnLst>
+                                </p:cTn>
+                              </p:par>
+                              <p:par>
+                                <p:cTn id="14" presetID="53" presetClass="entr" presetSubtype="16" fill="hold" nodeType="withEffect">
+                                  <p:stCondLst>
+                                    <p:cond delay="500"/>
+                                  </p:stCondLst>
+                                  <p:childTnLst>
+                                    <p:set>
+                                      <p:cBhvr>
+                                        <p:cTn id="15" dur="1" fill="hold">
+                                          <p:stCondLst>
+                                            <p:cond delay="0"/>
+                                          </p:stCondLst>
+                                        </p:cTn>
+                                        <p:tgtEl>
+                                          <p:spTgt spid="18"/>
+                                        </p:tgtEl>
+                                        <p:attrNameLst>
+                                          <p:attrName>style.visibility</p:attrName>
+                                        </p:attrNameLst>
+                                      </p:cBhvr>
+                                      <p:to>
+                                        <p:strVal val="visible"/>
+                                      </p:to>
+                                    </p:set>
+                                    <p:anim calcmode="lin" valueType="num">
+                                      <p:cBhvr>
+                                        <p:cTn id="16" dur="500" fill="hold"/>
+                                        <p:tgtEl>
+                                          <p:spTgt spid="18"/>
+                                        </p:tgtEl>
+                                        <p:attrNameLst>
+                                          <p:attrName>ppt_w</p:attrName>
+                                        </p:attrNameLst>
+                                      </p:cBhvr>
+                                      <p:tavLst>
+                                        <p:tav tm="0">
+                                          <p:val>
+                                            <p:fltVal val="0"/>
+                                          </p:val>
+                                        </p:tav>
+                                        <p:tav tm="100000">
+                                          <p:val>
+                                            <p:strVal val="#ppt_w"/>
+                                          </p:val>
+                                        </p:tav>
+                                      </p:tavLst>
+                                    </p:anim>
+                                    <p:anim calcmode="lin" valueType="num">
+                                      <p:cBhvr>
+                                        <p:cTn id="17" dur="500" fill="hold"/>
+                                        <p:tgtEl>
+                                          <p:spTgt spid="18"/>
+                                        </p:tgtEl>
+                                        <p:attrNameLst>
+                                          <p:attrName>ppt_h</p:attrName>
+                                        </p:attrNameLst>
+                                      </p:cBhvr>
+                                      <p:tavLst>
+                                        <p:tav tm="0">
+                                          <p:val>
+                                            <p:fltVal val="0"/>
+                                          </p:val>
+                                        </p:tav>
+                                        <p:tav tm="100000">
+                                          <p:val>
+                                            <p:strVal val="#ppt_h"/>
+                                          </p:val>
+                                        </p:tav>
+                                      </p:tavLst>
+                                    </p:anim>
+                                    <p:animEffect transition="in" filter="fade">
+                                      <p:cBhvr>
+                                        <p:cTn id="18" dur="500"/>
+                                        <p:tgtEl>
+                                          <p:spTgt spid="18"/>
+                                        </p:tgtEl>
+                                      </p:cBhvr>
+                                    </p:animEffect>
+                                  </p:childTnLst>
+                                </p:cTn>
+                              </p:par>
+                            </p:childTnLst>
+                          </p:cTn>
+                        </p:par>
+                      </p:childTnLst>
+                    </p:cTn>
+                  </p:par>
+                  <p:par>
+                    <p:cTn id="19" fill="hold">
+                      <p:stCondLst>
+                        <p:cond delay="indefinite"/>
+                      </p:stCondLst>
+                      <p:childTnLst>
+                        <p:par>
+                          <p:cTn id="20" fill="hold">
+                            <p:stCondLst>
+                              <p:cond delay="0"/>
+                            </p:stCondLst>
+                            <p:childTnLst>
+                              <p:par>
+                                <p:cTn id="21" presetID="1" presetClass="exit" presetSubtype="0" fill="hold" grpId="2" nodeType="clickEffect">
+                                  <p:stCondLst>
+                                    <p:cond delay="0"/>
+                                  </p:stCondLst>
+                                  <p:childTnLst>
+                                    <p:set>
+                                      <p:cBhvr>
+                                        <p:cTn id="22" dur="1" fill="hold">
+                                          <p:stCondLst>
+                                            <p:cond delay="0"/>
+                                          </p:stCondLst>
+                                        </p:cTn>
+                                        <p:tgtEl>
+                                          <p:spTgt spid="16"/>
+                                        </p:tgtEl>
+                                        <p:attrNameLst>
+                                          <p:attrName>style.visibility</p:attrName>
+                                        </p:attrNameLst>
+                                      </p:cBhvr>
+                                      <p:to>
+                                        <p:strVal val="hidden"/>
+                                      </p:to>
+                                    </p:set>
+                                  </p:childTnLst>
+                                </p:cTn>
+                              </p:par>
+                              <p:par>
+                                <p:cTn id="23" presetID="1" presetClass="exit" presetSubtype="0" fill="hold" grpId="1" nodeType="withEffect">
+                                  <p:stCondLst>
+                                    <p:cond delay="0"/>
+                                  </p:stCondLst>
+                                  <p:childTnLst>
+                                    <p:set>
+                                      <p:cBhvr>
+                                        <p:cTn id="24" dur="1" fill="hold">
+                                          <p:stCondLst>
+                                            <p:cond delay="0"/>
+                                          </p:stCondLst>
+                                        </p:cTn>
+                                        <p:tgtEl>
+                                          <p:spTgt spid="15"/>
+                                        </p:tgtEl>
+                                        <p:attrNameLst>
+                                          <p:attrName>style.visibility</p:attrName>
+                                        </p:attrNameLst>
+                                      </p:cBhvr>
+                                      <p:to>
+                                        <p:strVal val="hidden"/>
+                                      </p:to>
+                                    </p:set>
+                                  </p:childTnLst>
+                                </p:cTn>
+                              </p:par>
+                              <p:par>
+                                <p:cTn id="25" presetID="1" presetClass="exit" presetSubtype="0" fill="hold" nodeType="withEffect">
+                                  <p:stCondLst>
+                                    <p:cond delay="0"/>
+                                  </p:stCondLst>
+                                  <p:childTnLst>
+                                    <p:set>
+                                      <p:cBhvr>
+                                        <p:cTn id="26" dur="1" fill="hold">
+                                          <p:stCondLst>
+                                            <p:cond delay="0"/>
+                                          </p:stCondLst>
+                                        </p:cTn>
+                                        <p:tgtEl>
+                                          <p:spTgt spid="18"/>
+                                        </p:tgtEl>
+                                        <p:attrNameLst>
+                                          <p:attrName>style.visibility</p:attrName>
+                                        </p:attrNameLst>
+                                      </p:cBhvr>
+                                      <p:to>
+                                        <p:strVal val="hidden"/>
+                                      </p:to>
+                                    </p:set>
+                                  </p:childTnLst>
+                                </p:cTn>
+                              </p:par>
+                            </p:childTnLst>
+                          </p:cTn>
+                        </p:par>
+                        <p:par>
+                          <p:cTn id="27" fill="hold">
+                            <p:stCondLst>
+                              <p:cond delay="0"/>
+                            </p:stCondLst>
+                            <p:childTnLst>
+                              <p:par>
+                                <p:cTn id="28" presetID="10" presetClass="entr" presetSubtype="0" fill="hold" grpId="0" nodeType="afterEffect">
+                                  <p:stCondLst>
+                                    <p:cond delay="0"/>
+                                  </p:stCondLst>
+                                  <p:childTnLst>
+                                    <p:set>
+                                      <p:cBhvr>
+                                        <p:cTn id="29" dur="1" fill="hold">
+                                          <p:stCondLst>
+                                            <p:cond delay="0"/>
+                                          </p:stCondLst>
+                                        </p:cTn>
+                                        <p:tgtEl>
+                                          <p:spTgt spid="19"/>
+                                        </p:tgtEl>
+                                        <p:attrNameLst>
+                                          <p:attrName>style.visibility</p:attrName>
+                                        </p:attrNameLst>
+                                      </p:cBhvr>
+                                      <p:to>
+                                        <p:strVal val="visible"/>
+                                      </p:to>
+                                    </p:set>
+                                    <p:animEffect transition="in" filter="fade">
+                                      <p:cBhvr>
+                                        <p:cTn id="30" dur="500"/>
+                                        <p:tgtEl>
+                                          <p:spTgt spid="19"/>
+                                        </p:tgtEl>
+                                      </p:cBhvr>
+                                    </p:animEffect>
+                                  </p:childTnLst>
+                                </p:cTn>
+                              </p:par>
+                            </p:childTnLst>
+                          </p:cTn>
+                        </p:par>
+                      </p:childTnLst>
+                    </p:cTn>
+                  </p:par>
+                  <p:par>
+                    <p:cTn id="31" fill="hold">
+                      <p:stCondLst>
+                        <p:cond delay="indefinite"/>
+                      </p:stCondLst>
+                      <p:childTnLst>
+                        <p:par>
+                          <p:cTn id="32" fill="hold">
+                            <p:stCondLst>
+                              <p:cond delay="0"/>
+                            </p:stCondLst>
+                            <p:childTnLst>
+                              <p:par>
+                                <p:cTn id="33" presetID="10" presetClass="entr" presetSubtype="0" fill="hold" grpId="0" nodeType="clickEffect">
+                                  <p:stCondLst>
+                                    <p:cond delay="0"/>
+                                  </p:stCondLst>
+                                  <p:childTnLst>
+                                    <p:set>
+                                      <p:cBhvr>
+                                        <p:cTn id="34" dur="1" fill="hold">
+                                          <p:stCondLst>
+                                            <p:cond delay="0"/>
+                                          </p:stCondLst>
+                                        </p:cTn>
+                                        <p:tgtEl>
+                                          <p:spTgt spid="20"/>
+                                        </p:tgtEl>
+                                        <p:attrNameLst>
+                                          <p:attrName>style.visibility</p:attrName>
+                                        </p:attrNameLst>
+                                      </p:cBhvr>
+                                      <p:to>
+                                        <p:strVal val="visible"/>
+                                      </p:to>
+                                    </p:set>
+                                    <p:animEffect transition="in" filter="fade">
+                                      <p:cBhvr>
+                                        <p:cTn id="35" dur="500"/>
+                                        <p:tgtEl>
+                                          <p:spTgt spid="20"/>
+                                        </p:tgtEl>
+                                      </p:cBhvr>
+                                    </p:animEffect>
+                                  </p:childTnLst>
+                                </p:cTn>
+                              </p:par>
+                            </p:childTnLst>
+                          </p:cTn>
+                        </p:par>
+                      </p:childTnLst>
+                    </p:cTn>
+                  </p:par>
+                  <p:par>
+                    <p:cTn id="36" fill="hold">
+                      <p:stCondLst>
+                        <p:cond delay="indefinite"/>
+                      </p:stCondLst>
+                      <p:childTnLst>
+                        <p:par>
+                          <p:cTn id="37" fill="hold">
+                            <p:stCondLst>
+                              <p:cond delay="0"/>
+                            </p:stCondLst>
+                            <p:childTnLst>
+                              <p:par>
+                                <p:cTn id="38" presetID="10" presetClass="exit" presetSubtype="0" fill="hold" grpId="1" nodeType="clickEffect">
+                                  <p:stCondLst>
+                                    <p:cond delay="0"/>
+                                  </p:stCondLst>
+                                  <p:childTnLst>
+                                    <p:animEffect transition="out" filter="fade">
+                                      <p:cBhvr>
+                                        <p:cTn id="39" dur="500"/>
+                                        <p:tgtEl>
+                                          <p:spTgt spid="19"/>
+                                        </p:tgtEl>
+                                      </p:cBhvr>
+                                    </p:animEffect>
+                                    <p:set>
+                                      <p:cBhvr>
+                                        <p:cTn id="40" dur="1" fill="hold">
+                                          <p:stCondLst>
+                                            <p:cond delay="499"/>
+                                          </p:stCondLst>
+                                        </p:cTn>
+                                        <p:tgtEl>
+                                          <p:spTgt spid="19"/>
+                                        </p:tgtEl>
+                                        <p:attrNameLst>
+                                          <p:attrName>style.visibility</p:attrName>
+                                        </p:attrNameLst>
+                                      </p:cBhvr>
+                                      <p:to>
+                                        <p:strVal val="hidden"/>
+                                      </p:to>
+                                    </p:set>
+                                  </p:childTnLst>
+                                </p:cTn>
+                              </p:par>
+                              <p:par>
+                                <p:cTn id="41" presetID="10" presetClass="exit" presetSubtype="0" fill="hold" grpId="1" nodeType="withEffect">
+                                  <p:stCondLst>
+                                    <p:cond delay="0"/>
+                                  </p:stCondLst>
+                                  <p:childTnLst>
+                                    <p:animEffect transition="out" filter="fade">
+                                      <p:cBhvr>
+                                        <p:cTn id="42" dur="500"/>
+                                        <p:tgtEl>
+                                          <p:spTgt spid="20"/>
+                                        </p:tgtEl>
+                                      </p:cBhvr>
+                                    </p:animEffect>
+                                    <p:set>
+                                      <p:cBhvr>
+                                        <p:cTn id="43" dur="1" fill="hold">
+                                          <p:stCondLst>
+                                            <p:cond delay="499"/>
+                                          </p:stCondLst>
+                                        </p:cTn>
+                                        <p:tgtEl>
+                                          <p:spTgt spid="20"/>
+                                        </p:tgtEl>
+                                        <p:attrNameLst>
+                                          <p:attrName>style.visibility</p:attrName>
+                                        </p:attrNameLst>
+                                      </p:cBhvr>
+                                      <p:to>
+                                        <p:strVal val="hidden"/>
+                                      </p:to>
+                                    </p:set>
+                                  </p:childTnLst>
+                                </p:cTn>
+                              </p:par>
+                            </p:childTnLst>
+                          </p:cTn>
+                        </p:par>
+                        <p:par>
+                          <p:cTn id="44" fill="hold">
+                            <p:stCondLst>
+                              <p:cond delay="500"/>
+                            </p:stCondLst>
+                            <p:childTnLst>
+                              <p:par>
+                                <p:cTn id="45" presetID="1" presetClass="entr" presetSubtype="0" fill="hold" grpId="0" nodeType="afterEffect">
+                                  <p:stCondLst>
+                                    <p:cond delay="0"/>
+                                  </p:stCondLst>
+                                  <p:childTnLst>
+                                    <p:set>
+                                      <p:cBhvr>
+                                        <p:cTn id="46" dur="1" fill="hold">
+                                          <p:stCondLst>
+                                            <p:cond delay="0"/>
+                                          </p:stCondLst>
+                                        </p:cTn>
+                                        <p:tgtEl>
+                                          <p:spTgt spid="21"/>
+                                        </p:tgtEl>
+                                        <p:attrNameLst>
+                                          <p:attrName>style.visibility</p:attrName>
+                                        </p:attrNameLst>
+                                      </p:cBhvr>
+                                      <p:to>
+                                        <p:strVal val="visible"/>
+                                      </p:to>
+                                    </p:set>
+                                  </p:childTnLst>
+                                </p:cTn>
+                              </p:par>
+                            </p:childTnLst>
+                          </p:cTn>
+                        </p:par>
+                        <p:par>
+                          <p:cTn id="47" fill="hold">
+                            <p:stCondLst>
+                              <p:cond delay="500"/>
+                            </p:stCondLst>
+                            <p:childTnLst>
+                              <p:par>
+                                <p:cTn id="48" presetID="1" presetClass="entr" presetSubtype="0" fill="hold" nodeType="afterEffect">
+                                  <p:stCondLst>
+                                    <p:cond delay="500"/>
+                                  </p:stCondLst>
+                                  <p:childTnLst>
+                                    <p:set>
+                                      <p:cBhvr>
+                                        <p:cTn id="49" dur="1" fill="hold">
+                                          <p:stCondLst>
+                                            <p:cond delay="0"/>
+                                          </p:stCondLst>
+                                        </p:cTn>
+                                        <p:tgtEl>
+                                          <p:spTgt spid="22"/>
+                                        </p:tgtEl>
+                                        <p:attrNameLst>
+                                          <p:attrName>style.visibility</p:attrName>
+                                        </p:attrNameLst>
+                                      </p:cBhvr>
+                                      <p:to>
+                                        <p:strVal val="visible"/>
+                                      </p:to>
+                                    </p:set>
+                                  </p:childTnLst>
+                                </p:cTn>
+                              </p:par>
+                            </p:childTnLst>
+                          </p:cTn>
+                        </p:par>
+                      </p:childTnLst>
+                    </p:cTn>
+                  </p:par>
+                </p:childTnLst>
+              </p:cTn>
+              <p:prevCondLst>
+                <p:cond evt="onPrev" delay="0">
+                  <p:tgtEl>
+                    <p:sldTgt/>
+                  </p:tgtEl>
+                </p:cond>
+              </p:prevCondLst>
+              <p:nextCondLst>
+                <p:cond evt="onNext" delay="0">
+                  <p:tgtEl>
+                    <p:sldTgt/>
+                  </p:tgtEl>
+                </p:cond>
+              </p:nextCondLst>
+            </p:seq>
+          </p:childTnLst>
+        </p:cTn>
+      </p:par>
+    </p:tnLst>
+    <p:bldLst>
+      <p:bldP spid="15" grpId="0"/>
+      <p:bldP spid="15" grpId="1"/>
+      <p:bldP spid="16" grpId="0"/>
+      <p:bldP spid="16" grpId="1"/>
+      <p:bldP spid="16" grpId="2"/>
+      <p:bldP spid="19" grpId="0"/>
+      <p:bldP spid="19" grpId="1"/>
+      <p:bldP spid="20" grpId="0"/>
+      <p:bldP spid="20" grpId="1"/>
+      <p:bldP spid="21" grpId="0"/>
+    </p:bldLst>
+  </p:timing>
+</p:sld>
+</file>
+
+<file path=ppt/slides/slide13.xml><?xml version="1.0" encoding="utf-8"?>
+<p:sld xmlns:a="http://schemas.openxmlformats.org/drawingml/2006/main" xmlns:r="http://schemas.openxmlformats.org/officeDocument/2006/relationships" xmlns:p="http://schemas.openxmlformats.org/presentationml/2006/main">
+  <p:cSld>
+    <p:spTree>
+      <p:nvGrpSpPr>
+        <p:cNvPr id="1" name=""/>
+        <p:cNvGrpSpPr/>
+        <p:nvPr/>
+      </p:nvGrpSpPr>
+      <p:grpSpPr>
+        <a:xfrm>
+          <a:off x="0" y="0"/>
+          <a:ext cx="0" cy="0"/>
+          <a:chOff x="0" y="0"/>
+          <a:chExt cx="0" cy="0"/>
+        </a:xfrm>
+      </p:grpSpPr>
+      <p:sp>
+        <p:nvSpPr>
+          <p:cNvPr id="6" name="Rectangle 9"/>
+          <p:cNvSpPr>
+            <a:spLocks noChangeArrowheads="1"/>
+          </p:cNvSpPr>
+          <p:nvPr/>
+        </p:nvSpPr>
+        <p:spPr bwMode="auto">
+          <a:xfrm>
+            <a:off x="2831623" y="1808815"/>
+            <a:ext cx="7478329" cy="4031873"/>
+          </a:xfrm>
+          <a:prstGeom prst="rect">
+            <a:avLst/>
+          </a:prstGeom>
+          <a:noFill/>
+          <a:ln>
+            <a:noFill/>
+          </a:ln>
+          <a:effectLst/>
+        </p:spPr>
+        <p:txBody>
+          <a:bodyPr vert="horz" wrap="none" lIns="91440" tIns="45720" rIns="91440" bIns="45720" numCol="1" anchor="ctr" anchorCtr="0" compatLnSpc="1">
+            <a:prstTxWarp prst="textNoShape">
+              <a:avLst/>
+            </a:prstTxWarp>
+            <a:spAutoFit/>
+          </a:bodyPr>
+          <a:lstStyle/>
+          <a:p>
+            <a:pPr lvl="0" eaLnBrk="0" fontAlgn="base" hangingPunct="0">
+              <a:spcBef>
+                <a:spcPct val="0"/>
+              </a:spcBef>
+              <a:spcAft>
+                <a:spcPct val="0"/>
+              </a:spcAft>
+            </a:pPr>
+            <a:r>
+              <a:rPr kumimoji="0" lang="zh-CN" altLang="zh-CN" sz="1600" b="1" i="0" u="none" strike="noStrike" cap="none" normalizeH="0" baseline="0" dirty="0">
+                <a:ln>
+                  <a:noFill/>
+                </a:ln>
+                <a:solidFill>
+                  <a:srgbClr val="CC7832"/>
+                </a:solidFill>
+                <a:effectLst/>
+                <a:latin typeface="Consolas" panose="020B0609020204030204" pitchFamily="49" charset="0"/>
+                <a:ea typeface="Fira Code"/>
+              </a:rPr>
+              <a:t>class </a:t>
+            </a:r>
+            <a:r>
+              <a:rPr kumimoji="0" lang="zh-CN" altLang="zh-CN" sz="1600" b="1" i="0" u="none" strike="noStrike" cap="none" normalizeH="0" baseline="0" dirty="0">
+                <a:ln>
+                  <a:noFill/>
+                </a:ln>
+                <a:solidFill>
+                  <a:srgbClr val="A9B7C6"/>
+                </a:solidFill>
+                <a:effectLst/>
+                <a:latin typeface="Consolas" panose="020B0609020204030204" pitchFamily="49" charset="0"/>
+                <a:ea typeface="Fira Code"/>
+              </a:rPr>
+              <a:t>advocatorInfoHandler</a:t>
+            </a:r>
+            <a:r>
+              <a:rPr kumimoji="0" lang="zh-CN" altLang="zh-CN" sz="1600" b="0" i="0" u="none" strike="noStrike" cap="none" normalizeH="0" baseline="0" dirty="0">
+                <a:ln>
+                  <a:noFill/>
+                </a:ln>
+                <a:solidFill>
+                  <a:srgbClr val="A9B7C6"/>
+                </a:solidFill>
+                <a:effectLst/>
+                <a:latin typeface="Consolas" panose="020B0609020204030204" pitchFamily="49" charset="0"/>
+                <a:ea typeface="Fira Code"/>
+              </a:rPr>
+              <a:t>(tornado.web.RequestHandler):</a:t>
+            </a:r>
+            <a:br>
+              <a:rPr kumimoji="0" lang="zh-CN" altLang="zh-CN" sz="1600" b="0" i="0" u="none" strike="noStrike" cap="none" normalizeH="0" baseline="0" dirty="0">
+                <a:ln>
+                  <a:noFill/>
+                </a:ln>
+                <a:solidFill>
+                  <a:srgbClr val="A9B7C6"/>
+                </a:solidFill>
+                <a:effectLst/>
+                <a:latin typeface="Consolas" panose="020B0609020204030204" pitchFamily="49" charset="0"/>
+                <a:ea typeface="Fira Code"/>
+              </a:rPr>
+            </a:br>
+            <a:r>
+              <a:rPr kumimoji="0" lang="zh-CN" altLang="zh-CN" sz="1600" b="0" i="0" u="none" strike="noStrike" cap="none" normalizeH="0" baseline="0" dirty="0">
+                <a:ln>
+                  <a:noFill/>
+                </a:ln>
+                <a:solidFill>
+                  <a:srgbClr val="A9B7C6"/>
+                </a:solidFill>
+                <a:effectLst/>
+                <a:latin typeface="Consolas" panose="020B0609020204030204" pitchFamily="49" charset="0"/>
+                <a:ea typeface="Fira Code"/>
+              </a:rPr>
+              <a:t>    </a:t>
+            </a:r>
+            <a:r>
+              <a:rPr kumimoji="0" lang="zh-CN" altLang="zh-CN" sz="1600" b="1" i="0" u="none" strike="noStrike" cap="none" normalizeH="0" baseline="0" dirty="0">
+                <a:ln>
+                  <a:noFill/>
+                </a:ln>
+                <a:solidFill>
+                  <a:srgbClr val="CC7832"/>
+                </a:solidFill>
+                <a:effectLst/>
+                <a:latin typeface="Consolas" panose="020B0609020204030204" pitchFamily="49" charset="0"/>
+                <a:ea typeface="Fira Code"/>
+              </a:rPr>
+              <a:t>def </a:t>
+            </a:r>
+            <a:r>
+              <a:rPr kumimoji="0" lang="zh-CN" altLang="zh-CN" sz="1600" b="1" i="0" u="none" strike="noStrike" cap="none" normalizeH="0" baseline="0" dirty="0">
+                <a:ln>
+                  <a:noFill/>
+                </a:ln>
+                <a:solidFill>
+                  <a:srgbClr val="A9B7C6"/>
+                </a:solidFill>
+                <a:effectLst/>
+                <a:latin typeface="Consolas" panose="020B0609020204030204" pitchFamily="49" charset="0"/>
+                <a:ea typeface="Fira Code"/>
+              </a:rPr>
+              <a:t>get</a:t>
+            </a:r>
+            <a:r>
+              <a:rPr kumimoji="0" lang="zh-CN" altLang="zh-CN" sz="1600" b="0" i="0" u="none" strike="noStrike" cap="none" normalizeH="0" baseline="0" dirty="0">
+                <a:ln>
+                  <a:noFill/>
+                </a:ln>
+                <a:solidFill>
+                  <a:srgbClr val="A9B7C6"/>
+                </a:solidFill>
+                <a:effectLst/>
+                <a:latin typeface="Consolas" panose="020B0609020204030204" pitchFamily="49" charset="0"/>
+                <a:ea typeface="Fira Code"/>
+              </a:rPr>
+              <a:t>(</a:t>
+            </a:r>
+            <a:r>
+              <a:rPr kumimoji="0" lang="zh-CN" altLang="zh-CN" sz="1600" b="0" i="0" u="none" strike="noStrike" cap="none" normalizeH="0" baseline="0" dirty="0">
+                <a:ln>
+                  <a:noFill/>
+                </a:ln>
+                <a:solidFill>
+                  <a:srgbClr val="94558D"/>
+                </a:solidFill>
+                <a:effectLst/>
+                <a:latin typeface="Consolas" panose="020B0609020204030204" pitchFamily="49" charset="0"/>
+                <a:ea typeface="Fira Code"/>
+              </a:rPr>
+              <a:t>self</a:t>
+            </a:r>
+            <a:r>
+              <a:rPr kumimoji="0" lang="zh-CN" altLang="zh-CN" sz="1600" b="0" i="0" u="none" strike="noStrike" cap="none" normalizeH="0" baseline="0" dirty="0">
+                <a:ln>
+                  <a:noFill/>
+                </a:ln>
+                <a:solidFill>
+                  <a:srgbClr val="A9B7C6"/>
+                </a:solidFill>
+                <a:effectLst/>
+                <a:latin typeface="Consolas" panose="020B0609020204030204" pitchFamily="49" charset="0"/>
+                <a:ea typeface="Fira Code"/>
+              </a:rPr>
+              <a:t>):</a:t>
+            </a:r>
+            <a:br>
+              <a:rPr kumimoji="0" lang="zh-CN" altLang="zh-CN" sz="1600" b="0" i="0" u="none" strike="noStrike" cap="none" normalizeH="0" baseline="0" dirty="0">
+                <a:ln>
+                  <a:noFill/>
+                </a:ln>
+                <a:solidFill>
+                  <a:srgbClr val="A9B7C6"/>
+                </a:solidFill>
+                <a:effectLst/>
+                <a:latin typeface="Consolas" panose="020B0609020204030204" pitchFamily="49" charset="0"/>
+                <a:ea typeface="Fira Code"/>
+              </a:rPr>
+            </a:br>
+            <a:r>
+              <a:rPr kumimoji="0" lang="zh-CN" altLang="zh-CN" sz="1600" b="0" i="0" u="none" strike="noStrike" cap="none" normalizeH="0" baseline="0" dirty="0">
+                <a:ln>
+                  <a:noFill/>
+                </a:ln>
+                <a:solidFill>
+                  <a:srgbClr val="A9B7C6"/>
+                </a:solidFill>
+                <a:effectLst/>
+                <a:latin typeface="Consolas" panose="020B0609020204030204" pitchFamily="49" charset="0"/>
+                <a:ea typeface="Fira Code"/>
+              </a:rPr>
+              <a:t>        advocator = advocators.find_one({</a:t>
+            </a:r>
+            <a:r>
+              <a:rPr kumimoji="0" lang="zh-CN" altLang="zh-CN" sz="1600" b="0" i="0" u="none" strike="noStrike" cap="none" normalizeH="0" baseline="0" dirty="0">
+                <a:ln>
+                  <a:noFill/>
+                </a:ln>
+                <a:solidFill>
+                  <a:srgbClr val="008080"/>
+                </a:solidFill>
+                <a:effectLst/>
+                <a:latin typeface="Consolas" panose="020B0609020204030204" pitchFamily="49" charset="0"/>
+                <a:ea typeface="Fira Code"/>
+              </a:rPr>
+              <a:t>"id"</a:t>
+            </a:r>
+            <a:r>
+              <a:rPr kumimoji="0" lang="zh-CN" altLang="zh-CN" sz="1600" b="0" i="0" u="none" strike="noStrike" cap="none" normalizeH="0" baseline="0" dirty="0">
+                <a:ln>
+                  <a:noFill/>
+                </a:ln>
+                <a:solidFill>
+                  <a:srgbClr val="A9B7C6"/>
+                </a:solidFill>
+                <a:effectLst/>
+                <a:latin typeface="Consolas" panose="020B0609020204030204" pitchFamily="49" charset="0"/>
+                <a:ea typeface="Fira Code"/>
+              </a:rPr>
+              <a:t>: </a:t>
+            </a:r>
+            <a:r>
+              <a:rPr kumimoji="0" lang="zh-CN" altLang="zh-CN" sz="1600" b="0" i="0" u="none" strike="noStrike" cap="none" normalizeH="0" baseline="0" dirty="0">
+                <a:ln>
+                  <a:noFill/>
+                </a:ln>
+                <a:solidFill>
+                  <a:srgbClr val="94558D"/>
+                </a:solidFill>
+                <a:effectLst/>
+                <a:latin typeface="Consolas" panose="020B0609020204030204" pitchFamily="49" charset="0"/>
+                <a:ea typeface="Fira Code"/>
+              </a:rPr>
+              <a:t>self</a:t>
+            </a:r>
+            <a:r>
+              <a:rPr kumimoji="0" lang="zh-CN" altLang="zh-CN" sz="1600" b="0" i="0" u="none" strike="noStrike" cap="none" normalizeH="0" baseline="0" dirty="0">
+                <a:ln>
+                  <a:noFill/>
+                </a:ln>
+                <a:solidFill>
+                  <a:srgbClr val="A9B7C6"/>
+                </a:solidFill>
+                <a:effectLst/>
+                <a:latin typeface="Consolas" panose="020B0609020204030204" pitchFamily="49" charset="0"/>
+                <a:ea typeface="Fira Code"/>
+              </a:rPr>
+              <a:t>.advocatorId})</a:t>
+            </a:r>
+            <a:br>
+              <a:rPr kumimoji="0" lang="zh-CN" altLang="zh-CN" sz="1600" b="0" i="0" u="none" strike="noStrike" cap="none" normalizeH="0" baseline="0" dirty="0">
+                <a:ln>
+                  <a:noFill/>
+                </a:ln>
+                <a:solidFill>
+                  <a:srgbClr val="A9B7C6"/>
+                </a:solidFill>
+                <a:effectLst/>
+                <a:latin typeface="Consolas" panose="020B0609020204030204" pitchFamily="49" charset="0"/>
+                <a:ea typeface="Fira Code"/>
+              </a:rPr>
+            </a:br>
+            <a:r>
+              <a:rPr kumimoji="0" lang="zh-CN" altLang="zh-CN" sz="1600" b="0" i="0" u="none" strike="noStrike" cap="none" normalizeH="0" baseline="0" dirty="0">
+                <a:ln>
+                  <a:noFill/>
+                </a:ln>
+                <a:solidFill>
+                  <a:srgbClr val="A9B7C6"/>
+                </a:solidFill>
+                <a:effectLst/>
+                <a:latin typeface="Consolas" panose="020B0609020204030204" pitchFamily="49" charset="0"/>
+                <a:ea typeface="Fira Code"/>
+              </a:rPr>
+              <a:t>        </a:t>
+            </a:r>
+            <a:r>
+              <a:rPr kumimoji="0" lang="zh-CN" altLang="zh-CN" sz="1600" b="1" i="0" u="none" strike="noStrike" cap="none" normalizeH="0" baseline="0" dirty="0">
+                <a:ln>
+                  <a:noFill/>
+                </a:ln>
+                <a:solidFill>
+                  <a:srgbClr val="CC7832"/>
+                </a:solidFill>
+                <a:effectLst/>
+                <a:latin typeface="Consolas" panose="020B0609020204030204" pitchFamily="49" charset="0"/>
+                <a:ea typeface="Fira Code"/>
+              </a:rPr>
+              <a:t>return </a:t>
+            </a:r>
+            <a:r>
+              <a:rPr kumimoji="0" lang="zh-CN" altLang="zh-CN" sz="1600" b="0" i="0" u="none" strike="noStrike" cap="none" normalizeH="0" baseline="0" dirty="0">
+                <a:ln>
+                  <a:noFill/>
+                </a:ln>
+                <a:solidFill>
+                  <a:srgbClr val="A9B7C6"/>
+                </a:solidFill>
+                <a:effectLst/>
+                <a:latin typeface="Consolas" panose="020B0609020204030204" pitchFamily="49" charset="0"/>
+                <a:ea typeface="Fira Code"/>
+              </a:rPr>
+              <a:t>response(advocator)</a:t>
+            </a:r>
+            <a:br>
+              <a:rPr kumimoji="0" lang="zh-CN" altLang="zh-CN" sz="1600" b="0" i="0" u="none" strike="noStrike" cap="none" normalizeH="0" baseline="0" dirty="0">
+                <a:ln>
+                  <a:noFill/>
+                </a:ln>
+                <a:solidFill>
+                  <a:srgbClr val="A9B7C6"/>
+                </a:solidFill>
+                <a:effectLst/>
+                <a:latin typeface="Consolas" panose="020B0609020204030204" pitchFamily="49" charset="0"/>
+                <a:ea typeface="Fira Code"/>
+              </a:rPr>
+            </a:br>
+            <a:br>
+              <a:rPr kumimoji="0" lang="zh-CN" altLang="zh-CN" sz="1600" b="0" i="0" u="none" strike="noStrike" cap="none" normalizeH="0" baseline="0" dirty="0">
+                <a:ln>
+                  <a:noFill/>
+                </a:ln>
+                <a:solidFill>
+                  <a:srgbClr val="A9B7C6"/>
+                </a:solidFill>
+                <a:effectLst/>
+                <a:latin typeface="Consolas" panose="020B0609020204030204" pitchFamily="49" charset="0"/>
+                <a:ea typeface="Fira Code"/>
+              </a:rPr>
+            </a:br>
+            <a:r>
+              <a:rPr kumimoji="0" lang="zh-CN" altLang="zh-CN" sz="1600" b="1" i="0" u="none" strike="noStrike" cap="none" normalizeH="0" baseline="0" dirty="0">
+                <a:ln>
+                  <a:noFill/>
+                </a:ln>
+                <a:solidFill>
+                  <a:srgbClr val="CC7832"/>
+                </a:solidFill>
+                <a:effectLst/>
+                <a:latin typeface="Consolas" panose="020B0609020204030204" pitchFamily="49" charset="0"/>
+                <a:ea typeface="Fira Code"/>
+              </a:rPr>
+              <a:t>class </a:t>
+            </a:r>
+            <a:r>
+              <a:rPr kumimoji="0" lang="zh-CN" altLang="zh-CN" sz="1600" b="1" i="0" u="none" strike="noStrike" cap="none" normalizeH="0" baseline="0" dirty="0">
+                <a:ln>
+                  <a:noFill/>
+                </a:ln>
+                <a:solidFill>
+                  <a:srgbClr val="A9B7C6"/>
+                </a:solidFill>
+                <a:effectLst/>
+                <a:latin typeface="Consolas" panose="020B0609020204030204" pitchFamily="49" charset="0"/>
+                <a:ea typeface="Fira Code"/>
+              </a:rPr>
+              <a:t>Application</a:t>
+            </a:r>
+            <a:r>
+              <a:rPr kumimoji="0" lang="zh-CN" altLang="zh-CN" sz="1600" b="0" i="0" u="none" strike="noStrike" cap="none" normalizeH="0" baseline="0" dirty="0">
+                <a:ln>
+                  <a:noFill/>
+                </a:ln>
+                <a:solidFill>
+                  <a:srgbClr val="A9B7C6"/>
+                </a:solidFill>
+                <a:effectLst/>
+                <a:latin typeface="Consolas" panose="020B0609020204030204" pitchFamily="49" charset="0"/>
+                <a:ea typeface="Fira Code"/>
+              </a:rPr>
+              <a:t>(tornado.web.Application):</a:t>
+            </a:r>
+            <a:br>
+              <a:rPr kumimoji="0" lang="zh-CN" altLang="zh-CN" sz="1600" b="0" i="0" u="none" strike="noStrike" cap="none" normalizeH="0" baseline="0" dirty="0">
+                <a:ln>
+                  <a:noFill/>
+                </a:ln>
+                <a:solidFill>
+                  <a:srgbClr val="A9B7C6"/>
+                </a:solidFill>
+                <a:effectLst/>
+                <a:latin typeface="Consolas" panose="020B0609020204030204" pitchFamily="49" charset="0"/>
+                <a:ea typeface="Fira Code"/>
+              </a:rPr>
+            </a:br>
+            <a:r>
+              <a:rPr kumimoji="0" lang="zh-CN" altLang="zh-CN" sz="1600" b="0" i="0" u="none" strike="noStrike" cap="none" normalizeH="0" baseline="0" dirty="0">
+                <a:ln>
+                  <a:noFill/>
+                </a:ln>
+                <a:solidFill>
+                  <a:srgbClr val="A9B7C6"/>
+                </a:solidFill>
+                <a:effectLst/>
+                <a:latin typeface="Consolas" panose="020B0609020204030204" pitchFamily="49" charset="0"/>
+                <a:ea typeface="Fira Code"/>
+              </a:rPr>
+              <a:t>    </a:t>
+            </a:r>
+            <a:r>
+              <a:rPr kumimoji="0" lang="zh-CN" altLang="zh-CN" sz="1600" b="1" i="0" u="none" strike="noStrike" cap="none" normalizeH="0" baseline="0" dirty="0">
+                <a:ln>
+                  <a:noFill/>
+                </a:ln>
+                <a:solidFill>
+                  <a:srgbClr val="CC7832"/>
+                </a:solidFill>
+                <a:effectLst/>
+                <a:latin typeface="Consolas" panose="020B0609020204030204" pitchFamily="49" charset="0"/>
+                <a:ea typeface="Fira Code"/>
+              </a:rPr>
+              <a:t>def </a:t>
+            </a:r>
+            <a:r>
+              <a:rPr kumimoji="0" lang="zh-CN" altLang="zh-CN" sz="1600" b="0" i="0" u="none" strike="noStrike" cap="none" normalizeH="0" baseline="0" dirty="0">
+                <a:ln>
+                  <a:noFill/>
+                </a:ln>
+                <a:solidFill>
+                  <a:srgbClr val="B200B2"/>
+                </a:solidFill>
+                <a:effectLst/>
+                <a:latin typeface="Consolas" panose="020B0609020204030204" pitchFamily="49" charset="0"/>
+                <a:ea typeface="Fira Code"/>
+              </a:rPr>
+              <a:t>__init__</a:t>
+            </a:r>
+            <a:r>
+              <a:rPr kumimoji="0" lang="zh-CN" altLang="zh-CN" sz="1600" b="0" i="0" u="none" strike="noStrike" cap="none" normalizeH="0" baseline="0" dirty="0">
+                <a:ln>
+                  <a:noFill/>
+                </a:ln>
+                <a:solidFill>
+                  <a:srgbClr val="A9B7C6"/>
+                </a:solidFill>
+                <a:effectLst/>
+                <a:latin typeface="Consolas" panose="020B0609020204030204" pitchFamily="49" charset="0"/>
+                <a:ea typeface="Fira Code"/>
+              </a:rPr>
+              <a:t>(</a:t>
+            </a:r>
+            <a:r>
+              <a:rPr kumimoji="0" lang="zh-CN" altLang="zh-CN" sz="1600" b="0" i="0" u="none" strike="noStrike" cap="none" normalizeH="0" baseline="0" dirty="0">
+                <a:ln>
+                  <a:noFill/>
+                </a:ln>
+                <a:solidFill>
+                  <a:srgbClr val="94558D"/>
+                </a:solidFill>
+                <a:effectLst/>
+                <a:latin typeface="Consolas" panose="020B0609020204030204" pitchFamily="49" charset="0"/>
+                <a:ea typeface="Fira Code"/>
+              </a:rPr>
+              <a:t>self</a:t>
+            </a:r>
+            <a:r>
+              <a:rPr kumimoji="0" lang="zh-CN" altLang="zh-CN" sz="1600" b="0" i="0" u="none" strike="noStrike" cap="none" normalizeH="0" baseline="0" dirty="0">
+                <a:ln>
+                  <a:noFill/>
+                </a:ln>
+                <a:solidFill>
+                  <a:srgbClr val="A9B7C6"/>
+                </a:solidFill>
+                <a:effectLst/>
+                <a:latin typeface="Consolas" panose="020B0609020204030204" pitchFamily="49" charset="0"/>
+                <a:ea typeface="Fira Code"/>
+              </a:rPr>
+              <a:t>):</a:t>
+            </a:r>
+            <a:br>
+              <a:rPr kumimoji="0" lang="zh-CN" altLang="zh-CN" sz="1600" b="0" i="0" u="none" strike="noStrike" cap="none" normalizeH="0" baseline="0" dirty="0">
+                <a:ln>
+                  <a:noFill/>
+                </a:ln>
+                <a:solidFill>
+                  <a:srgbClr val="A9B7C6"/>
+                </a:solidFill>
+                <a:effectLst/>
+                <a:latin typeface="Consolas" panose="020B0609020204030204" pitchFamily="49" charset="0"/>
+                <a:ea typeface="Fira Code"/>
+              </a:rPr>
+            </a:br>
+            <a:r>
+              <a:rPr kumimoji="0" lang="zh-CN" altLang="zh-CN" sz="1600" b="0" i="0" u="none" strike="noStrike" cap="none" normalizeH="0" baseline="0" dirty="0">
+                <a:ln>
+                  <a:noFill/>
+                </a:ln>
+                <a:solidFill>
+                  <a:srgbClr val="A9B7C6"/>
+                </a:solidFill>
+                <a:effectLst/>
+                <a:latin typeface="Consolas" panose="020B0609020204030204" pitchFamily="49" charset="0"/>
+                <a:ea typeface="Fira Code"/>
+              </a:rPr>
+              <a:t>        handlers = [</a:t>
+            </a:r>
+            <a:br>
+              <a:rPr kumimoji="0" lang="zh-CN" altLang="zh-CN" sz="1600" b="0" i="0" u="none" strike="noStrike" cap="none" normalizeH="0" baseline="0" dirty="0">
+                <a:ln>
+                  <a:noFill/>
+                </a:ln>
+                <a:solidFill>
+                  <a:srgbClr val="A9B7C6"/>
+                </a:solidFill>
+                <a:effectLst/>
+                <a:latin typeface="Consolas" panose="020B0609020204030204" pitchFamily="49" charset="0"/>
+                <a:ea typeface="Fira Code"/>
+              </a:rPr>
+            </a:br>
+            <a:r>
+              <a:rPr kumimoji="0" lang="zh-CN" altLang="zh-CN" sz="1600" b="0" i="0" u="none" strike="noStrike" cap="none" normalizeH="0" baseline="0" dirty="0">
+                <a:ln>
+                  <a:noFill/>
+                </a:ln>
+                <a:solidFill>
+                  <a:srgbClr val="A9B7C6"/>
+                </a:solidFill>
+                <a:effectLst/>
+                <a:latin typeface="Consolas" panose="020B0609020204030204" pitchFamily="49" charset="0"/>
+                <a:ea typeface="Fira Code"/>
+              </a:rPr>
+              <a:t>            (</a:t>
+            </a:r>
+            <a:r>
+              <a:rPr kumimoji="0" lang="zh-CN" altLang="zh-CN" sz="1600" b="0" i="0" u="none" strike="noStrike" cap="none" normalizeH="0" baseline="0" dirty="0">
+                <a:ln>
+                  <a:noFill/>
+                </a:ln>
+                <a:solidFill>
+                  <a:srgbClr val="008080"/>
+                </a:solidFill>
+                <a:effectLst/>
+                <a:latin typeface="Consolas" panose="020B0609020204030204" pitchFamily="49" charset="0"/>
+                <a:ea typeface="Fira Code"/>
+              </a:rPr>
+              <a:t>r"/advocator/&lt;advocatorId&gt;"</a:t>
+            </a:r>
+            <a:r>
+              <a:rPr kumimoji="0" lang="zh-CN" altLang="zh-CN" sz="1600" b="0" i="0" u="none" strike="noStrike" cap="none" normalizeH="0" baseline="0" dirty="0">
+                <a:ln>
+                  <a:noFill/>
+                </a:ln>
+                <a:solidFill>
+                  <a:srgbClr val="CC7832"/>
+                </a:solidFill>
+                <a:effectLst/>
+                <a:latin typeface="Consolas" panose="020B0609020204030204" pitchFamily="49" charset="0"/>
+                <a:ea typeface="Fira Code"/>
+              </a:rPr>
+              <a:t>, </a:t>
+            </a:r>
+            <a:r>
+              <a:rPr kumimoji="0" lang="zh-CN" altLang="zh-CN" sz="1600" b="0" i="0" u="none" strike="noStrike" cap="none" normalizeH="0" baseline="0" dirty="0">
+                <a:ln>
+                  <a:noFill/>
+                </a:ln>
+                <a:solidFill>
+                  <a:srgbClr val="A9B7C6"/>
+                </a:solidFill>
+                <a:effectLst/>
+                <a:latin typeface="Consolas" panose="020B0609020204030204" pitchFamily="49" charset="0"/>
+                <a:ea typeface="Fira Code"/>
+              </a:rPr>
+              <a:t>advocatorInfoHandler)</a:t>
+            </a:r>
+            <a:br>
+              <a:rPr kumimoji="0" lang="zh-CN" altLang="zh-CN" sz="1600" b="0" i="0" u="none" strike="noStrike" cap="none" normalizeH="0" baseline="0" dirty="0">
+                <a:ln>
+                  <a:noFill/>
+                </a:ln>
+                <a:solidFill>
+                  <a:srgbClr val="A9B7C6"/>
+                </a:solidFill>
+                <a:effectLst/>
+                <a:latin typeface="Consolas" panose="020B0609020204030204" pitchFamily="49" charset="0"/>
+                <a:ea typeface="Fira Code"/>
+              </a:rPr>
+            </a:br>
+            <a:r>
+              <a:rPr kumimoji="0" lang="zh-CN" altLang="zh-CN" sz="1600" b="0" i="0" u="none" strike="noStrike" cap="none" normalizeH="0" baseline="0" dirty="0">
+                <a:ln>
+                  <a:noFill/>
+                </a:ln>
+                <a:solidFill>
+                  <a:srgbClr val="A9B7C6"/>
+                </a:solidFill>
+                <a:effectLst/>
+                <a:latin typeface="Consolas" panose="020B0609020204030204" pitchFamily="49" charset="0"/>
+                <a:ea typeface="Fira Code"/>
+              </a:rPr>
+              <a:t>        ]</a:t>
+            </a:r>
+            <a:br>
+              <a:rPr kumimoji="0" lang="zh-CN" altLang="zh-CN" sz="1600" b="0" i="0" u="none" strike="noStrike" cap="none" normalizeH="0" baseline="0" dirty="0">
+                <a:ln>
+                  <a:noFill/>
+                </a:ln>
+                <a:solidFill>
+                  <a:srgbClr val="A9B7C6"/>
+                </a:solidFill>
+                <a:effectLst/>
+                <a:latin typeface="Consolas" panose="020B0609020204030204" pitchFamily="49" charset="0"/>
+                <a:ea typeface="Fira Code"/>
+              </a:rPr>
+            </a:br>
+            <a:r>
+              <a:rPr kumimoji="0" lang="zh-CN" altLang="zh-CN" sz="1600" b="0" i="0" u="none" strike="noStrike" cap="none" normalizeH="0" baseline="0" dirty="0">
+                <a:ln>
+                  <a:noFill/>
+                </a:ln>
+                <a:solidFill>
+                  <a:srgbClr val="A9B7C6"/>
+                </a:solidFill>
+                <a:effectLst/>
+                <a:latin typeface="Consolas" panose="020B0609020204030204" pitchFamily="49" charset="0"/>
+                <a:ea typeface="Fira Code"/>
+              </a:rPr>
+              <a:t>        tornado.web.Application.</a:t>
+            </a:r>
+            <a:r>
+              <a:rPr kumimoji="0" lang="zh-CN" altLang="zh-CN" sz="1600" b="0" i="0" u="none" strike="noStrike" cap="none" normalizeH="0" baseline="0" dirty="0">
+                <a:ln>
+                  <a:noFill/>
+                </a:ln>
+                <a:solidFill>
+                  <a:srgbClr val="B200B2"/>
+                </a:solidFill>
+                <a:effectLst/>
+                <a:latin typeface="Consolas" panose="020B0609020204030204" pitchFamily="49" charset="0"/>
+                <a:ea typeface="Fira Code"/>
+              </a:rPr>
+              <a:t>__init__</a:t>
+            </a:r>
+            <a:r>
+              <a:rPr kumimoji="0" lang="zh-CN" altLang="zh-CN" sz="1600" b="0" i="0" u="none" strike="noStrike" cap="none" normalizeH="0" baseline="0" dirty="0">
+                <a:ln>
+                  <a:noFill/>
+                </a:ln>
+                <a:solidFill>
+                  <a:srgbClr val="A9B7C6"/>
+                </a:solidFill>
+                <a:effectLst/>
+                <a:latin typeface="Consolas" panose="020B0609020204030204" pitchFamily="49" charset="0"/>
+                <a:ea typeface="Fira Code"/>
+              </a:rPr>
+              <a:t>(</a:t>
+            </a:r>
+            <a:r>
+              <a:rPr kumimoji="0" lang="zh-CN" altLang="zh-CN" sz="1600" b="0" i="0" u="none" strike="noStrike" cap="none" normalizeH="0" baseline="0" dirty="0">
+                <a:ln>
+                  <a:noFill/>
+                </a:ln>
+                <a:solidFill>
+                  <a:srgbClr val="94558D"/>
+                </a:solidFill>
+                <a:effectLst/>
+                <a:latin typeface="Consolas" panose="020B0609020204030204" pitchFamily="49" charset="0"/>
+                <a:ea typeface="Fira Code"/>
+              </a:rPr>
+              <a:t>self</a:t>
+            </a:r>
+            <a:r>
+              <a:rPr kumimoji="0" lang="zh-CN" altLang="zh-CN" sz="1600" b="0" i="0" u="none" strike="noStrike" cap="none" normalizeH="0" baseline="0" dirty="0">
+                <a:ln>
+                  <a:noFill/>
+                </a:ln>
+                <a:solidFill>
+                  <a:srgbClr val="CC7832"/>
+                </a:solidFill>
+                <a:effectLst/>
+                <a:latin typeface="Consolas" panose="020B0609020204030204" pitchFamily="49" charset="0"/>
+                <a:ea typeface="Fira Code"/>
+              </a:rPr>
+              <a:t>, </a:t>
+            </a:r>
+            <a:r>
+              <a:rPr kumimoji="0" lang="zh-CN" altLang="zh-CN" sz="1600" b="0" i="0" u="none" strike="noStrike" cap="none" normalizeH="0" baseline="0" dirty="0">
+                <a:ln>
+                  <a:noFill/>
+                </a:ln>
+                <a:solidFill>
+                  <a:srgbClr val="A9B7C6"/>
+                </a:solidFill>
+                <a:effectLst/>
+                <a:latin typeface="Consolas" panose="020B0609020204030204" pitchFamily="49" charset="0"/>
+                <a:ea typeface="Fira Code"/>
+              </a:rPr>
+              <a:t>handlers)</a:t>
+            </a:r>
+            <a:br>
+              <a:rPr kumimoji="0" lang="zh-CN" altLang="zh-CN" sz="1600" b="0" i="0" u="none" strike="noStrike" cap="none" normalizeH="0" baseline="0" dirty="0">
+                <a:ln>
+                  <a:noFill/>
+                </a:ln>
+                <a:solidFill>
+                  <a:srgbClr val="A9B7C6"/>
+                </a:solidFill>
+                <a:effectLst/>
+                <a:latin typeface="Consolas" panose="020B0609020204030204" pitchFamily="49" charset="0"/>
+                <a:ea typeface="Fira Code"/>
+              </a:rPr>
+            </a:br>
+            <a:br>
+              <a:rPr kumimoji="0" lang="zh-CN" altLang="zh-CN" sz="1600" b="0" i="0" u="none" strike="noStrike" cap="none" normalizeH="0" baseline="0" dirty="0">
+                <a:ln>
+                  <a:noFill/>
+                </a:ln>
+                <a:solidFill>
+                  <a:srgbClr val="A9B7C6"/>
+                </a:solidFill>
+                <a:effectLst/>
+                <a:latin typeface="Consolas" panose="020B0609020204030204" pitchFamily="49" charset="0"/>
+                <a:ea typeface="Fira Code"/>
+              </a:rPr>
+            </a:br>
+            <a:r>
+              <a:rPr kumimoji="0" lang="zh-CN" altLang="zh-CN" sz="1600" b="1" i="0" u="none" strike="noStrike" cap="none" normalizeH="0" baseline="0" dirty="0">
+                <a:ln>
+                  <a:noFill/>
+                </a:ln>
+                <a:solidFill>
+                  <a:srgbClr val="CC7832"/>
+                </a:solidFill>
+                <a:effectLst/>
+                <a:latin typeface="Consolas" panose="020B0609020204030204" pitchFamily="49" charset="0"/>
+                <a:ea typeface="Fira Code"/>
+              </a:rPr>
+              <a:t>if </a:t>
+            </a:r>
+            <a:r>
+              <a:rPr kumimoji="0" lang="zh-CN" altLang="zh-CN" sz="1600" b="0" i="0" u="none" strike="noStrike" cap="none" normalizeH="0" baseline="0" dirty="0">
+                <a:ln>
+                  <a:noFill/>
+                </a:ln>
+                <a:solidFill>
+                  <a:srgbClr val="A9B7C6"/>
+                </a:solidFill>
+                <a:effectLst/>
+                <a:latin typeface="Consolas" panose="020B0609020204030204" pitchFamily="49" charset="0"/>
+                <a:ea typeface="Fira Code"/>
+              </a:rPr>
+              <a:t>__name__ == </a:t>
+            </a:r>
+            <a:r>
+              <a:rPr kumimoji="0" lang="zh-CN" altLang="zh-CN" sz="1600" b="0" i="0" u="none" strike="noStrike" cap="none" normalizeH="0" baseline="0" dirty="0">
+                <a:ln>
+                  <a:noFill/>
+                </a:ln>
+                <a:solidFill>
+                  <a:srgbClr val="008080"/>
+                </a:solidFill>
+                <a:effectLst/>
+                <a:latin typeface="Consolas" panose="020B0609020204030204" pitchFamily="49" charset="0"/>
+                <a:ea typeface="Fira Code"/>
+              </a:rPr>
+              <a:t>'__main__'</a:t>
+            </a:r>
+            <a:r>
+              <a:rPr kumimoji="0" lang="zh-CN" altLang="zh-CN" sz="1600" b="0" i="0" u="none" strike="noStrike" cap="none" normalizeH="0" baseline="0" dirty="0">
+                <a:ln>
+                  <a:noFill/>
+                </a:ln>
+                <a:solidFill>
+                  <a:srgbClr val="A9B7C6"/>
+                </a:solidFill>
+                <a:effectLst/>
+                <a:latin typeface="Consolas" panose="020B0609020204030204" pitchFamily="49" charset="0"/>
+                <a:ea typeface="Fira Code"/>
+              </a:rPr>
+              <a:t>:</a:t>
+            </a:r>
+            <a:br>
+              <a:rPr kumimoji="0" lang="zh-CN" altLang="zh-CN" sz="1600" b="0" i="0" u="none" strike="noStrike" cap="none" normalizeH="0" baseline="0" dirty="0">
+                <a:ln>
+                  <a:noFill/>
+                </a:ln>
+                <a:solidFill>
+                  <a:srgbClr val="A9B7C6"/>
+                </a:solidFill>
+                <a:effectLst/>
+                <a:latin typeface="Consolas" panose="020B0609020204030204" pitchFamily="49" charset="0"/>
+                <a:ea typeface="Fira Code"/>
+              </a:rPr>
+            </a:br>
+            <a:r>
+              <a:rPr kumimoji="0" lang="zh-CN" altLang="zh-CN" sz="1600" b="0" i="0" u="none" strike="noStrike" cap="none" normalizeH="0" baseline="0" dirty="0">
+                <a:ln>
+                  <a:noFill/>
+                </a:ln>
+                <a:solidFill>
+                  <a:srgbClr val="A9B7C6"/>
+                </a:solidFill>
+                <a:effectLst/>
+                <a:latin typeface="Consolas" panose="020B0609020204030204" pitchFamily="49" charset="0"/>
+                <a:ea typeface="Fira Code"/>
+              </a:rPr>
+              <a:t> </a:t>
+            </a:r>
+            <a:r>
+              <a:rPr kumimoji="0" lang="en-US" altLang="zh-CN" sz="1600" b="0" i="0" u="none" strike="noStrike" cap="none" normalizeH="0" baseline="0" dirty="0">
+                <a:ln>
+                  <a:noFill/>
+                </a:ln>
+                <a:solidFill>
+                  <a:srgbClr val="A9B7C6"/>
+                </a:solidFill>
+                <a:effectLst/>
+                <a:latin typeface="Consolas" panose="020B0609020204030204" pitchFamily="49" charset="0"/>
+                <a:ea typeface="Fira Code"/>
+              </a:rPr>
+              <a:t>   </a:t>
+            </a:r>
+            <a:r>
+              <a:rPr lang="zh-CN" altLang="zh-CN" sz="1600" dirty="0">
+                <a:solidFill>
+                  <a:srgbClr val="A9B7C6"/>
+                </a:solidFill>
+                <a:latin typeface="Consolas" panose="020B0609020204030204" pitchFamily="49" charset="0"/>
+                <a:ea typeface="Fira Code"/>
+              </a:rPr>
+              <a:t>app = Application()</a:t>
+            </a:r>
+            <a:br>
+              <a:rPr lang="zh-CN" altLang="zh-CN" sz="1600" dirty="0">
+                <a:solidFill>
+                  <a:srgbClr val="A9B7C6"/>
+                </a:solidFill>
+                <a:latin typeface="Consolas" panose="020B0609020204030204" pitchFamily="49" charset="0"/>
+                <a:ea typeface="Fira Code"/>
+              </a:rPr>
+            </a:br>
+            <a:r>
+              <a:rPr lang="zh-CN" altLang="zh-CN" sz="1600" dirty="0">
+                <a:solidFill>
+                  <a:srgbClr val="A9B7C6"/>
+                </a:solidFill>
+                <a:latin typeface="Consolas" panose="020B0609020204030204" pitchFamily="49" charset="0"/>
+                <a:ea typeface="Fira Code"/>
+              </a:rPr>
+              <a:t>    app.listen(</a:t>
+            </a:r>
+            <a:r>
+              <a:rPr lang="zh-CN" altLang="zh-CN" sz="1600" dirty="0">
+                <a:solidFill>
+                  <a:srgbClr val="6897BB"/>
+                </a:solidFill>
+                <a:latin typeface="Consolas" panose="020B0609020204030204" pitchFamily="49" charset="0"/>
+                <a:ea typeface="Fira Code"/>
+              </a:rPr>
+              <a:t>13888</a:t>
+            </a:r>
+            <a:r>
+              <a:rPr lang="zh-CN" altLang="zh-CN" sz="1600" dirty="0">
+                <a:solidFill>
+                  <a:srgbClr val="A9B7C6"/>
+                </a:solidFill>
+                <a:latin typeface="Consolas" panose="020B0609020204030204" pitchFamily="49" charset="0"/>
+                <a:ea typeface="Fira Code"/>
+              </a:rPr>
+              <a:t>)</a:t>
+            </a:r>
+            <a:br>
+              <a:rPr lang="zh-CN" altLang="zh-CN" sz="1600" dirty="0">
+                <a:solidFill>
+                  <a:srgbClr val="A9B7C6"/>
+                </a:solidFill>
+                <a:latin typeface="Consolas" panose="020B0609020204030204" pitchFamily="49" charset="0"/>
+                <a:ea typeface="Fira Code"/>
+              </a:rPr>
+            </a:br>
+            <a:r>
+              <a:rPr lang="zh-CN" altLang="zh-CN" sz="1600" dirty="0">
+                <a:solidFill>
+                  <a:srgbClr val="A9B7C6"/>
+                </a:solidFill>
+                <a:latin typeface="Consolas" panose="020B0609020204030204" pitchFamily="49" charset="0"/>
+                <a:ea typeface="Fira Code"/>
+              </a:rPr>
+              <a:t>    IOLoop.instance().start()</a:t>
+            </a:r>
+            <a:endParaRPr kumimoji="0" lang="zh-CN" altLang="zh-CN" sz="3600" b="0" i="0" u="none" strike="noStrike" cap="none" normalizeH="0" baseline="0" dirty="0">
+              <a:ln>
+                <a:noFill/>
+              </a:ln>
+              <a:solidFill>
+                <a:schemeClr val="tx1"/>
+              </a:solidFill>
+              <a:effectLst/>
+              <a:latin typeface="Consolas" panose="020B0609020204030204" pitchFamily="49" charset="0"/>
+            </a:endParaRPr>
+          </a:p>
+        </p:txBody>
+      </p:sp>
+      <p:grpSp>
+        <p:nvGrpSpPr>
+          <p:cNvPr id="3" name="Group 2"/>
+          <p:cNvGrpSpPr/>
+          <p:nvPr/>
+        </p:nvGrpSpPr>
+        <p:grpSpPr>
+          <a:xfrm>
+            <a:off x="3890460" y="317466"/>
+            <a:ext cx="4657007" cy="822404"/>
+            <a:chOff x="3452712" y="303612"/>
+            <a:chExt cx="4657007" cy="822404"/>
+          </a:xfrm>
+        </p:grpSpPr>
+        <p:pic>
+          <p:nvPicPr>
+            <p:cNvPr id="3078" name="Picture 6" descr="Image result for flask logo"/>
+            <p:cNvPicPr>
+              <a:picLocks noChangeAspect="1" noChangeArrowheads="1"/>
+            </p:cNvPicPr>
+            <p:nvPr/>
+          </p:nvPicPr>
+          <p:blipFill>
+            <a:blip r:embed="rId3">
+              <a:extLst>
+                <a:ext uri="{28A0092B-C50C-407E-A947-70E740481C1C}">
+                  <a14:useLocalDpi xmlns:a14="http://schemas.microsoft.com/office/drawing/2010/main" val="0"/>
+                </a:ext>
+              </a:extLst>
+            </a:blip>
+            <a:srcRect/>
+            <a:stretch>
+              <a:fillRect/>
+            </a:stretch>
+          </p:blipFill>
+          <p:spPr bwMode="auto">
+            <a:xfrm>
+              <a:off x="3452712" y="303612"/>
+              <a:ext cx="822404" cy="822404"/>
+            </a:xfrm>
+            <a:prstGeom prst="rect">
+              <a:avLst/>
+            </a:prstGeom>
+            <a:noFill/>
+            <a:extLst>
+              <a:ext uri="{909E8E84-426E-40DD-AFC4-6F175D3DCCD1}">
+                <a14:hiddenFill xmlns:a14="http://schemas.microsoft.com/office/drawing/2010/main">
+                  <a:solidFill>
+                    <a:srgbClr val="FFFFFF"/>
+                  </a:solidFill>
+                </a14:hiddenFill>
+              </a:ext>
+            </a:extLst>
+          </p:spPr>
+        </p:pic>
+        <p:sp>
+          <p:nvSpPr>
+            <p:cNvPr id="24" name="Title 1"/>
+            <p:cNvSpPr txBox="1">
+              <a:spLocks/>
+            </p:cNvSpPr>
+            <p:nvPr/>
+          </p:nvSpPr>
+          <p:spPr>
+            <a:xfrm>
+              <a:off x="4156363" y="377784"/>
+              <a:ext cx="3953356" cy="666063"/>
+            </a:xfrm>
+            <a:prstGeom prst="rect">
+              <a:avLst/>
+            </a:prstGeom>
+          </p:spPr>
+          <p:txBody>
+            <a:bodyPr vert="horz" lIns="91440" tIns="45720" rIns="91440" bIns="45720" rtlCol="0" anchor="ctr">
+              <a:normAutofit fontScale="92500"/>
+            </a:bodyPr>
+            <a:lstStyle>
+              <a:lvl1pPr algn="ctr" defTabSz="914400" rtl="0" eaLnBrk="1" latinLnBrk="0" hangingPunct="1">
+                <a:lnSpc>
+                  <a:spcPct val="90000"/>
+                </a:lnSpc>
+                <a:spcBef>
+                  <a:spcPct val="0"/>
+                </a:spcBef>
+                <a:buNone/>
+                <a:defRPr sz="6000" kern="1200">
+                  <a:solidFill>
+                    <a:schemeClr val="tx1"/>
+                  </a:solidFill>
+                  <a:latin typeface="+mj-lt"/>
+                  <a:ea typeface="+mj-ea"/>
+                  <a:cs typeface="+mj-cs"/>
+                </a:defRPr>
+              </a:lvl1pPr>
+            </a:lstStyle>
+            <a:p>
+              <a:r>
+                <a:rPr lang="en-US" altLang="zh-CN" sz="2400" i="1" dirty="0">
+                  <a:solidFill>
+                    <a:schemeClr val="bg1"/>
+                  </a:solidFill>
+                  <a:latin typeface="Century Gothic" panose="020B0502020202020204" pitchFamily="34" charset="0"/>
+                </a:rPr>
+                <a:t>Backend Stack</a:t>
+              </a:r>
+              <a:r>
+                <a:rPr lang="en-US" altLang="zh-CN" sz="2400" b="1" dirty="0">
+                  <a:solidFill>
+                    <a:schemeClr val="bg1"/>
+                  </a:solidFill>
+                  <a:latin typeface="Century Gothic" panose="020B0502020202020204" pitchFamily="34" charset="0"/>
+                </a:rPr>
+                <a:t>·</a:t>
+              </a:r>
+              <a:r>
+                <a:rPr lang="en-US" altLang="zh-CN" sz="2400" i="1" dirty="0">
+                  <a:solidFill>
+                    <a:srgbClr val="61DAFB"/>
+                  </a:solidFill>
+                  <a:latin typeface="Century Gothic" panose="020B0502020202020204" pitchFamily="34" charset="0"/>
+                </a:rPr>
+                <a:t> </a:t>
+              </a:r>
+              <a:r>
+                <a:rPr lang="en-US" altLang="zh-CN" sz="2400" i="1" dirty="0">
+                  <a:solidFill>
+                    <a:srgbClr val="61DAFB"/>
+                  </a:solidFill>
+                  <a:latin typeface="Century Gothic" panose="020B0502020202020204" pitchFamily="34" charset="0"/>
+                </a:rPr>
+                <a:t>traffic*100</a:t>
+              </a:r>
+              <a:endParaRPr lang="zh-CN" altLang="en-US" sz="2400" i="1" dirty="0">
+                <a:solidFill>
+                  <a:schemeClr val="bg1"/>
+                </a:solidFill>
+                <a:latin typeface="Century Gothic" panose="020B0502020202020204" pitchFamily="34" charset="0"/>
+              </a:endParaRPr>
+            </a:p>
+          </p:txBody>
+        </p:sp>
+      </p:grpSp>
+      <p:sp>
+        <p:nvSpPr>
+          <p:cNvPr id="20" name="Rectangle 19"/>
+          <p:cNvSpPr/>
+          <p:nvPr/>
+        </p:nvSpPr>
+        <p:spPr>
+          <a:xfrm>
+            <a:off x="4083951" y="1131873"/>
+            <a:ext cx="4907369" cy="4508927"/>
+          </a:xfrm>
+          <a:prstGeom prst="rect">
+            <a:avLst/>
+          </a:prstGeom>
+          <a:noFill/>
+        </p:spPr>
+        <p:txBody>
+          <a:bodyPr wrap="square">
+            <a:spAutoFit/>
+          </a:bodyPr>
+          <a:lstStyle/>
+          <a:p>
+            <a:pPr algn="ctr"/>
+            <a:r>
+              <a:rPr lang="en-US" altLang="zh-CN" sz="28700" b="1" dirty="0">
+                <a:solidFill>
+                  <a:srgbClr val="00D8FF">
+                    <a:alpha val="49000"/>
+                  </a:srgbClr>
+                </a:solidFill>
+                <a:latin typeface="Consolas" panose="020B0609020204030204" pitchFamily="49" charset="0"/>
+              </a:rPr>
+              <a:t>69</a:t>
+            </a:r>
+            <a:r>
+              <a:rPr lang="en-US" altLang="zh-CN" sz="2800" b="1" dirty="0">
+                <a:solidFill>
+                  <a:schemeClr val="bg1">
+                    <a:alpha val="49000"/>
+                  </a:schemeClr>
+                </a:solidFill>
+                <a:latin typeface="Consolas" panose="020B0609020204030204" pitchFamily="49" charset="0"/>
+              </a:rPr>
+              <a:t>rps</a:t>
+            </a:r>
+            <a:endParaRPr lang="zh-CN" altLang="en-US" sz="19900" b="1" dirty="0">
+              <a:solidFill>
+                <a:schemeClr val="bg1">
+                  <a:alpha val="49000"/>
+                </a:schemeClr>
+              </a:solidFill>
+            </a:endParaRPr>
+          </a:p>
+        </p:txBody>
+      </p:sp>
+      <p:pic>
+        <p:nvPicPr>
+          <p:cNvPr id="3074" name="Picture 2" descr="Image result for friendfeed logo transparent"/>
+          <p:cNvPicPr>
+            <a:picLocks noChangeAspect="1" noChangeArrowheads="1"/>
+          </p:cNvPicPr>
+          <p:nvPr/>
+        </p:nvPicPr>
+        <p:blipFill>
+          <a:blip r:embed="rId4">
+            <a:extLst>
+              <a:ext uri="{28A0092B-C50C-407E-A947-70E740481C1C}">
+                <a14:useLocalDpi xmlns:a14="http://schemas.microsoft.com/office/drawing/2010/main" val="0"/>
+              </a:ext>
+            </a:extLst>
+          </a:blip>
+          <a:srcRect/>
+          <a:stretch>
+            <a:fillRect/>
+          </a:stretch>
+        </p:blipFill>
+        <p:spPr bwMode="auto">
+          <a:xfrm>
+            <a:off x="5601683" y="2552700"/>
+            <a:ext cx="1938211" cy="1938211"/>
+          </a:xfrm>
+          <a:prstGeom prst="rect">
+            <a:avLst/>
+          </a:prstGeom>
+          <a:noFill/>
+          <a:extLst>
+            <a:ext uri="{909E8E84-426E-40DD-AFC4-6F175D3DCCD1}">
+              <a14:hiddenFill xmlns:a14="http://schemas.microsoft.com/office/drawing/2010/main">
+                <a:solidFill>
+                  <a:srgbClr val="FFFFFF"/>
+                </a:solidFill>
+              </a14:hiddenFill>
+            </a:ext>
+          </a:extLst>
+        </p:spPr>
+      </p:pic>
+      <p:sp>
+        <p:nvSpPr>
+          <p:cNvPr id="17" name="Title 1"/>
+          <p:cNvSpPr txBox="1">
+            <a:spLocks/>
+          </p:cNvSpPr>
+          <p:nvPr/>
+        </p:nvSpPr>
+        <p:spPr>
+          <a:xfrm>
+            <a:off x="5114489" y="2664174"/>
+            <a:ext cx="2194717" cy="666063"/>
+          </a:xfrm>
+          <a:prstGeom prst="rect">
+            <a:avLst/>
+          </a:prstGeom>
+        </p:spPr>
+        <p:txBody>
+          <a:bodyPr vert="horz" lIns="91440" tIns="45720" rIns="91440" bIns="45720" rtlCol="0" anchor="ctr">
+            <a:normAutofit/>
+          </a:bodyPr>
+          <a:lstStyle>
+            <a:lvl1pPr algn="ctr" defTabSz="914400" rtl="0" eaLnBrk="1" latinLnBrk="0" hangingPunct="1">
+              <a:lnSpc>
+                <a:spcPct val="90000"/>
+              </a:lnSpc>
+              <a:spcBef>
+                <a:spcPct val="0"/>
+              </a:spcBef>
+              <a:buNone/>
+              <a:defRPr sz="6000" kern="1200">
+                <a:solidFill>
+                  <a:schemeClr val="tx1"/>
+                </a:solidFill>
+                <a:latin typeface="+mj-lt"/>
+                <a:ea typeface="+mj-ea"/>
+                <a:cs typeface="+mj-cs"/>
+              </a:defRPr>
+            </a:lvl1pPr>
+          </a:lstStyle>
+          <a:p>
+            <a:r>
+              <a:rPr lang="en-US" altLang="zh-CN" sz="3200" b="1" i="1" dirty="0">
+                <a:solidFill>
+                  <a:srgbClr val="61DAFB"/>
+                </a:solidFill>
+                <a:latin typeface="Century Gothic" panose="020B0502020202020204" pitchFamily="34" charset="0"/>
+              </a:rPr>
+              <a:t>Tornado</a:t>
+            </a:r>
+            <a:endParaRPr lang="zh-CN" altLang="en-US" sz="3200" b="1" i="1" dirty="0">
+              <a:solidFill>
+                <a:srgbClr val="61DAFB"/>
+              </a:solidFill>
+              <a:latin typeface="Century Gothic" panose="020B0502020202020204" pitchFamily="34" charset="0"/>
+            </a:endParaRPr>
+          </a:p>
+        </p:txBody>
+      </p:sp>
+      <p:grpSp>
+        <p:nvGrpSpPr>
+          <p:cNvPr id="21" name="Group 20"/>
+          <p:cNvGrpSpPr/>
+          <p:nvPr/>
+        </p:nvGrpSpPr>
+        <p:grpSpPr>
+          <a:xfrm>
+            <a:off x="5707716" y="3441988"/>
+            <a:ext cx="1305428" cy="484321"/>
+            <a:chOff x="5514473" y="5621810"/>
+            <a:chExt cx="1305428" cy="484321"/>
+          </a:xfrm>
+        </p:grpSpPr>
+        <p:pic>
+          <p:nvPicPr>
+            <p:cNvPr id="22" name="Picture 21"/>
+            <p:cNvPicPr>
+              <a:picLocks noChangeAspect="1"/>
+            </p:cNvPicPr>
+            <p:nvPr/>
+          </p:nvPicPr>
+          <p:blipFill>
+            <a:blip r:embed="rId5">
+              <a:extLst>
+                <a:ext uri="{28A0092B-C50C-407E-A947-70E740481C1C}">
+                  <a14:useLocalDpi xmlns:a14="http://schemas.microsoft.com/office/drawing/2010/main" val="0"/>
+                </a:ext>
+              </a:extLst>
+            </a:blip>
+            <a:stretch>
+              <a:fillRect/>
+            </a:stretch>
+          </p:blipFill>
+          <p:spPr>
+            <a:xfrm>
+              <a:off x="5514473" y="5621810"/>
+              <a:ext cx="458921" cy="458921"/>
+            </a:xfrm>
+            <a:prstGeom prst="rect">
+              <a:avLst/>
+            </a:prstGeom>
+          </p:spPr>
+        </p:pic>
+        <p:sp>
+          <p:nvSpPr>
+            <p:cNvPr id="23" name="Title 1"/>
+            <p:cNvSpPr txBox="1">
+              <a:spLocks/>
+            </p:cNvSpPr>
+            <p:nvPr/>
+          </p:nvSpPr>
+          <p:spPr>
+            <a:xfrm>
+              <a:off x="5967501" y="5647210"/>
+              <a:ext cx="852400" cy="458921"/>
+            </a:xfrm>
+            <a:prstGeom prst="rect">
+              <a:avLst/>
+            </a:prstGeom>
+          </p:spPr>
+          <p:txBody>
+            <a:bodyPr vert="horz" lIns="91440" tIns="45720" rIns="91440" bIns="45720" rtlCol="0" anchor="ctr">
+              <a:normAutofit/>
+            </a:bodyPr>
+            <a:lstStyle>
+              <a:lvl1pPr algn="ctr" defTabSz="914400" rtl="0" eaLnBrk="1" latinLnBrk="0" hangingPunct="1">
+                <a:lnSpc>
+                  <a:spcPct val="90000"/>
+                </a:lnSpc>
+                <a:spcBef>
+                  <a:spcPct val="0"/>
+                </a:spcBef>
+                <a:buNone/>
+                <a:defRPr sz="6000" kern="1200">
+                  <a:solidFill>
+                    <a:schemeClr val="tx1"/>
+                  </a:solidFill>
+                  <a:latin typeface="+mj-lt"/>
+                  <a:ea typeface="+mj-ea"/>
+                  <a:cs typeface="+mj-cs"/>
+                </a:defRPr>
+              </a:lvl1pPr>
+            </a:lstStyle>
+            <a:p>
+              <a:pPr algn="l"/>
+              <a:r>
+                <a:rPr lang="en-US" altLang="zh-CN" sz="2000" i="1" dirty="0">
+                  <a:solidFill>
+                    <a:schemeClr val="bg1"/>
+                  </a:solidFill>
+                  <a:latin typeface="Century Gothic" panose="020B0502020202020204" pitchFamily="34" charset="0"/>
+                </a:rPr>
+                <a:t>14.2k</a:t>
+              </a:r>
+              <a:endParaRPr lang="zh-CN" altLang="en-US" sz="2000" i="1" dirty="0">
+                <a:solidFill>
+                  <a:schemeClr val="bg1"/>
+                </a:solidFill>
+                <a:latin typeface="Century Gothic" panose="020B0502020202020204" pitchFamily="34" charset="0"/>
+              </a:endParaRPr>
+            </a:p>
+          </p:txBody>
+        </p:sp>
+      </p:grpSp>
+    </p:spTree>
+    <p:extLst>
+      <p:ext uri="{BB962C8B-B14F-4D97-AF65-F5344CB8AC3E}">
+        <p14:creationId xmlns:p14="http://schemas.microsoft.com/office/powerpoint/2010/main" val="3402896867"/>
+      </p:ext>
+    </p:extLst>
+  </p:cSld>
+  <p:clrMapOvr>
+    <a:masterClrMapping/>
+  </p:clrMapOvr>
+  <p:transition spd="slow">
+    <p:push/>
+  </p:transition>
+  <p:timing>
+    <p:tnLst>
+      <p:par>
+        <p:cTn id="1" dur="indefinite" restart="never" nodeType="tmRoot">
+          <p:childTnLst>
+            <p:seq concurrent="1" nextAc="seek">
+              <p:cTn id="2" dur="indefinite" nodeType="mainSeq">
+                <p:childTnLst>
+                  <p:par>
+                    <p:cTn id="3" fill="hold">
+                      <p:stCondLst>
+                        <p:cond delay="indefinite"/>
+                      </p:stCondLst>
+                      <p:childTnLst>
+                        <p:par>
+                          <p:cTn id="4" fill="hold">
+                            <p:stCondLst>
+                              <p:cond delay="0"/>
+                            </p:stCondLst>
+                            <p:childTnLst>
+                              <p:par>
+                                <p:cTn id="5" presetID="10" presetClass="entr" presetSubtype="0" fill="hold" nodeType="clickEffect">
+                                  <p:stCondLst>
+                                    <p:cond delay="0"/>
+                                  </p:stCondLst>
+                                  <p:childTnLst>
+                                    <p:set>
+                                      <p:cBhvr>
+                                        <p:cTn id="6" dur="1" fill="hold">
+                                          <p:stCondLst>
+                                            <p:cond delay="0"/>
+                                          </p:stCondLst>
+                                        </p:cTn>
+                                        <p:tgtEl>
+                                          <p:spTgt spid="3074"/>
+                                        </p:tgtEl>
+                                        <p:attrNameLst>
+                                          <p:attrName>style.visibility</p:attrName>
+                                        </p:attrNameLst>
+                                      </p:cBhvr>
+                                      <p:to>
+                                        <p:strVal val="visible"/>
+                                      </p:to>
+                                    </p:set>
+                                    <p:animEffect transition="in" filter="fade">
+                                      <p:cBhvr>
+                                        <p:cTn id="7" dur="500"/>
+                                        <p:tgtEl>
+                                          <p:spTgt spid="3074"/>
+                                        </p:tgtEl>
+                                      </p:cBhvr>
+                                    </p:animEffect>
+                                  </p:childTnLst>
+                                </p:cTn>
+                              </p:par>
+                            </p:childTnLst>
+                          </p:cTn>
+                        </p:par>
+                      </p:childTnLst>
+                    </p:cTn>
+                  </p:par>
+                  <p:par>
+                    <p:cTn id="8" fill="hold">
+                      <p:stCondLst>
+                        <p:cond delay="indefinite"/>
+                      </p:stCondLst>
+                      <p:childTnLst>
+                        <p:par>
+                          <p:cTn id="9" fill="hold">
+                            <p:stCondLst>
+                              <p:cond delay="0"/>
+                            </p:stCondLst>
+                            <p:childTnLst>
+                              <p:par>
+                                <p:cTn id="10" presetID="10" presetClass="exit" presetSubtype="0" fill="hold" nodeType="clickEffect">
+                                  <p:stCondLst>
+                                    <p:cond delay="0"/>
+                                  </p:stCondLst>
+                                  <p:childTnLst>
+                                    <p:animEffect transition="out" filter="fade">
+                                      <p:cBhvr>
+                                        <p:cTn id="11" dur="500"/>
+                                        <p:tgtEl>
+                                          <p:spTgt spid="3074"/>
+                                        </p:tgtEl>
+                                      </p:cBhvr>
+                                    </p:animEffect>
+                                    <p:set>
+                                      <p:cBhvr>
+                                        <p:cTn id="12" dur="1" fill="hold">
+                                          <p:stCondLst>
+                                            <p:cond delay="499"/>
+                                          </p:stCondLst>
+                                        </p:cTn>
+                                        <p:tgtEl>
+                                          <p:spTgt spid="3074"/>
+                                        </p:tgtEl>
+                                        <p:attrNameLst>
+                                          <p:attrName>style.visibility</p:attrName>
+                                        </p:attrNameLst>
+                                      </p:cBhvr>
+                                      <p:to>
+                                        <p:strVal val="hidden"/>
+                                      </p:to>
+                                    </p:set>
+                                  </p:childTnLst>
+                                </p:cTn>
+                              </p:par>
+                              <p:par>
+                                <p:cTn id="13" presetID="10" presetClass="entr" presetSubtype="0" fill="hold" grpId="0" nodeType="withEffect">
+                                  <p:stCondLst>
+                                    <p:cond delay="300"/>
+                                  </p:stCondLst>
+                                  <p:childTnLst>
+                                    <p:set>
+                                      <p:cBhvr>
+                                        <p:cTn id="14" dur="1" fill="hold">
+                                          <p:stCondLst>
+                                            <p:cond delay="0"/>
+                                          </p:stCondLst>
+                                        </p:cTn>
+                                        <p:tgtEl>
+                                          <p:spTgt spid="6"/>
+                                        </p:tgtEl>
+                                        <p:attrNameLst>
+                                          <p:attrName>style.visibility</p:attrName>
+                                        </p:attrNameLst>
+                                      </p:cBhvr>
+                                      <p:to>
+                                        <p:strVal val="visible"/>
+                                      </p:to>
+                                    </p:set>
+                                    <p:animEffect transition="in" filter="fade">
+                                      <p:cBhvr>
+                                        <p:cTn id="15" dur="500"/>
+                                        <p:tgtEl>
+                                          <p:spTgt spid="6"/>
+                                        </p:tgtEl>
+                                      </p:cBhvr>
+                                    </p:animEffect>
+                                  </p:childTnLst>
+                                </p:cTn>
+                              </p:par>
+                            </p:childTnLst>
+                          </p:cTn>
+                        </p:par>
+                      </p:childTnLst>
+                    </p:cTn>
+                  </p:par>
+                  <p:par>
+                    <p:cTn id="16" fill="hold">
+                      <p:stCondLst>
+                        <p:cond delay="indefinite"/>
+                      </p:stCondLst>
+                      <p:childTnLst>
+                        <p:par>
+                          <p:cTn id="17" fill="hold">
+                            <p:stCondLst>
+                              <p:cond delay="0"/>
+                            </p:stCondLst>
+                            <p:childTnLst>
+                              <p:par>
+                                <p:cTn id="18" presetID="9" presetClass="emph" presetSubtype="0" grpId="1" nodeType="clickEffect">
+                                  <p:stCondLst>
+                                    <p:cond delay="0"/>
+                                  </p:stCondLst>
+                                  <p:childTnLst>
+                                    <p:set>
+                                      <p:cBhvr>
+                                        <p:cTn id="19" dur="indefinite"/>
+                                        <p:tgtEl>
+                                          <p:spTgt spid="6"/>
+                                        </p:tgtEl>
+                                        <p:attrNameLst>
+                                          <p:attrName>style.opacity</p:attrName>
+                                        </p:attrNameLst>
+                                      </p:cBhvr>
+                                      <p:to>
+                                        <p:strVal val="0.5"/>
+                                      </p:to>
+                                    </p:set>
+                                    <p:animEffect filter="image" prLst="opacity: 0.5">
+                                      <p:cBhvr rctx="IE">
+                                        <p:cTn id="20" dur="indefinite"/>
+                                        <p:tgtEl>
+                                          <p:spTgt spid="6"/>
+                                        </p:tgtEl>
+                                      </p:cBhvr>
+                                    </p:animEffect>
+                                  </p:childTnLst>
+                                </p:cTn>
+                              </p:par>
+                            </p:childTnLst>
+                          </p:cTn>
+                        </p:par>
+                        <p:par>
+                          <p:cTn id="21" fill="hold">
+                            <p:stCondLst>
+                              <p:cond delay="0"/>
+                            </p:stCondLst>
+                            <p:childTnLst>
+                              <p:par>
+                                <p:cTn id="22" presetID="10" presetClass="entr" presetSubtype="0" fill="hold" grpId="0" nodeType="afterEffect">
+                                  <p:stCondLst>
+                                    <p:cond delay="0"/>
+                                  </p:stCondLst>
+                                  <p:childTnLst>
+                                    <p:set>
+                                      <p:cBhvr>
+                                        <p:cTn id="23" dur="1" fill="hold">
+                                          <p:stCondLst>
+                                            <p:cond delay="0"/>
+                                          </p:stCondLst>
+                                        </p:cTn>
+                                        <p:tgtEl>
+                                          <p:spTgt spid="20"/>
+                                        </p:tgtEl>
+                                        <p:attrNameLst>
+                                          <p:attrName>style.visibility</p:attrName>
+                                        </p:attrNameLst>
+                                      </p:cBhvr>
+                                      <p:to>
+                                        <p:strVal val="visible"/>
+                                      </p:to>
+                                    </p:set>
+                                    <p:animEffect transition="in" filter="fade">
+                                      <p:cBhvr>
+                                        <p:cTn id="24" dur="500"/>
+                                        <p:tgtEl>
+                                          <p:spTgt spid="20"/>
+                                        </p:tgtEl>
+                                      </p:cBhvr>
+                                    </p:animEffect>
+                                  </p:childTnLst>
+                                </p:cTn>
+                              </p:par>
+                            </p:childTnLst>
+                          </p:cTn>
+                        </p:par>
+                        <p:par>
+                          <p:cTn id="25" fill="hold">
+                            <p:stCondLst>
+                              <p:cond delay="500"/>
+                            </p:stCondLst>
+                            <p:childTnLst>
+                              <p:par>
+                                <p:cTn id="26" presetID="1" presetClass="entr" presetSubtype="0" fill="hold" grpId="0" nodeType="afterEffect">
+                                  <p:stCondLst>
+                                    <p:cond delay="0"/>
+                                  </p:stCondLst>
+                                  <p:childTnLst>
+                                    <p:set>
+                                      <p:cBhvr>
+                                        <p:cTn id="27" dur="1" fill="hold">
+                                          <p:stCondLst>
+                                            <p:cond delay="0"/>
+                                          </p:stCondLst>
+                                        </p:cTn>
+                                        <p:tgtEl>
+                                          <p:spTgt spid="17"/>
+                                        </p:tgtEl>
+                                        <p:attrNameLst>
+                                          <p:attrName>style.visibility</p:attrName>
+                                        </p:attrNameLst>
+                                      </p:cBhvr>
+                                      <p:to>
+                                        <p:strVal val="visible"/>
+                                      </p:to>
+                                    </p:set>
+                                  </p:childTnLst>
+                                </p:cTn>
+                              </p:par>
+                            </p:childTnLst>
+                          </p:cTn>
+                        </p:par>
+                        <p:par>
+                          <p:cTn id="28" fill="hold">
+                            <p:stCondLst>
+                              <p:cond delay="500"/>
+                            </p:stCondLst>
+                            <p:childTnLst>
+                              <p:par>
+                                <p:cTn id="29" presetID="1" presetClass="entr" presetSubtype="0" fill="hold" nodeType="afterEffect">
+                                  <p:stCondLst>
+                                    <p:cond delay="500"/>
+                                  </p:stCondLst>
+                                  <p:childTnLst>
+                                    <p:set>
+                                      <p:cBhvr>
+                                        <p:cTn id="30" dur="1" fill="hold">
+                                          <p:stCondLst>
+                                            <p:cond delay="0"/>
+                                          </p:stCondLst>
+                                        </p:cTn>
+                                        <p:tgtEl>
+                                          <p:spTgt spid="21"/>
+                                        </p:tgtEl>
+                                        <p:attrNameLst>
+                                          <p:attrName>style.visibility</p:attrName>
+                                        </p:attrNameLst>
+                                      </p:cBhvr>
+                                      <p:to>
+                                        <p:strVal val="visible"/>
+                                      </p:to>
+                                    </p:set>
+                                  </p:childTnLst>
+                                </p:cTn>
+                              </p:par>
+                            </p:childTnLst>
+                          </p:cTn>
+                        </p:par>
+                      </p:childTnLst>
+                    </p:cTn>
+                  </p:par>
+                </p:childTnLst>
+              </p:cTn>
+              <p:prevCondLst>
+                <p:cond evt="onPrev" delay="0">
+                  <p:tgtEl>
+                    <p:sldTgt/>
+                  </p:tgtEl>
+                </p:cond>
+              </p:prevCondLst>
+              <p:nextCondLst>
+                <p:cond evt="onNext" delay="0">
+                  <p:tgtEl>
+                    <p:sldTgt/>
+                  </p:tgtEl>
+                </p:cond>
+              </p:nextCondLst>
+            </p:seq>
+          </p:childTnLst>
+        </p:cTn>
+      </p:par>
+    </p:tnLst>
+    <p:bldLst>
+      <p:bldP spid="6" grpId="0"/>
+      <p:bldP spid="6" grpId="1"/>
+      <p:bldP spid="20" grpId="0"/>
+      <p:bldP spid="17" grpId="0"/>
+    </p:bldLst>
+  </p:timing>
+</p:sld>
+</file>
+
+<file path=ppt/slides/slide14.xml><?xml version="1.0" encoding="utf-8"?>
 <p:sld xmlns:a="http://schemas.openxmlformats.org/drawingml/2006/main" xmlns:r="http://schemas.openxmlformats.org/officeDocument/2006/relationships" xmlns:p="http://schemas.openxmlformats.org/presentationml/2006/main">
   <p:cSld>
     <p:spTree>
@@ -17147,8 +22670,8 @@
         </p:nvSpPr>
         <p:spPr>
           <a:xfrm>
-            <a:off x="6234283" y="2839999"/>
-            <a:ext cx="4432624" cy="1200329"/>
+            <a:off x="6268643" y="2815880"/>
+            <a:ext cx="4910319" cy="1200329"/>
           </a:xfrm>
           <a:prstGeom prst="rect">
             <a:avLst/>
@@ -17168,7 +22691,37 @@
                 <a:latin typeface="Consolas" panose="020B0609020204030204" pitchFamily="49" charset="0"/>
                 <a:ea typeface="Fira Code"/>
               </a:rPr>
-              <a:t>~ </a:t>
+              <a:t>➜</a:t>
+            </a:r>
+            <a:r>
+              <a:rPr lang="en-US" altLang="zh-CN" sz="2400" dirty="0">
+                <a:solidFill>
+                  <a:srgbClr val="A9B7C6"/>
+                </a:solidFill>
+                <a:latin typeface="Consolas" panose="020B0609020204030204" pitchFamily="49" charset="0"/>
+                <a:ea typeface="Fira Code"/>
+              </a:rPr>
+              <a:t> </a:t>
+            </a:r>
+            <a:r>
+              <a:rPr lang="en-US" altLang="zh-CN" sz="2400" dirty="0">
+                <a:solidFill>
+                  <a:srgbClr val="61DAFB"/>
+                </a:solidFill>
+                <a:latin typeface="Consolas" panose="020B0609020204030204" pitchFamily="49" charset="0"/>
+                <a:ea typeface="Fira Code"/>
+              </a:rPr>
+              <a:t>~</a:t>
+            </a:r>
+            <a:r>
+              <a:rPr lang="en-US" altLang="zh-CN" sz="2400" dirty="0">
+                <a:solidFill>
+                  <a:srgbClr val="40AA54"/>
+                </a:solidFill>
+                <a:latin typeface="Consolas" panose="020B0609020204030204" pitchFamily="49" charset="0"/>
+                <a:ea typeface="Fira Code"/>
+              </a:rPr>
+              <a:t> </a:t>
             </a:r>
             <a:r>
               <a:rPr lang="zh-CN" altLang="en-US" sz="2400" dirty="0">
@@ -17213,7 +22766,7 @@
                 <a:latin typeface="Consolas" panose="020B0609020204030204" pitchFamily="49" charset="0"/>
                 <a:ea typeface="Fira Code"/>
               </a:rPr>
-              <a:t>~ cd </a:t>
+              <a:t>➜</a:t>
             </a:r>
             <a:r>
               <a:rPr lang="en-US" altLang="zh-CN" sz="2400" dirty="0">
@@ -17223,6 +22776,36 @@
                 <a:latin typeface="Consolas" panose="020B0609020204030204" pitchFamily="49" charset="0"/>
                 <a:ea typeface="Fira Code"/>
               </a:rPr>
+              <a:t> </a:t>
+            </a:r>
+            <a:r>
+              <a:rPr lang="en-US" altLang="zh-CN" sz="2400" dirty="0">
+                <a:solidFill>
+                  <a:srgbClr val="61DAFB"/>
+                </a:solidFill>
+                <a:latin typeface="Consolas" panose="020B0609020204030204" pitchFamily="49" charset="0"/>
+                <a:ea typeface="Fira Code"/>
+              </a:rPr>
+              <a:t>~</a:t>
+            </a:r>
+            <a:r>
+              <a:rPr lang="en-US" altLang="zh-CN" sz="2400" dirty="0">
+                <a:solidFill>
+                  <a:srgbClr val="40AA54"/>
+                </a:solidFill>
+                <a:latin typeface="Consolas" panose="020B0609020204030204" pitchFamily="49" charset="0"/>
+                <a:ea typeface="Fira Code"/>
+              </a:rPr>
+              <a:t> cd </a:t>
+            </a:r>
+            <a:r>
+              <a:rPr lang="en-US" altLang="zh-CN" sz="2400" dirty="0">
+                <a:solidFill>
+                  <a:srgbClr val="A9B7C6"/>
+                </a:solidFill>
+                <a:latin typeface="Consolas" panose="020B0609020204030204" pitchFamily="49" charset="0"/>
+                <a:ea typeface="Fira Code"/>
+              </a:rPr>
               <a:t>my-app/</a:t>
             </a:r>
           </a:p>
@@ -17235,7 +22818,37 @@
                 <a:latin typeface="Consolas" panose="020B0609020204030204" pitchFamily="49" charset="0"/>
                 <a:ea typeface="Fira Code"/>
               </a:rPr>
-              <a:t>~ yarn </a:t>
+              <a:t>➜</a:t>
+            </a:r>
+            <a:r>
+              <a:rPr lang="en-US" altLang="zh-CN" sz="2400" dirty="0">
+                <a:solidFill>
+                  <a:srgbClr val="A9B7C6"/>
+                </a:solidFill>
+                <a:latin typeface="Consolas" panose="020B0609020204030204" pitchFamily="49" charset="0"/>
+                <a:ea typeface="Fira Code"/>
+              </a:rPr>
+              <a:t> </a:t>
+            </a:r>
+            <a:r>
+              <a:rPr lang="en-US" altLang="zh-CN" sz="2400" dirty="0">
+                <a:solidFill>
+                  <a:srgbClr val="61DAFB"/>
+                </a:solidFill>
+                <a:latin typeface="Consolas" panose="020B0609020204030204" pitchFamily="49" charset="0"/>
+                <a:ea typeface="Fira Code"/>
+              </a:rPr>
+              <a:t>~</a:t>
+            </a:r>
+            <a:r>
+              <a:rPr lang="en-US" altLang="zh-CN" sz="2400" dirty="0">
+                <a:solidFill>
+                  <a:srgbClr val="40AA54"/>
+                </a:solidFill>
+                <a:latin typeface="Consolas" panose="020B0609020204030204" pitchFamily="49" charset="0"/>
+                <a:ea typeface="Fira Code"/>
+              </a:rPr>
+              <a:t> yarn </a:t>
             </a:r>
             <a:r>
               <a:rPr lang="en-US" altLang="zh-CN" sz="2400" dirty="0">
